--- a/Präsentation.pptx
+++ b/Präsentation.pptx
@@ -9,9 +9,10 @@
     <p:sldId id="257" r:id="rId3"/>
     <p:sldId id="258" r:id="rId4"/>
     <p:sldId id="259" r:id="rId5"/>
-    <p:sldId id="260" r:id="rId6"/>
-    <p:sldId id="262" r:id="rId7"/>
-    <p:sldId id="261" r:id="rId8"/>
+    <p:sldId id="263" r:id="rId6"/>
+    <p:sldId id="260" r:id="rId7"/>
+    <p:sldId id="262" r:id="rId8"/>
+    <p:sldId id="261" r:id="rId9"/>
   </p:sldIdLst>
   <p:sldSz cx="12192000" cy="6858000"/>
   <p:notesSz cx="6858000" cy="9144000"/>
@@ -110,7 +111,5545 @@
       </a:defRPr>
     </a:lvl9pPr>
   </p:defaultTextStyle>
+  <p:extLst>
+    <p:ext uri="{EFAFB233-063F-42B5-8137-9DF3F51BA10A}">
+      <p15:sldGuideLst xmlns:p15="http://schemas.microsoft.com/office/powerpoint/2012/main"/>
+    </p:ext>
+  </p:extLst>
 </p:presentation>
+</file>
+
+<file path=ppt/diagrams/colors1.xml><?xml version="1.0" encoding="utf-8"?>
+<dgm:colorsDef xmlns:dgm="http://schemas.openxmlformats.org/drawingml/2006/diagram" xmlns:a="http://schemas.openxmlformats.org/drawingml/2006/main" uniqueId="urn:microsoft.com/office/officeart/2005/8/colors/accent1_4">
+  <dgm:title val=""/>
+  <dgm:desc val=""/>
+  <dgm:catLst>
+    <dgm:cat type="accent1" pri="11400"/>
+  </dgm:catLst>
+  <dgm:styleLbl name="node0">
+    <dgm:fillClrLst meth="cycle">
+      <a:schemeClr val="accent1">
+        <a:shade val="60000"/>
+      </a:schemeClr>
+    </dgm:fillClrLst>
+    <dgm:linClrLst meth="repeat">
+      <a:schemeClr val="lt1"/>
+    </dgm:linClrLst>
+    <dgm:effectClrLst/>
+    <dgm:txLinClrLst/>
+    <dgm:txFillClrLst/>
+    <dgm:txEffectClrLst/>
+  </dgm:styleLbl>
+  <dgm:styleLbl name="node1">
+    <dgm:fillClrLst meth="cycle">
+      <a:schemeClr val="accent1">
+        <a:shade val="50000"/>
+      </a:schemeClr>
+      <a:schemeClr val="accent1">
+        <a:tint val="55000"/>
+      </a:schemeClr>
+    </dgm:fillClrLst>
+    <dgm:linClrLst meth="repeat">
+      <a:schemeClr val="lt1"/>
+    </dgm:linClrLst>
+    <dgm:effectClrLst/>
+    <dgm:txLinClrLst/>
+    <dgm:txFillClrLst/>
+    <dgm:txEffectClrLst/>
+  </dgm:styleLbl>
+  <dgm:styleLbl name="alignNode1">
+    <dgm:fillClrLst meth="cycle">
+      <a:schemeClr val="accent1">
+        <a:shade val="50000"/>
+      </a:schemeClr>
+      <a:schemeClr val="accent1">
+        <a:tint val="55000"/>
+      </a:schemeClr>
+    </dgm:fillClrLst>
+    <dgm:linClrLst meth="cycle">
+      <a:schemeClr val="accent1">
+        <a:shade val="50000"/>
+      </a:schemeClr>
+      <a:schemeClr val="accent1">
+        <a:tint val="55000"/>
+      </a:schemeClr>
+    </dgm:linClrLst>
+    <dgm:effectClrLst/>
+    <dgm:txLinClrLst/>
+    <dgm:txFillClrLst/>
+    <dgm:txEffectClrLst/>
+  </dgm:styleLbl>
+  <dgm:styleLbl name="lnNode1">
+    <dgm:fillClrLst meth="cycle">
+      <a:schemeClr val="accent1">
+        <a:shade val="50000"/>
+      </a:schemeClr>
+      <a:schemeClr val="accent1">
+        <a:tint val="55000"/>
+      </a:schemeClr>
+    </dgm:fillClrLst>
+    <dgm:linClrLst meth="repeat">
+      <a:schemeClr val="lt1"/>
+    </dgm:linClrLst>
+    <dgm:effectClrLst/>
+    <dgm:txLinClrLst/>
+    <dgm:txFillClrLst/>
+    <dgm:txEffectClrLst/>
+  </dgm:styleLbl>
+  <dgm:styleLbl name="vennNode1">
+    <dgm:fillClrLst meth="cycle">
+      <a:schemeClr val="accent1">
+        <a:shade val="80000"/>
+        <a:alpha val="50000"/>
+      </a:schemeClr>
+      <a:schemeClr val="accent1">
+        <a:tint val="50000"/>
+        <a:alpha val="50000"/>
+      </a:schemeClr>
+    </dgm:fillClrLst>
+    <dgm:linClrLst meth="repeat">
+      <a:schemeClr val="lt1"/>
+    </dgm:linClrLst>
+    <dgm:effectClrLst/>
+    <dgm:txLinClrLst/>
+    <dgm:txFillClrLst/>
+    <dgm:txEffectClrLst/>
+  </dgm:styleLbl>
+  <dgm:styleLbl name="node2">
+    <dgm:fillClrLst>
+      <a:schemeClr val="accent1">
+        <a:shade val="80000"/>
+      </a:schemeClr>
+    </dgm:fillClrLst>
+    <dgm:linClrLst meth="repeat">
+      <a:schemeClr val="lt1"/>
+    </dgm:linClrLst>
+    <dgm:effectClrLst/>
+    <dgm:txLinClrLst/>
+    <dgm:txFillClrLst/>
+    <dgm:txEffectClrLst/>
+  </dgm:styleLbl>
+  <dgm:styleLbl name="node3">
+    <dgm:fillClrLst>
+      <a:schemeClr val="accent1">
+        <a:tint val="99000"/>
+      </a:schemeClr>
+    </dgm:fillClrLst>
+    <dgm:linClrLst meth="repeat">
+      <a:schemeClr val="lt1"/>
+    </dgm:linClrLst>
+    <dgm:effectClrLst/>
+    <dgm:txLinClrLst/>
+    <dgm:txFillClrLst/>
+    <dgm:txEffectClrLst/>
+  </dgm:styleLbl>
+  <dgm:styleLbl name="node4">
+    <dgm:fillClrLst>
+      <a:schemeClr val="accent1">
+        <a:tint val="70000"/>
+      </a:schemeClr>
+    </dgm:fillClrLst>
+    <dgm:linClrLst meth="repeat">
+      <a:schemeClr val="lt1"/>
+    </dgm:linClrLst>
+    <dgm:effectClrLst/>
+    <dgm:txLinClrLst/>
+    <dgm:txFillClrLst/>
+    <dgm:txEffectClrLst/>
+  </dgm:styleLbl>
+  <dgm:styleLbl name="fgImgPlace1">
+    <dgm:fillClrLst>
+      <a:schemeClr val="accent1">
+        <a:tint val="50000"/>
+      </a:schemeClr>
+      <a:schemeClr val="accent1">
+        <a:tint val="55000"/>
+      </a:schemeClr>
+    </dgm:fillClrLst>
+    <dgm:linClrLst meth="repeat">
+      <a:schemeClr val="lt1"/>
+    </dgm:linClrLst>
+    <dgm:effectClrLst/>
+    <dgm:txLinClrLst/>
+    <dgm:txFillClrLst meth="repeat">
+      <a:schemeClr val="lt1"/>
+    </dgm:txFillClrLst>
+    <dgm:txEffectClrLst/>
+  </dgm:styleLbl>
+  <dgm:styleLbl name="alignImgPlace1">
+    <dgm:fillClrLst>
+      <a:schemeClr val="accent1">
+        <a:tint val="50000"/>
+      </a:schemeClr>
+      <a:schemeClr val="accent1">
+        <a:tint val="55000"/>
+      </a:schemeClr>
+    </dgm:fillClrLst>
+    <dgm:linClrLst meth="repeat">
+      <a:schemeClr val="lt1"/>
+    </dgm:linClrLst>
+    <dgm:effectClrLst/>
+    <dgm:txLinClrLst/>
+    <dgm:txFillClrLst meth="repeat">
+      <a:schemeClr val="lt1"/>
+    </dgm:txFillClrLst>
+    <dgm:txEffectClrLst/>
+  </dgm:styleLbl>
+  <dgm:styleLbl name="bgImgPlace1">
+    <dgm:fillClrLst>
+      <a:schemeClr val="accent1">
+        <a:tint val="50000"/>
+      </a:schemeClr>
+      <a:schemeClr val="accent1">
+        <a:tint val="55000"/>
+      </a:schemeClr>
+    </dgm:fillClrLst>
+    <dgm:linClrLst meth="repeat">
+      <a:schemeClr val="lt1"/>
+    </dgm:linClrLst>
+    <dgm:effectClrLst/>
+    <dgm:txLinClrLst/>
+    <dgm:txFillClrLst meth="repeat">
+      <a:schemeClr val="lt1"/>
+    </dgm:txFillClrLst>
+    <dgm:txEffectClrLst/>
+  </dgm:styleLbl>
+  <dgm:styleLbl name="sibTrans2D1">
+    <dgm:fillClrLst meth="cycle">
+      <a:schemeClr val="accent1">
+        <a:shade val="90000"/>
+      </a:schemeClr>
+      <a:schemeClr val="accent1">
+        <a:tint val="50000"/>
+      </a:schemeClr>
+    </dgm:fillClrLst>
+    <dgm:linClrLst meth="cycle">
+      <a:schemeClr val="accent1">
+        <a:shade val="90000"/>
+      </a:schemeClr>
+      <a:schemeClr val="accent1">
+        <a:tint val="50000"/>
+      </a:schemeClr>
+    </dgm:linClrLst>
+    <dgm:effectClrLst/>
+    <dgm:txLinClrLst/>
+    <dgm:txFillClrLst/>
+    <dgm:txEffectClrLst/>
+  </dgm:styleLbl>
+  <dgm:styleLbl name="fgSibTrans2D1">
+    <dgm:fillClrLst meth="cycle">
+      <a:schemeClr val="accent1">
+        <a:shade val="90000"/>
+      </a:schemeClr>
+      <a:schemeClr val="accent1">
+        <a:tint val="50000"/>
+      </a:schemeClr>
+    </dgm:fillClrLst>
+    <dgm:linClrLst meth="cycle">
+      <a:schemeClr val="accent1">
+        <a:shade val="90000"/>
+      </a:schemeClr>
+      <a:schemeClr val="accent1">
+        <a:tint val="50000"/>
+      </a:schemeClr>
+    </dgm:linClrLst>
+    <dgm:effectClrLst/>
+    <dgm:txLinClrLst/>
+    <dgm:txFillClrLst/>
+    <dgm:txEffectClrLst/>
+  </dgm:styleLbl>
+  <dgm:styleLbl name="bgSibTrans2D1">
+    <dgm:fillClrLst meth="cycle">
+      <a:schemeClr val="accent1">
+        <a:shade val="90000"/>
+      </a:schemeClr>
+      <a:schemeClr val="accent1">
+        <a:tint val="50000"/>
+      </a:schemeClr>
+    </dgm:fillClrLst>
+    <dgm:linClrLst meth="cycle">
+      <a:schemeClr val="accent1">
+        <a:shade val="90000"/>
+      </a:schemeClr>
+      <a:schemeClr val="accent1">
+        <a:tint val="50000"/>
+      </a:schemeClr>
+    </dgm:linClrLst>
+    <dgm:effectClrLst/>
+    <dgm:txLinClrLst/>
+    <dgm:txFillClrLst/>
+    <dgm:txEffectClrLst/>
+  </dgm:styleLbl>
+  <dgm:styleLbl name="sibTrans1D1">
+    <dgm:fillClrLst meth="cycle">
+      <a:schemeClr val="accent1">
+        <a:shade val="90000"/>
+      </a:schemeClr>
+      <a:schemeClr val="accent1">
+        <a:tint val="50000"/>
+      </a:schemeClr>
+    </dgm:fillClrLst>
+    <dgm:linClrLst meth="cycle">
+      <a:schemeClr val="accent1">
+        <a:shade val="90000"/>
+      </a:schemeClr>
+      <a:schemeClr val="accent1">
+        <a:tint val="50000"/>
+      </a:schemeClr>
+    </dgm:linClrLst>
+    <dgm:effectClrLst/>
+    <dgm:txLinClrLst/>
+    <dgm:txFillClrLst meth="repeat">
+      <a:schemeClr val="tx1"/>
+    </dgm:txFillClrLst>
+    <dgm:txEffectClrLst/>
+  </dgm:styleLbl>
+  <dgm:styleLbl name="callout">
+    <dgm:fillClrLst meth="repeat">
+      <a:schemeClr val="accent1"/>
+    </dgm:fillClrLst>
+    <dgm:linClrLst meth="repeat">
+      <a:schemeClr val="accent1"/>
+    </dgm:linClrLst>
+    <dgm:effectClrLst/>
+    <dgm:txLinClrLst/>
+    <dgm:txFillClrLst meth="repeat">
+      <a:schemeClr val="tx1"/>
+    </dgm:txFillClrLst>
+    <dgm:txEffectClrLst/>
+  </dgm:styleLbl>
+  <dgm:styleLbl name="asst0">
+    <dgm:fillClrLst meth="repeat">
+      <a:schemeClr val="accent1">
+        <a:shade val="80000"/>
+      </a:schemeClr>
+    </dgm:fillClrLst>
+    <dgm:linClrLst meth="repeat">
+      <a:schemeClr val="lt1"/>
+    </dgm:linClrLst>
+    <dgm:effectClrLst/>
+    <dgm:txLinClrLst/>
+    <dgm:txFillClrLst/>
+    <dgm:txEffectClrLst/>
+  </dgm:styleLbl>
+  <dgm:styleLbl name="asst1">
+    <dgm:fillClrLst meth="repeat">
+      <a:schemeClr val="accent1">
+        <a:shade val="80000"/>
+      </a:schemeClr>
+    </dgm:fillClrLst>
+    <dgm:linClrLst meth="repeat">
+      <a:schemeClr val="lt1"/>
+    </dgm:linClrLst>
+    <dgm:effectClrLst/>
+    <dgm:txLinClrLst/>
+    <dgm:txFillClrLst/>
+    <dgm:txEffectClrLst/>
+  </dgm:styleLbl>
+  <dgm:styleLbl name="asst2">
+    <dgm:fillClrLst>
+      <a:schemeClr val="accent1">
+        <a:tint val="90000"/>
+      </a:schemeClr>
+    </dgm:fillClrLst>
+    <dgm:linClrLst meth="repeat">
+      <a:schemeClr val="lt1"/>
+    </dgm:linClrLst>
+    <dgm:effectClrLst/>
+    <dgm:txLinClrLst/>
+    <dgm:txFillClrLst/>
+    <dgm:txEffectClrLst/>
+  </dgm:styleLbl>
+  <dgm:styleLbl name="asst3">
+    <dgm:fillClrLst>
+      <a:schemeClr val="accent1">
+        <a:tint val="70000"/>
+      </a:schemeClr>
+    </dgm:fillClrLst>
+    <dgm:linClrLst meth="repeat">
+      <a:schemeClr val="lt1"/>
+    </dgm:linClrLst>
+    <dgm:effectClrLst/>
+    <dgm:txLinClrLst/>
+    <dgm:txFillClrLst/>
+    <dgm:txEffectClrLst/>
+  </dgm:styleLbl>
+  <dgm:styleLbl name="asst4">
+    <dgm:fillClrLst>
+      <a:schemeClr val="accent1">
+        <a:tint val="50000"/>
+      </a:schemeClr>
+    </dgm:fillClrLst>
+    <dgm:linClrLst meth="repeat">
+      <a:schemeClr val="lt1"/>
+    </dgm:linClrLst>
+    <dgm:effectClrLst/>
+    <dgm:txLinClrLst/>
+    <dgm:txFillClrLst/>
+    <dgm:txEffectClrLst/>
+  </dgm:styleLbl>
+  <dgm:styleLbl name="parChTrans2D1">
+    <dgm:fillClrLst meth="repeat">
+      <a:schemeClr val="accent1">
+        <a:tint val="60000"/>
+      </a:schemeClr>
+    </dgm:fillClrLst>
+    <dgm:linClrLst meth="repeat">
+      <a:schemeClr val="accent1">
+        <a:shade val="80000"/>
+      </a:schemeClr>
+    </dgm:linClrLst>
+    <dgm:effectClrLst/>
+    <dgm:txLinClrLst/>
+    <dgm:txFillClrLst/>
+    <dgm:txEffectClrLst/>
+  </dgm:styleLbl>
+  <dgm:styleLbl name="parChTrans2D2">
+    <dgm:fillClrLst meth="repeat">
+      <a:schemeClr val="accent1">
+        <a:tint val="90000"/>
+      </a:schemeClr>
+    </dgm:fillClrLst>
+    <dgm:linClrLst meth="repeat">
+      <a:schemeClr val="accent1">
+        <a:tint val="90000"/>
+      </a:schemeClr>
+    </dgm:linClrLst>
+    <dgm:effectClrLst/>
+    <dgm:txLinClrLst/>
+    <dgm:txFillClrLst/>
+    <dgm:txEffectClrLst/>
+  </dgm:styleLbl>
+  <dgm:styleLbl name="parChTrans2D3">
+    <dgm:fillClrLst meth="repeat">
+      <a:schemeClr val="accent1">
+        <a:tint val="70000"/>
+      </a:schemeClr>
+    </dgm:fillClrLst>
+    <dgm:linClrLst meth="repeat">
+      <a:schemeClr val="accent1">
+        <a:tint val="70000"/>
+      </a:schemeClr>
+    </dgm:linClrLst>
+    <dgm:effectClrLst/>
+    <dgm:txLinClrLst/>
+    <dgm:txFillClrLst/>
+    <dgm:txEffectClrLst/>
+  </dgm:styleLbl>
+  <dgm:styleLbl name="parChTrans2D4">
+    <dgm:fillClrLst meth="repeat">
+      <a:schemeClr val="accent1">
+        <a:tint val="50000"/>
+      </a:schemeClr>
+    </dgm:fillClrLst>
+    <dgm:linClrLst meth="repeat">
+      <a:schemeClr val="accent1">
+        <a:tint val="50000"/>
+      </a:schemeClr>
+    </dgm:linClrLst>
+    <dgm:effectClrLst/>
+    <dgm:txLinClrLst/>
+    <dgm:txFillClrLst meth="repeat">
+      <a:schemeClr val="dk1"/>
+    </dgm:txFillClrLst>
+    <dgm:txEffectClrLst/>
+  </dgm:styleLbl>
+  <dgm:styleLbl name="parChTrans1D1">
+    <dgm:fillClrLst meth="repeat">
+      <a:schemeClr val="accent1">
+        <a:shade val="80000"/>
+      </a:schemeClr>
+    </dgm:fillClrLst>
+    <dgm:linClrLst meth="repeat">
+      <a:schemeClr val="accent1">
+        <a:shade val="80000"/>
+      </a:schemeClr>
+    </dgm:linClrLst>
+    <dgm:effectClrLst/>
+    <dgm:txLinClrLst/>
+    <dgm:txFillClrLst meth="repeat">
+      <a:schemeClr val="tx1"/>
+    </dgm:txFillClrLst>
+    <dgm:txEffectClrLst/>
+  </dgm:styleLbl>
+  <dgm:styleLbl name="parChTrans1D2">
+    <dgm:fillClrLst meth="repeat">
+      <a:schemeClr val="accent1">
+        <a:tint val="90000"/>
+      </a:schemeClr>
+    </dgm:fillClrLst>
+    <dgm:linClrLst meth="repeat">
+      <a:schemeClr val="accent1">
+        <a:tint val="90000"/>
+      </a:schemeClr>
+    </dgm:linClrLst>
+    <dgm:effectClrLst/>
+    <dgm:txLinClrLst/>
+    <dgm:txFillClrLst meth="repeat">
+      <a:schemeClr val="tx1"/>
+    </dgm:txFillClrLst>
+    <dgm:txEffectClrLst/>
+  </dgm:styleLbl>
+  <dgm:styleLbl name="parChTrans1D3">
+    <dgm:fillClrLst meth="repeat">
+      <a:schemeClr val="accent1">
+        <a:tint val="70000"/>
+      </a:schemeClr>
+    </dgm:fillClrLst>
+    <dgm:linClrLst meth="repeat">
+      <a:schemeClr val="accent1">
+        <a:tint val="70000"/>
+      </a:schemeClr>
+    </dgm:linClrLst>
+    <dgm:effectClrLst/>
+    <dgm:txLinClrLst/>
+    <dgm:txFillClrLst meth="repeat">
+      <a:schemeClr val="tx1"/>
+    </dgm:txFillClrLst>
+    <dgm:txEffectClrLst/>
+  </dgm:styleLbl>
+  <dgm:styleLbl name="parChTrans1D4">
+    <dgm:fillClrLst meth="repeat">
+      <a:schemeClr val="accent1">
+        <a:tint val="50000"/>
+      </a:schemeClr>
+    </dgm:fillClrLst>
+    <dgm:linClrLst meth="repeat">
+      <a:schemeClr val="accent1">
+        <a:tint val="50000"/>
+      </a:schemeClr>
+    </dgm:linClrLst>
+    <dgm:effectClrLst/>
+    <dgm:txLinClrLst/>
+    <dgm:txFillClrLst meth="repeat">
+      <a:schemeClr val="tx1"/>
+    </dgm:txFillClrLst>
+    <dgm:txEffectClrLst/>
+  </dgm:styleLbl>
+  <dgm:styleLbl name="fgAcc1">
+    <dgm:fillClrLst meth="repeat">
+      <a:schemeClr val="lt1">
+        <a:alpha val="90000"/>
+      </a:schemeClr>
+    </dgm:fillClrLst>
+    <dgm:linClrLst meth="cycle">
+      <a:schemeClr val="accent1">
+        <a:shade val="50000"/>
+      </a:schemeClr>
+      <a:schemeClr val="accent1">
+        <a:tint val="55000"/>
+      </a:schemeClr>
+    </dgm:linClrLst>
+    <dgm:effectClrLst/>
+    <dgm:txLinClrLst/>
+    <dgm:txFillClrLst meth="repeat">
+      <a:schemeClr val="dk1"/>
+    </dgm:txFillClrLst>
+    <dgm:txEffectClrLst/>
+  </dgm:styleLbl>
+  <dgm:styleLbl name="conFgAcc1">
+    <dgm:fillClrLst meth="repeat">
+      <a:schemeClr val="lt1">
+        <a:alpha val="90000"/>
+      </a:schemeClr>
+    </dgm:fillClrLst>
+    <dgm:linClrLst meth="cycle">
+      <a:schemeClr val="accent1">
+        <a:shade val="50000"/>
+      </a:schemeClr>
+      <a:schemeClr val="accent1">
+        <a:tint val="55000"/>
+      </a:schemeClr>
+    </dgm:linClrLst>
+    <dgm:effectClrLst/>
+    <dgm:txLinClrLst/>
+    <dgm:txFillClrLst meth="repeat">
+      <a:schemeClr val="dk1"/>
+    </dgm:txFillClrLst>
+    <dgm:txEffectClrLst/>
+  </dgm:styleLbl>
+  <dgm:styleLbl name="alignAcc1">
+    <dgm:fillClrLst meth="repeat">
+      <a:schemeClr val="lt1">
+        <a:alpha val="90000"/>
+      </a:schemeClr>
+    </dgm:fillClrLst>
+    <dgm:linClrLst meth="cycle">
+      <a:schemeClr val="accent1">
+        <a:shade val="50000"/>
+      </a:schemeClr>
+      <a:schemeClr val="accent1">
+        <a:tint val="55000"/>
+      </a:schemeClr>
+    </dgm:linClrLst>
+    <dgm:effectClrLst/>
+    <dgm:txLinClrLst/>
+    <dgm:txFillClrLst meth="repeat">
+      <a:schemeClr val="dk1"/>
+    </dgm:txFillClrLst>
+    <dgm:txEffectClrLst/>
+  </dgm:styleLbl>
+  <dgm:styleLbl name="trAlignAcc1">
+    <dgm:fillClrLst meth="repeat">
+      <a:schemeClr val="lt1">
+        <a:alpha val="55000"/>
+      </a:schemeClr>
+    </dgm:fillClrLst>
+    <dgm:linClrLst meth="repeat">
+      <a:schemeClr val="accent1"/>
+    </dgm:linClrLst>
+    <dgm:effectClrLst/>
+    <dgm:txLinClrLst/>
+    <dgm:txFillClrLst meth="repeat">
+      <a:schemeClr val="dk1"/>
+    </dgm:txFillClrLst>
+    <dgm:txEffectClrLst/>
+  </dgm:styleLbl>
+  <dgm:styleLbl name="bgAcc1">
+    <dgm:fillClrLst meth="repeat">
+      <a:schemeClr val="lt1">
+        <a:alpha val="90000"/>
+      </a:schemeClr>
+    </dgm:fillClrLst>
+    <dgm:linClrLst meth="cycle">
+      <a:schemeClr val="accent1">
+        <a:shade val="50000"/>
+      </a:schemeClr>
+      <a:schemeClr val="accent1">
+        <a:tint val="55000"/>
+      </a:schemeClr>
+    </dgm:linClrLst>
+    <dgm:effectClrLst/>
+    <dgm:txLinClrLst/>
+    <dgm:txFillClrLst meth="repeat">
+      <a:schemeClr val="dk1"/>
+    </dgm:txFillClrLst>
+    <dgm:txEffectClrLst/>
+  </dgm:styleLbl>
+  <dgm:styleLbl name="solidFgAcc1">
+    <dgm:fillClrLst meth="repeat">
+      <a:schemeClr val="lt1"/>
+    </dgm:fillClrLst>
+    <dgm:linClrLst meth="cycle">
+      <a:schemeClr val="accent1">
+        <a:shade val="50000"/>
+      </a:schemeClr>
+      <a:schemeClr val="accent1">
+        <a:tint val="55000"/>
+      </a:schemeClr>
+    </dgm:linClrLst>
+    <dgm:effectClrLst/>
+    <dgm:txLinClrLst/>
+    <dgm:txFillClrLst meth="repeat">
+      <a:schemeClr val="dk1"/>
+    </dgm:txFillClrLst>
+    <dgm:txEffectClrLst/>
+  </dgm:styleLbl>
+  <dgm:styleLbl name="solidAlignAcc1">
+    <dgm:fillClrLst meth="repeat">
+      <a:schemeClr val="lt1"/>
+    </dgm:fillClrLst>
+    <dgm:linClrLst meth="repeat">
+      <a:schemeClr val="accent1"/>
+    </dgm:linClrLst>
+    <dgm:effectClrLst/>
+    <dgm:txLinClrLst/>
+    <dgm:txFillClrLst meth="repeat">
+      <a:schemeClr val="dk1"/>
+    </dgm:txFillClrLst>
+    <dgm:txEffectClrLst/>
+  </dgm:styleLbl>
+  <dgm:styleLbl name="solidBgAcc1">
+    <dgm:fillClrLst meth="repeat">
+      <a:schemeClr val="lt1"/>
+    </dgm:fillClrLst>
+    <dgm:linClrLst meth="repeat">
+      <a:schemeClr val="accent1"/>
+    </dgm:linClrLst>
+    <dgm:effectClrLst/>
+    <dgm:txLinClrLst/>
+    <dgm:txFillClrLst meth="repeat">
+      <a:schemeClr val="dk1"/>
+    </dgm:txFillClrLst>
+    <dgm:txEffectClrLst/>
+  </dgm:styleLbl>
+  <dgm:styleLbl name="fgAccFollowNode1">
+    <dgm:fillClrLst meth="repeat">
+      <a:schemeClr val="accent1">
+        <a:alpha val="90000"/>
+        <a:tint val="55000"/>
+      </a:schemeClr>
+    </dgm:fillClrLst>
+    <dgm:linClrLst meth="repeat">
+      <a:schemeClr val="accent1">
+        <a:alpha val="90000"/>
+        <a:tint val="55000"/>
+      </a:schemeClr>
+    </dgm:linClrLst>
+    <dgm:effectClrLst/>
+    <dgm:txLinClrLst/>
+    <dgm:txFillClrLst meth="repeat">
+      <a:schemeClr val="dk1"/>
+    </dgm:txFillClrLst>
+    <dgm:txEffectClrLst/>
+  </dgm:styleLbl>
+  <dgm:styleLbl name="alignAccFollowNode1">
+    <dgm:fillClrLst meth="repeat">
+      <a:schemeClr val="accent1">
+        <a:alpha val="90000"/>
+        <a:tint val="55000"/>
+      </a:schemeClr>
+    </dgm:fillClrLst>
+    <dgm:linClrLst meth="repeat">
+      <a:schemeClr val="accent1">
+        <a:alpha val="90000"/>
+        <a:tint val="55000"/>
+      </a:schemeClr>
+    </dgm:linClrLst>
+    <dgm:effectClrLst/>
+    <dgm:txLinClrLst/>
+    <dgm:txFillClrLst meth="repeat">
+      <a:schemeClr val="dk1"/>
+    </dgm:txFillClrLst>
+    <dgm:txEffectClrLst/>
+  </dgm:styleLbl>
+  <dgm:styleLbl name="bgAccFollowNode1">
+    <dgm:fillClrLst meth="repeat">
+      <a:schemeClr val="accent1">
+        <a:alpha val="90000"/>
+        <a:tint val="55000"/>
+      </a:schemeClr>
+    </dgm:fillClrLst>
+    <dgm:linClrLst meth="repeat">
+      <a:schemeClr val="lt1"/>
+    </dgm:linClrLst>
+    <dgm:effectClrLst/>
+    <dgm:txLinClrLst/>
+    <dgm:txFillClrLst meth="repeat">
+      <a:schemeClr val="dk1"/>
+    </dgm:txFillClrLst>
+    <dgm:txEffectClrLst/>
+  </dgm:styleLbl>
+  <dgm:styleLbl name="fgAcc0">
+    <dgm:fillClrLst meth="repeat">
+      <a:schemeClr val="lt1">
+        <a:alpha val="90000"/>
+      </a:schemeClr>
+    </dgm:fillClrLst>
+    <dgm:linClrLst meth="repeat">
+      <a:schemeClr val="accent1">
+        <a:shade val="80000"/>
+      </a:schemeClr>
+    </dgm:linClrLst>
+    <dgm:effectClrLst/>
+    <dgm:txLinClrLst/>
+    <dgm:txFillClrLst meth="repeat">
+      <a:schemeClr val="dk1"/>
+    </dgm:txFillClrLst>
+    <dgm:txEffectClrLst/>
+  </dgm:styleLbl>
+  <dgm:styleLbl name="fgAcc2">
+    <dgm:fillClrLst meth="repeat">
+      <a:schemeClr val="lt1">
+        <a:alpha val="90000"/>
+      </a:schemeClr>
+    </dgm:fillClrLst>
+    <dgm:linClrLst meth="repeat">
+      <a:schemeClr val="accent1">
+        <a:tint val="90000"/>
+      </a:schemeClr>
+    </dgm:linClrLst>
+    <dgm:effectClrLst/>
+    <dgm:txLinClrLst/>
+    <dgm:txFillClrLst meth="repeat">
+      <a:schemeClr val="dk1"/>
+    </dgm:txFillClrLst>
+    <dgm:txEffectClrLst/>
+  </dgm:styleLbl>
+  <dgm:styleLbl name="fgAcc3">
+    <dgm:fillClrLst meth="repeat">
+      <a:schemeClr val="lt1">
+        <a:alpha val="90000"/>
+      </a:schemeClr>
+    </dgm:fillClrLst>
+    <dgm:linClrLst meth="repeat">
+      <a:schemeClr val="accent1">
+        <a:tint val="70000"/>
+      </a:schemeClr>
+    </dgm:linClrLst>
+    <dgm:effectClrLst/>
+    <dgm:txLinClrLst/>
+    <dgm:txFillClrLst meth="repeat">
+      <a:schemeClr val="dk1"/>
+    </dgm:txFillClrLst>
+    <dgm:txEffectClrLst/>
+  </dgm:styleLbl>
+  <dgm:styleLbl name="fgAcc4">
+    <dgm:fillClrLst meth="repeat">
+      <a:schemeClr val="lt1">
+        <a:alpha val="90000"/>
+      </a:schemeClr>
+    </dgm:fillClrLst>
+    <dgm:linClrLst meth="repeat">
+      <a:schemeClr val="accent1">
+        <a:tint val="50000"/>
+      </a:schemeClr>
+    </dgm:linClrLst>
+    <dgm:effectClrLst/>
+    <dgm:txLinClrLst/>
+    <dgm:txFillClrLst meth="repeat">
+      <a:schemeClr val="dk1"/>
+    </dgm:txFillClrLst>
+    <dgm:txEffectClrLst/>
+  </dgm:styleLbl>
+  <dgm:styleLbl name="bgShp">
+    <dgm:fillClrLst meth="repeat">
+      <a:schemeClr val="accent1">
+        <a:tint val="55000"/>
+      </a:schemeClr>
+    </dgm:fillClrLst>
+    <dgm:linClrLst meth="repeat">
+      <a:schemeClr val="dk1"/>
+    </dgm:linClrLst>
+    <dgm:effectClrLst/>
+    <dgm:txLinClrLst/>
+    <dgm:txFillClrLst meth="repeat">
+      <a:schemeClr val="dk1"/>
+    </dgm:txFillClrLst>
+    <dgm:txEffectClrLst/>
+  </dgm:styleLbl>
+  <dgm:styleLbl name="dkBgShp">
+    <dgm:fillClrLst meth="repeat">
+      <a:schemeClr val="accent1">
+        <a:shade val="90000"/>
+      </a:schemeClr>
+    </dgm:fillClrLst>
+    <dgm:linClrLst meth="repeat">
+      <a:schemeClr val="dk1"/>
+    </dgm:linClrLst>
+    <dgm:effectClrLst/>
+    <dgm:txLinClrLst/>
+    <dgm:txFillClrLst meth="repeat">
+      <a:schemeClr val="lt1"/>
+    </dgm:txFillClrLst>
+    <dgm:txEffectClrLst/>
+  </dgm:styleLbl>
+  <dgm:styleLbl name="trBgShp">
+    <dgm:fillClrLst meth="repeat">
+      <a:schemeClr val="accent1">
+        <a:tint val="50000"/>
+        <a:alpha val="55000"/>
+      </a:schemeClr>
+    </dgm:fillClrLst>
+    <dgm:linClrLst meth="repeat">
+      <a:schemeClr val="accent1"/>
+    </dgm:linClrLst>
+    <dgm:effectClrLst/>
+    <dgm:txLinClrLst/>
+    <dgm:txFillClrLst meth="repeat">
+      <a:schemeClr val="lt1"/>
+    </dgm:txFillClrLst>
+    <dgm:txEffectClrLst/>
+  </dgm:styleLbl>
+  <dgm:styleLbl name="fgShp">
+    <dgm:fillClrLst meth="repeat">
+      <a:schemeClr val="accent1">
+        <a:tint val="55000"/>
+      </a:schemeClr>
+    </dgm:fillClrLst>
+    <dgm:linClrLst meth="repeat">
+      <a:schemeClr val="lt1"/>
+    </dgm:linClrLst>
+    <dgm:effectClrLst/>
+    <dgm:txLinClrLst/>
+    <dgm:txFillClrLst meth="repeat">
+      <a:schemeClr val="dk1"/>
+    </dgm:txFillClrLst>
+    <dgm:txEffectClrLst/>
+  </dgm:styleLbl>
+  <dgm:styleLbl name="revTx">
+    <dgm:fillClrLst meth="repeat">
+      <a:schemeClr val="lt1">
+        <a:alpha val="0"/>
+      </a:schemeClr>
+    </dgm:fillClrLst>
+    <dgm:linClrLst meth="repeat">
+      <a:schemeClr val="dk1">
+        <a:alpha val="0"/>
+      </a:schemeClr>
+    </dgm:linClrLst>
+    <dgm:effectClrLst/>
+    <dgm:txLinClrLst/>
+    <dgm:txFillClrLst meth="repeat">
+      <a:schemeClr val="tx1"/>
+    </dgm:txFillClrLst>
+    <dgm:txEffectClrLst/>
+  </dgm:styleLbl>
+</dgm:colorsDef>
+</file>
+
+<file path=ppt/diagrams/colors2.xml><?xml version="1.0" encoding="utf-8"?>
+<dgm:colorsDef xmlns:dgm="http://schemas.openxmlformats.org/drawingml/2006/diagram" xmlns:a="http://schemas.openxmlformats.org/drawingml/2006/main" uniqueId="urn:microsoft.com/office/officeart/2005/8/colors/accent1_4">
+  <dgm:title val=""/>
+  <dgm:desc val=""/>
+  <dgm:catLst>
+    <dgm:cat type="accent1" pri="11400"/>
+  </dgm:catLst>
+  <dgm:styleLbl name="node0">
+    <dgm:fillClrLst meth="cycle">
+      <a:schemeClr val="accent1">
+        <a:shade val="60000"/>
+      </a:schemeClr>
+    </dgm:fillClrLst>
+    <dgm:linClrLst meth="repeat">
+      <a:schemeClr val="lt1"/>
+    </dgm:linClrLst>
+    <dgm:effectClrLst/>
+    <dgm:txLinClrLst/>
+    <dgm:txFillClrLst/>
+    <dgm:txEffectClrLst/>
+  </dgm:styleLbl>
+  <dgm:styleLbl name="node1">
+    <dgm:fillClrLst meth="cycle">
+      <a:schemeClr val="accent1">
+        <a:shade val="50000"/>
+      </a:schemeClr>
+      <a:schemeClr val="accent1">
+        <a:tint val="55000"/>
+      </a:schemeClr>
+    </dgm:fillClrLst>
+    <dgm:linClrLst meth="repeat">
+      <a:schemeClr val="lt1"/>
+    </dgm:linClrLst>
+    <dgm:effectClrLst/>
+    <dgm:txLinClrLst/>
+    <dgm:txFillClrLst/>
+    <dgm:txEffectClrLst/>
+  </dgm:styleLbl>
+  <dgm:styleLbl name="alignNode1">
+    <dgm:fillClrLst meth="cycle">
+      <a:schemeClr val="accent1">
+        <a:shade val="50000"/>
+      </a:schemeClr>
+      <a:schemeClr val="accent1">
+        <a:tint val="55000"/>
+      </a:schemeClr>
+    </dgm:fillClrLst>
+    <dgm:linClrLst meth="cycle">
+      <a:schemeClr val="accent1">
+        <a:shade val="50000"/>
+      </a:schemeClr>
+      <a:schemeClr val="accent1">
+        <a:tint val="55000"/>
+      </a:schemeClr>
+    </dgm:linClrLst>
+    <dgm:effectClrLst/>
+    <dgm:txLinClrLst/>
+    <dgm:txFillClrLst/>
+    <dgm:txEffectClrLst/>
+  </dgm:styleLbl>
+  <dgm:styleLbl name="lnNode1">
+    <dgm:fillClrLst meth="cycle">
+      <a:schemeClr val="accent1">
+        <a:shade val="50000"/>
+      </a:schemeClr>
+      <a:schemeClr val="accent1">
+        <a:tint val="55000"/>
+      </a:schemeClr>
+    </dgm:fillClrLst>
+    <dgm:linClrLst meth="repeat">
+      <a:schemeClr val="lt1"/>
+    </dgm:linClrLst>
+    <dgm:effectClrLst/>
+    <dgm:txLinClrLst/>
+    <dgm:txFillClrLst/>
+    <dgm:txEffectClrLst/>
+  </dgm:styleLbl>
+  <dgm:styleLbl name="vennNode1">
+    <dgm:fillClrLst meth="cycle">
+      <a:schemeClr val="accent1">
+        <a:shade val="80000"/>
+        <a:alpha val="50000"/>
+      </a:schemeClr>
+      <a:schemeClr val="accent1">
+        <a:tint val="50000"/>
+        <a:alpha val="50000"/>
+      </a:schemeClr>
+    </dgm:fillClrLst>
+    <dgm:linClrLst meth="repeat">
+      <a:schemeClr val="lt1"/>
+    </dgm:linClrLst>
+    <dgm:effectClrLst/>
+    <dgm:txLinClrLst/>
+    <dgm:txFillClrLst/>
+    <dgm:txEffectClrLst/>
+  </dgm:styleLbl>
+  <dgm:styleLbl name="node2">
+    <dgm:fillClrLst>
+      <a:schemeClr val="accent1">
+        <a:shade val="80000"/>
+      </a:schemeClr>
+    </dgm:fillClrLst>
+    <dgm:linClrLst meth="repeat">
+      <a:schemeClr val="lt1"/>
+    </dgm:linClrLst>
+    <dgm:effectClrLst/>
+    <dgm:txLinClrLst/>
+    <dgm:txFillClrLst/>
+    <dgm:txEffectClrLst/>
+  </dgm:styleLbl>
+  <dgm:styleLbl name="node3">
+    <dgm:fillClrLst>
+      <a:schemeClr val="accent1">
+        <a:tint val="99000"/>
+      </a:schemeClr>
+    </dgm:fillClrLst>
+    <dgm:linClrLst meth="repeat">
+      <a:schemeClr val="lt1"/>
+    </dgm:linClrLst>
+    <dgm:effectClrLst/>
+    <dgm:txLinClrLst/>
+    <dgm:txFillClrLst/>
+    <dgm:txEffectClrLst/>
+  </dgm:styleLbl>
+  <dgm:styleLbl name="node4">
+    <dgm:fillClrLst>
+      <a:schemeClr val="accent1">
+        <a:tint val="70000"/>
+      </a:schemeClr>
+    </dgm:fillClrLst>
+    <dgm:linClrLst meth="repeat">
+      <a:schemeClr val="lt1"/>
+    </dgm:linClrLst>
+    <dgm:effectClrLst/>
+    <dgm:txLinClrLst/>
+    <dgm:txFillClrLst/>
+    <dgm:txEffectClrLst/>
+  </dgm:styleLbl>
+  <dgm:styleLbl name="fgImgPlace1">
+    <dgm:fillClrLst>
+      <a:schemeClr val="accent1">
+        <a:tint val="50000"/>
+      </a:schemeClr>
+      <a:schemeClr val="accent1">
+        <a:tint val="55000"/>
+      </a:schemeClr>
+    </dgm:fillClrLst>
+    <dgm:linClrLst meth="repeat">
+      <a:schemeClr val="lt1"/>
+    </dgm:linClrLst>
+    <dgm:effectClrLst/>
+    <dgm:txLinClrLst/>
+    <dgm:txFillClrLst meth="repeat">
+      <a:schemeClr val="lt1"/>
+    </dgm:txFillClrLst>
+    <dgm:txEffectClrLst/>
+  </dgm:styleLbl>
+  <dgm:styleLbl name="alignImgPlace1">
+    <dgm:fillClrLst>
+      <a:schemeClr val="accent1">
+        <a:tint val="50000"/>
+      </a:schemeClr>
+      <a:schemeClr val="accent1">
+        <a:tint val="55000"/>
+      </a:schemeClr>
+    </dgm:fillClrLst>
+    <dgm:linClrLst meth="repeat">
+      <a:schemeClr val="lt1"/>
+    </dgm:linClrLst>
+    <dgm:effectClrLst/>
+    <dgm:txLinClrLst/>
+    <dgm:txFillClrLst meth="repeat">
+      <a:schemeClr val="lt1"/>
+    </dgm:txFillClrLst>
+    <dgm:txEffectClrLst/>
+  </dgm:styleLbl>
+  <dgm:styleLbl name="bgImgPlace1">
+    <dgm:fillClrLst>
+      <a:schemeClr val="accent1">
+        <a:tint val="50000"/>
+      </a:schemeClr>
+      <a:schemeClr val="accent1">
+        <a:tint val="55000"/>
+      </a:schemeClr>
+    </dgm:fillClrLst>
+    <dgm:linClrLst meth="repeat">
+      <a:schemeClr val="lt1"/>
+    </dgm:linClrLst>
+    <dgm:effectClrLst/>
+    <dgm:txLinClrLst/>
+    <dgm:txFillClrLst meth="repeat">
+      <a:schemeClr val="lt1"/>
+    </dgm:txFillClrLst>
+    <dgm:txEffectClrLst/>
+  </dgm:styleLbl>
+  <dgm:styleLbl name="sibTrans2D1">
+    <dgm:fillClrLst meth="cycle">
+      <a:schemeClr val="accent1">
+        <a:shade val="90000"/>
+      </a:schemeClr>
+      <a:schemeClr val="accent1">
+        <a:tint val="50000"/>
+      </a:schemeClr>
+    </dgm:fillClrLst>
+    <dgm:linClrLst meth="cycle">
+      <a:schemeClr val="accent1">
+        <a:shade val="90000"/>
+      </a:schemeClr>
+      <a:schemeClr val="accent1">
+        <a:tint val="50000"/>
+      </a:schemeClr>
+    </dgm:linClrLst>
+    <dgm:effectClrLst/>
+    <dgm:txLinClrLst/>
+    <dgm:txFillClrLst/>
+    <dgm:txEffectClrLst/>
+  </dgm:styleLbl>
+  <dgm:styleLbl name="fgSibTrans2D1">
+    <dgm:fillClrLst meth="cycle">
+      <a:schemeClr val="accent1">
+        <a:shade val="90000"/>
+      </a:schemeClr>
+      <a:schemeClr val="accent1">
+        <a:tint val="50000"/>
+      </a:schemeClr>
+    </dgm:fillClrLst>
+    <dgm:linClrLst meth="cycle">
+      <a:schemeClr val="accent1">
+        <a:shade val="90000"/>
+      </a:schemeClr>
+      <a:schemeClr val="accent1">
+        <a:tint val="50000"/>
+      </a:schemeClr>
+    </dgm:linClrLst>
+    <dgm:effectClrLst/>
+    <dgm:txLinClrLst/>
+    <dgm:txFillClrLst/>
+    <dgm:txEffectClrLst/>
+  </dgm:styleLbl>
+  <dgm:styleLbl name="bgSibTrans2D1">
+    <dgm:fillClrLst meth="cycle">
+      <a:schemeClr val="accent1">
+        <a:shade val="90000"/>
+      </a:schemeClr>
+      <a:schemeClr val="accent1">
+        <a:tint val="50000"/>
+      </a:schemeClr>
+    </dgm:fillClrLst>
+    <dgm:linClrLst meth="cycle">
+      <a:schemeClr val="accent1">
+        <a:shade val="90000"/>
+      </a:schemeClr>
+      <a:schemeClr val="accent1">
+        <a:tint val="50000"/>
+      </a:schemeClr>
+    </dgm:linClrLst>
+    <dgm:effectClrLst/>
+    <dgm:txLinClrLst/>
+    <dgm:txFillClrLst/>
+    <dgm:txEffectClrLst/>
+  </dgm:styleLbl>
+  <dgm:styleLbl name="sibTrans1D1">
+    <dgm:fillClrLst meth="cycle">
+      <a:schemeClr val="accent1">
+        <a:shade val="90000"/>
+      </a:schemeClr>
+      <a:schemeClr val="accent1">
+        <a:tint val="50000"/>
+      </a:schemeClr>
+    </dgm:fillClrLst>
+    <dgm:linClrLst meth="cycle">
+      <a:schemeClr val="accent1">
+        <a:shade val="90000"/>
+      </a:schemeClr>
+      <a:schemeClr val="accent1">
+        <a:tint val="50000"/>
+      </a:schemeClr>
+    </dgm:linClrLst>
+    <dgm:effectClrLst/>
+    <dgm:txLinClrLst/>
+    <dgm:txFillClrLst meth="repeat">
+      <a:schemeClr val="tx1"/>
+    </dgm:txFillClrLst>
+    <dgm:txEffectClrLst/>
+  </dgm:styleLbl>
+  <dgm:styleLbl name="callout">
+    <dgm:fillClrLst meth="repeat">
+      <a:schemeClr val="accent1"/>
+    </dgm:fillClrLst>
+    <dgm:linClrLst meth="repeat">
+      <a:schemeClr val="accent1"/>
+    </dgm:linClrLst>
+    <dgm:effectClrLst/>
+    <dgm:txLinClrLst/>
+    <dgm:txFillClrLst meth="repeat">
+      <a:schemeClr val="tx1"/>
+    </dgm:txFillClrLst>
+    <dgm:txEffectClrLst/>
+  </dgm:styleLbl>
+  <dgm:styleLbl name="asst0">
+    <dgm:fillClrLst meth="repeat">
+      <a:schemeClr val="accent1">
+        <a:shade val="80000"/>
+      </a:schemeClr>
+    </dgm:fillClrLst>
+    <dgm:linClrLst meth="repeat">
+      <a:schemeClr val="lt1"/>
+    </dgm:linClrLst>
+    <dgm:effectClrLst/>
+    <dgm:txLinClrLst/>
+    <dgm:txFillClrLst/>
+    <dgm:txEffectClrLst/>
+  </dgm:styleLbl>
+  <dgm:styleLbl name="asst1">
+    <dgm:fillClrLst meth="repeat">
+      <a:schemeClr val="accent1">
+        <a:shade val="80000"/>
+      </a:schemeClr>
+    </dgm:fillClrLst>
+    <dgm:linClrLst meth="repeat">
+      <a:schemeClr val="lt1"/>
+    </dgm:linClrLst>
+    <dgm:effectClrLst/>
+    <dgm:txLinClrLst/>
+    <dgm:txFillClrLst/>
+    <dgm:txEffectClrLst/>
+  </dgm:styleLbl>
+  <dgm:styleLbl name="asst2">
+    <dgm:fillClrLst>
+      <a:schemeClr val="accent1">
+        <a:tint val="90000"/>
+      </a:schemeClr>
+    </dgm:fillClrLst>
+    <dgm:linClrLst meth="repeat">
+      <a:schemeClr val="lt1"/>
+    </dgm:linClrLst>
+    <dgm:effectClrLst/>
+    <dgm:txLinClrLst/>
+    <dgm:txFillClrLst/>
+    <dgm:txEffectClrLst/>
+  </dgm:styleLbl>
+  <dgm:styleLbl name="asst3">
+    <dgm:fillClrLst>
+      <a:schemeClr val="accent1">
+        <a:tint val="70000"/>
+      </a:schemeClr>
+    </dgm:fillClrLst>
+    <dgm:linClrLst meth="repeat">
+      <a:schemeClr val="lt1"/>
+    </dgm:linClrLst>
+    <dgm:effectClrLst/>
+    <dgm:txLinClrLst/>
+    <dgm:txFillClrLst/>
+    <dgm:txEffectClrLst/>
+  </dgm:styleLbl>
+  <dgm:styleLbl name="asst4">
+    <dgm:fillClrLst>
+      <a:schemeClr val="accent1">
+        <a:tint val="50000"/>
+      </a:schemeClr>
+    </dgm:fillClrLst>
+    <dgm:linClrLst meth="repeat">
+      <a:schemeClr val="lt1"/>
+    </dgm:linClrLst>
+    <dgm:effectClrLst/>
+    <dgm:txLinClrLst/>
+    <dgm:txFillClrLst/>
+    <dgm:txEffectClrLst/>
+  </dgm:styleLbl>
+  <dgm:styleLbl name="parChTrans2D1">
+    <dgm:fillClrLst meth="repeat">
+      <a:schemeClr val="accent1">
+        <a:tint val="60000"/>
+      </a:schemeClr>
+    </dgm:fillClrLst>
+    <dgm:linClrLst meth="repeat">
+      <a:schemeClr val="accent1">
+        <a:shade val="80000"/>
+      </a:schemeClr>
+    </dgm:linClrLst>
+    <dgm:effectClrLst/>
+    <dgm:txLinClrLst/>
+    <dgm:txFillClrLst/>
+    <dgm:txEffectClrLst/>
+  </dgm:styleLbl>
+  <dgm:styleLbl name="parChTrans2D2">
+    <dgm:fillClrLst meth="repeat">
+      <a:schemeClr val="accent1">
+        <a:tint val="90000"/>
+      </a:schemeClr>
+    </dgm:fillClrLst>
+    <dgm:linClrLst meth="repeat">
+      <a:schemeClr val="accent1">
+        <a:tint val="90000"/>
+      </a:schemeClr>
+    </dgm:linClrLst>
+    <dgm:effectClrLst/>
+    <dgm:txLinClrLst/>
+    <dgm:txFillClrLst/>
+    <dgm:txEffectClrLst/>
+  </dgm:styleLbl>
+  <dgm:styleLbl name="parChTrans2D3">
+    <dgm:fillClrLst meth="repeat">
+      <a:schemeClr val="accent1">
+        <a:tint val="70000"/>
+      </a:schemeClr>
+    </dgm:fillClrLst>
+    <dgm:linClrLst meth="repeat">
+      <a:schemeClr val="accent1">
+        <a:tint val="70000"/>
+      </a:schemeClr>
+    </dgm:linClrLst>
+    <dgm:effectClrLst/>
+    <dgm:txLinClrLst/>
+    <dgm:txFillClrLst/>
+    <dgm:txEffectClrLst/>
+  </dgm:styleLbl>
+  <dgm:styleLbl name="parChTrans2D4">
+    <dgm:fillClrLst meth="repeat">
+      <a:schemeClr val="accent1">
+        <a:tint val="50000"/>
+      </a:schemeClr>
+    </dgm:fillClrLst>
+    <dgm:linClrLst meth="repeat">
+      <a:schemeClr val="accent1">
+        <a:tint val="50000"/>
+      </a:schemeClr>
+    </dgm:linClrLst>
+    <dgm:effectClrLst/>
+    <dgm:txLinClrLst/>
+    <dgm:txFillClrLst meth="repeat">
+      <a:schemeClr val="dk1"/>
+    </dgm:txFillClrLst>
+    <dgm:txEffectClrLst/>
+  </dgm:styleLbl>
+  <dgm:styleLbl name="parChTrans1D1">
+    <dgm:fillClrLst meth="repeat">
+      <a:schemeClr val="accent1">
+        <a:shade val="80000"/>
+      </a:schemeClr>
+    </dgm:fillClrLst>
+    <dgm:linClrLst meth="repeat">
+      <a:schemeClr val="accent1">
+        <a:shade val="80000"/>
+      </a:schemeClr>
+    </dgm:linClrLst>
+    <dgm:effectClrLst/>
+    <dgm:txLinClrLst/>
+    <dgm:txFillClrLst meth="repeat">
+      <a:schemeClr val="tx1"/>
+    </dgm:txFillClrLst>
+    <dgm:txEffectClrLst/>
+  </dgm:styleLbl>
+  <dgm:styleLbl name="parChTrans1D2">
+    <dgm:fillClrLst meth="repeat">
+      <a:schemeClr val="accent1">
+        <a:tint val="90000"/>
+      </a:schemeClr>
+    </dgm:fillClrLst>
+    <dgm:linClrLst meth="repeat">
+      <a:schemeClr val="accent1">
+        <a:tint val="90000"/>
+      </a:schemeClr>
+    </dgm:linClrLst>
+    <dgm:effectClrLst/>
+    <dgm:txLinClrLst/>
+    <dgm:txFillClrLst meth="repeat">
+      <a:schemeClr val="tx1"/>
+    </dgm:txFillClrLst>
+    <dgm:txEffectClrLst/>
+  </dgm:styleLbl>
+  <dgm:styleLbl name="parChTrans1D3">
+    <dgm:fillClrLst meth="repeat">
+      <a:schemeClr val="accent1">
+        <a:tint val="70000"/>
+      </a:schemeClr>
+    </dgm:fillClrLst>
+    <dgm:linClrLst meth="repeat">
+      <a:schemeClr val="accent1">
+        <a:tint val="70000"/>
+      </a:schemeClr>
+    </dgm:linClrLst>
+    <dgm:effectClrLst/>
+    <dgm:txLinClrLst/>
+    <dgm:txFillClrLst meth="repeat">
+      <a:schemeClr val="tx1"/>
+    </dgm:txFillClrLst>
+    <dgm:txEffectClrLst/>
+  </dgm:styleLbl>
+  <dgm:styleLbl name="parChTrans1D4">
+    <dgm:fillClrLst meth="repeat">
+      <a:schemeClr val="accent1">
+        <a:tint val="50000"/>
+      </a:schemeClr>
+    </dgm:fillClrLst>
+    <dgm:linClrLst meth="repeat">
+      <a:schemeClr val="accent1">
+        <a:tint val="50000"/>
+      </a:schemeClr>
+    </dgm:linClrLst>
+    <dgm:effectClrLst/>
+    <dgm:txLinClrLst/>
+    <dgm:txFillClrLst meth="repeat">
+      <a:schemeClr val="tx1"/>
+    </dgm:txFillClrLst>
+    <dgm:txEffectClrLst/>
+  </dgm:styleLbl>
+  <dgm:styleLbl name="fgAcc1">
+    <dgm:fillClrLst meth="repeat">
+      <a:schemeClr val="lt1">
+        <a:alpha val="90000"/>
+      </a:schemeClr>
+    </dgm:fillClrLst>
+    <dgm:linClrLst meth="cycle">
+      <a:schemeClr val="accent1">
+        <a:shade val="50000"/>
+      </a:schemeClr>
+      <a:schemeClr val="accent1">
+        <a:tint val="55000"/>
+      </a:schemeClr>
+    </dgm:linClrLst>
+    <dgm:effectClrLst/>
+    <dgm:txLinClrLst/>
+    <dgm:txFillClrLst meth="repeat">
+      <a:schemeClr val="dk1"/>
+    </dgm:txFillClrLst>
+    <dgm:txEffectClrLst/>
+  </dgm:styleLbl>
+  <dgm:styleLbl name="conFgAcc1">
+    <dgm:fillClrLst meth="repeat">
+      <a:schemeClr val="lt1">
+        <a:alpha val="90000"/>
+      </a:schemeClr>
+    </dgm:fillClrLst>
+    <dgm:linClrLst meth="cycle">
+      <a:schemeClr val="accent1">
+        <a:shade val="50000"/>
+      </a:schemeClr>
+      <a:schemeClr val="accent1">
+        <a:tint val="55000"/>
+      </a:schemeClr>
+    </dgm:linClrLst>
+    <dgm:effectClrLst/>
+    <dgm:txLinClrLst/>
+    <dgm:txFillClrLst meth="repeat">
+      <a:schemeClr val="dk1"/>
+    </dgm:txFillClrLst>
+    <dgm:txEffectClrLst/>
+  </dgm:styleLbl>
+  <dgm:styleLbl name="alignAcc1">
+    <dgm:fillClrLst meth="repeat">
+      <a:schemeClr val="lt1">
+        <a:alpha val="90000"/>
+      </a:schemeClr>
+    </dgm:fillClrLst>
+    <dgm:linClrLst meth="cycle">
+      <a:schemeClr val="accent1">
+        <a:shade val="50000"/>
+      </a:schemeClr>
+      <a:schemeClr val="accent1">
+        <a:tint val="55000"/>
+      </a:schemeClr>
+    </dgm:linClrLst>
+    <dgm:effectClrLst/>
+    <dgm:txLinClrLst/>
+    <dgm:txFillClrLst meth="repeat">
+      <a:schemeClr val="dk1"/>
+    </dgm:txFillClrLst>
+    <dgm:txEffectClrLst/>
+  </dgm:styleLbl>
+  <dgm:styleLbl name="trAlignAcc1">
+    <dgm:fillClrLst meth="repeat">
+      <a:schemeClr val="lt1">
+        <a:alpha val="55000"/>
+      </a:schemeClr>
+    </dgm:fillClrLst>
+    <dgm:linClrLst meth="repeat">
+      <a:schemeClr val="accent1"/>
+    </dgm:linClrLst>
+    <dgm:effectClrLst/>
+    <dgm:txLinClrLst/>
+    <dgm:txFillClrLst meth="repeat">
+      <a:schemeClr val="dk1"/>
+    </dgm:txFillClrLst>
+    <dgm:txEffectClrLst/>
+  </dgm:styleLbl>
+  <dgm:styleLbl name="bgAcc1">
+    <dgm:fillClrLst meth="repeat">
+      <a:schemeClr val="lt1">
+        <a:alpha val="90000"/>
+      </a:schemeClr>
+    </dgm:fillClrLst>
+    <dgm:linClrLst meth="cycle">
+      <a:schemeClr val="accent1">
+        <a:shade val="50000"/>
+      </a:schemeClr>
+      <a:schemeClr val="accent1">
+        <a:tint val="55000"/>
+      </a:schemeClr>
+    </dgm:linClrLst>
+    <dgm:effectClrLst/>
+    <dgm:txLinClrLst/>
+    <dgm:txFillClrLst meth="repeat">
+      <a:schemeClr val="dk1"/>
+    </dgm:txFillClrLst>
+    <dgm:txEffectClrLst/>
+  </dgm:styleLbl>
+  <dgm:styleLbl name="solidFgAcc1">
+    <dgm:fillClrLst meth="repeat">
+      <a:schemeClr val="lt1"/>
+    </dgm:fillClrLst>
+    <dgm:linClrLst meth="cycle">
+      <a:schemeClr val="accent1">
+        <a:shade val="50000"/>
+      </a:schemeClr>
+      <a:schemeClr val="accent1">
+        <a:tint val="55000"/>
+      </a:schemeClr>
+    </dgm:linClrLst>
+    <dgm:effectClrLst/>
+    <dgm:txLinClrLst/>
+    <dgm:txFillClrLst meth="repeat">
+      <a:schemeClr val="dk1"/>
+    </dgm:txFillClrLst>
+    <dgm:txEffectClrLst/>
+  </dgm:styleLbl>
+  <dgm:styleLbl name="solidAlignAcc1">
+    <dgm:fillClrLst meth="repeat">
+      <a:schemeClr val="lt1"/>
+    </dgm:fillClrLst>
+    <dgm:linClrLst meth="repeat">
+      <a:schemeClr val="accent1"/>
+    </dgm:linClrLst>
+    <dgm:effectClrLst/>
+    <dgm:txLinClrLst/>
+    <dgm:txFillClrLst meth="repeat">
+      <a:schemeClr val="dk1"/>
+    </dgm:txFillClrLst>
+    <dgm:txEffectClrLst/>
+  </dgm:styleLbl>
+  <dgm:styleLbl name="solidBgAcc1">
+    <dgm:fillClrLst meth="repeat">
+      <a:schemeClr val="lt1"/>
+    </dgm:fillClrLst>
+    <dgm:linClrLst meth="repeat">
+      <a:schemeClr val="accent1"/>
+    </dgm:linClrLst>
+    <dgm:effectClrLst/>
+    <dgm:txLinClrLst/>
+    <dgm:txFillClrLst meth="repeat">
+      <a:schemeClr val="dk1"/>
+    </dgm:txFillClrLst>
+    <dgm:txEffectClrLst/>
+  </dgm:styleLbl>
+  <dgm:styleLbl name="fgAccFollowNode1">
+    <dgm:fillClrLst meth="repeat">
+      <a:schemeClr val="accent1">
+        <a:alpha val="90000"/>
+        <a:tint val="55000"/>
+      </a:schemeClr>
+    </dgm:fillClrLst>
+    <dgm:linClrLst meth="repeat">
+      <a:schemeClr val="accent1">
+        <a:alpha val="90000"/>
+        <a:tint val="55000"/>
+      </a:schemeClr>
+    </dgm:linClrLst>
+    <dgm:effectClrLst/>
+    <dgm:txLinClrLst/>
+    <dgm:txFillClrLst meth="repeat">
+      <a:schemeClr val="dk1"/>
+    </dgm:txFillClrLst>
+    <dgm:txEffectClrLst/>
+  </dgm:styleLbl>
+  <dgm:styleLbl name="alignAccFollowNode1">
+    <dgm:fillClrLst meth="repeat">
+      <a:schemeClr val="accent1">
+        <a:alpha val="90000"/>
+        <a:tint val="55000"/>
+      </a:schemeClr>
+    </dgm:fillClrLst>
+    <dgm:linClrLst meth="repeat">
+      <a:schemeClr val="accent1">
+        <a:alpha val="90000"/>
+        <a:tint val="55000"/>
+      </a:schemeClr>
+    </dgm:linClrLst>
+    <dgm:effectClrLst/>
+    <dgm:txLinClrLst/>
+    <dgm:txFillClrLst meth="repeat">
+      <a:schemeClr val="dk1"/>
+    </dgm:txFillClrLst>
+    <dgm:txEffectClrLst/>
+  </dgm:styleLbl>
+  <dgm:styleLbl name="bgAccFollowNode1">
+    <dgm:fillClrLst meth="repeat">
+      <a:schemeClr val="accent1">
+        <a:alpha val="90000"/>
+        <a:tint val="55000"/>
+      </a:schemeClr>
+    </dgm:fillClrLst>
+    <dgm:linClrLst meth="repeat">
+      <a:schemeClr val="lt1"/>
+    </dgm:linClrLst>
+    <dgm:effectClrLst/>
+    <dgm:txLinClrLst/>
+    <dgm:txFillClrLst meth="repeat">
+      <a:schemeClr val="dk1"/>
+    </dgm:txFillClrLst>
+    <dgm:txEffectClrLst/>
+  </dgm:styleLbl>
+  <dgm:styleLbl name="fgAcc0">
+    <dgm:fillClrLst meth="repeat">
+      <a:schemeClr val="lt1">
+        <a:alpha val="90000"/>
+      </a:schemeClr>
+    </dgm:fillClrLst>
+    <dgm:linClrLst meth="repeat">
+      <a:schemeClr val="accent1">
+        <a:shade val="80000"/>
+      </a:schemeClr>
+    </dgm:linClrLst>
+    <dgm:effectClrLst/>
+    <dgm:txLinClrLst/>
+    <dgm:txFillClrLst meth="repeat">
+      <a:schemeClr val="dk1"/>
+    </dgm:txFillClrLst>
+    <dgm:txEffectClrLst/>
+  </dgm:styleLbl>
+  <dgm:styleLbl name="fgAcc2">
+    <dgm:fillClrLst meth="repeat">
+      <a:schemeClr val="lt1">
+        <a:alpha val="90000"/>
+      </a:schemeClr>
+    </dgm:fillClrLst>
+    <dgm:linClrLst meth="repeat">
+      <a:schemeClr val="accent1">
+        <a:tint val="90000"/>
+      </a:schemeClr>
+    </dgm:linClrLst>
+    <dgm:effectClrLst/>
+    <dgm:txLinClrLst/>
+    <dgm:txFillClrLst meth="repeat">
+      <a:schemeClr val="dk1"/>
+    </dgm:txFillClrLst>
+    <dgm:txEffectClrLst/>
+  </dgm:styleLbl>
+  <dgm:styleLbl name="fgAcc3">
+    <dgm:fillClrLst meth="repeat">
+      <a:schemeClr val="lt1">
+        <a:alpha val="90000"/>
+      </a:schemeClr>
+    </dgm:fillClrLst>
+    <dgm:linClrLst meth="repeat">
+      <a:schemeClr val="accent1">
+        <a:tint val="70000"/>
+      </a:schemeClr>
+    </dgm:linClrLst>
+    <dgm:effectClrLst/>
+    <dgm:txLinClrLst/>
+    <dgm:txFillClrLst meth="repeat">
+      <a:schemeClr val="dk1"/>
+    </dgm:txFillClrLst>
+    <dgm:txEffectClrLst/>
+  </dgm:styleLbl>
+  <dgm:styleLbl name="fgAcc4">
+    <dgm:fillClrLst meth="repeat">
+      <a:schemeClr val="lt1">
+        <a:alpha val="90000"/>
+      </a:schemeClr>
+    </dgm:fillClrLst>
+    <dgm:linClrLst meth="repeat">
+      <a:schemeClr val="accent1">
+        <a:tint val="50000"/>
+      </a:schemeClr>
+    </dgm:linClrLst>
+    <dgm:effectClrLst/>
+    <dgm:txLinClrLst/>
+    <dgm:txFillClrLst meth="repeat">
+      <a:schemeClr val="dk1"/>
+    </dgm:txFillClrLst>
+    <dgm:txEffectClrLst/>
+  </dgm:styleLbl>
+  <dgm:styleLbl name="bgShp">
+    <dgm:fillClrLst meth="repeat">
+      <a:schemeClr val="accent1">
+        <a:tint val="55000"/>
+      </a:schemeClr>
+    </dgm:fillClrLst>
+    <dgm:linClrLst meth="repeat">
+      <a:schemeClr val="dk1"/>
+    </dgm:linClrLst>
+    <dgm:effectClrLst/>
+    <dgm:txLinClrLst/>
+    <dgm:txFillClrLst meth="repeat">
+      <a:schemeClr val="dk1"/>
+    </dgm:txFillClrLst>
+    <dgm:txEffectClrLst/>
+  </dgm:styleLbl>
+  <dgm:styleLbl name="dkBgShp">
+    <dgm:fillClrLst meth="repeat">
+      <a:schemeClr val="accent1">
+        <a:shade val="90000"/>
+      </a:schemeClr>
+    </dgm:fillClrLst>
+    <dgm:linClrLst meth="repeat">
+      <a:schemeClr val="dk1"/>
+    </dgm:linClrLst>
+    <dgm:effectClrLst/>
+    <dgm:txLinClrLst/>
+    <dgm:txFillClrLst meth="repeat">
+      <a:schemeClr val="lt1"/>
+    </dgm:txFillClrLst>
+    <dgm:txEffectClrLst/>
+  </dgm:styleLbl>
+  <dgm:styleLbl name="trBgShp">
+    <dgm:fillClrLst meth="repeat">
+      <a:schemeClr val="accent1">
+        <a:tint val="50000"/>
+        <a:alpha val="55000"/>
+      </a:schemeClr>
+    </dgm:fillClrLst>
+    <dgm:linClrLst meth="repeat">
+      <a:schemeClr val="accent1"/>
+    </dgm:linClrLst>
+    <dgm:effectClrLst/>
+    <dgm:txLinClrLst/>
+    <dgm:txFillClrLst meth="repeat">
+      <a:schemeClr val="lt1"/>
+    </dgm:txFillClrLst>
+    <dgm:txEffectClrLst/>
+  </dgm:styleLbl>
+  <dgm:styleLbl name="fgShp">
+    <dgm:fillClrLst meth="repeat">
+      <a:schemeClr val="accent1">
+        <a:tint val="55000"/>
+      </a:schemeClr>
+    </dgm:fillClrLst>
+    <dgm:linClrLst meth="repeat">
+      <a:schemeClr val="lt1"/>
+    </dgm:linClrLst>
+    <dgm:effectClrLst/>
+    <dgm:txLinClrLst/>
+    <dgm:txFillClrLst meth="repeat">
+      <a:schemeClr val="dk1"/>
+    </dgm:txFillClrLst>
+    <dgm:txEffectClrLst/>
+  </dgm:styleLbl>
+  <dgm:styleLbl name="revTx">
+    <dgm:fillClrLst meth="repeat">
+      <a:schemeClr val="lt1">
+        <a:alpha val="0"/>
+      </a:schemeClr>
+    </dgm:fillClrLst>
+    <dgm:linClrLst meth="repeat">
+      <a:schemeClr val="dk1">
+        <a:alpha val="0"/>
+      </a:schemeClr>
+    </dgm:linClrLst>
+    <dgm:effectClrLst/>
+    <dgm:txLinClrLst/>
+    <dgm:txFillClrLst meth="repeat">
+      <a:schemeClr val="tx1"/>
+    </dgm:txFillClrLst>
+    <dgm:txEffectClrLst/>
+  </dgm:styleLbl>
+</dgm:colorsDef>
+</file>
+
+<file path=ppt/diagrams/data1.xml><?xml version="1.0" encoding="utf-8"?>
+<dgm:dataModel xmlns:dgm="http://schemas.openxmlformats.org/drawingml/2006/diagram" xmlns:a="http://schemas.openxmlformats.org/drawingml/2006/main">
+  <dgm:ptLst>
+    <dgm:pt modelId="{86CCECA6-A500-45A0-A8C5-B000882B9251}" type="doc">
+      <dgm:prSet loTypeId="urn:microsoft.com/office/officeart/2005/8/layout/chevron1" loCatId="process" qsTypeId="urn:microsoft.com/office/officeart/2005/8/quickstyle/simple5" qsCatId="simple" csTypeId="urn:microsoft.com/office/officeart/2005/8/colors/accent1_4" csCatId="accent1" phldr="1"/>
+      <dgm:spPr/>
+    </dgm:pt>
+    <dgm:pt modelId="{16CC8276-B252-4198-B183-1450EF8D3079}">
+      <dgm:prSet phldrT="[Text]"/>
+      <dgm:spPr>
+        <a:gradFill flip="none" rotWithShape="1">
+          <a:gsLst>
+            <a:gs pos="0">
+              <a:srgbClr val="C00000">
+                <a:shade val="30000"/>
+                <a:satMod val="115000"/>
+              </a:srgbClr>
+            </a:gs>
+            <a:gs pos="50000">
+              <a:srgbClr val="C00000">
+                <a:shade val="67500"/>
+                <a:satMod val="115000"/>
+              </a:srgbClr>
+            </a:gs>
+            <a:gs pos="100000">
+              <a:srgbClr val="C00000">
+                <a:shade val="100000"/>
+                <a:satMod val="115000"/>
+              </a:srgbClr>
+            </a:gs>
+          </a:gsLst>
+          <a:lin ang="0" scaled="1"/>
+          <a:tileRect/>
+        </a:gradFill>
+        <a:ln>
+          <a:solidFill>
+            <a:srgbClr val="C00000"/>
+          </a:solidFill>
+        </a:ln>
+      </dgm:spPr>
+      <dgm:t>
+        <a:bodyPr/>
+        <a:lstStyle/>
+        <a:p>
+          <a:r>
+            <a:rPr lang="de-DE" dirty="0" smtClean="0"/>
+            <a:t>User meldet Post</a:t>
+          </a:r>
+          <a:endParaRPr lang="de-DE" dirty="0"/>
+        </a:p>
+      </dgm:t>
+    </dgm:pt>
+    <dgm:pt modelId="{E420F730-C3AF-4575-B876-32C4A6266A84}" type="parTrans" cxnId="{8509B59E-E8F6-4EFC-BE20-1E6F6C6FA68B}">
+      <dgm:prSet/>
+      <dgm:spPr/>
+      <dgm:t>
+        <a:bodyPr/>
+        <a:lstStyle/>
+        <a:p>
+          <a:endParaRPr lang="de-DE"/>
+        </a:p>
+      </dgm:t>
+    </dgm:pt>
+    <dgm:pt modelId="{9CEB05EC-378C-44A8-8978-A113D996591C}" type="sibTrans" cxnId="{8509B59E-E8F6-4EFC-BE20-1E6F6C6FA68B}">
+      <dgm:prSet/>
+      <dgm:spPr/>
+      <dgm:t>
+        <a:bodyPr/>
+        <a:lstStyle/>
+        <a:p>
+          <a:endParaRPr lang="de-DE"/>
+        </a:p>
+      </dgm:t>
+    </dgm:pt>
+    <dgm:pt modelId="{1C850A18-C161-4BEC-9035-3F2BD55423F4}">
+      <dgm:prSet phldrT="[Text]"/>
+      <dgm:spPr/>
+      <dgm:t>
+        <a:bodyPr/>
+        <a:lstStyle/>
+        <a:p>
+          <a:r>
+            <a:rPr lang="de-DE" dirty="0" smtClean="0"/>
+            <a:t>Admin sieht Meldung</a:t>
+          </a:r>
+          <a:endParaRPr lang="de-DE" dirty="0"/>
+        </a:p>
+      </dgm:t>
+    </dgm:pt>
+    <dgm:pt modelId="{E689FFC7-BE62-4A62-A7E4-AEF44E2151A1}" type="parTrans" cxnId="{F1DB220C-7150-4221-9ADD-B9B2EAC8C1A8}">
+      <dgm:prSet/>
+      <dgm:spPr/>
+      <dgm:t>
+        <a:bodyPr/>
+        <a:lstStyle/>
+        <a:p>
+          <a:endParaRPr lang="de-DE"/>
+        </a:p>
+      </dgm:t>
+    </dgm:pt>
+    <dgm:pt modelId="{76E7EC19-7AE0-4994-AE25-D6547D7DE3D3}" type="sibTrans" cxnId="{F1DB220C-7150-4221-9ADD-B9B2EAC8C1A8}">
+      <dgm:prSet/>
+      <dgm:spPr/>
+      <dgm:t>
+        <a:bodyPr/>
+        <a:lstStyle/>
+        <a:p>
+          <a:endParaRPr lang="de-DE"/>
+        </a:p>
+      </dgm:t>
+    </dgm:pt>
+    <dgm:pt modelId="{586890EB-3EA6-4FDA-892C-8256B1DD4CD9}">
+      <dgm:prSet phldrT="[Text]"/>
+      <dgm:spPr>
+        <a:gradFill flip="none" rotWithShape="0">
+          <a:gsLst>
+            <a:gs pos="0">
+              <a:srgbClr val="00B050">
+                <a:shade val="30000"/>
+                <a:satMod val="115000"/>
+              </a:srgbClr>
+            </a:gs>
+            <a:gs pos="50000">
+              <a:srgbClr val="00B050">
+                <a:shade val="67500"/>
+                <a:satMod val="115000"/>
+              </a:srgbClr>
+            </a:gs>
+            <a:gs pos="100000">
+              <a:srgbClr val="00B050">
+                <a:shade val="100000"/>
+                <a:satMod val="115000"/>
+              </a:srgbClr>
+            </a:gs>
+          </a:gsLst>
+          <a:lin ang="10800000" scaled="1"/>
+          <a:tileRect/>
+        </a:gradFill>
+        <a:ln>
+          <a:solidFill>
+            <a:srgbClr val="00B050"/>
+          </a:solidFill>
+        </a:ln>
+      </dgm:spPr>
+      <dgm:t>
+        <a:bodyPr/>
+        <a:lstStyle/>
+        <a:p>
+          <a:r>
+            <a:rPr lang="de-DE" dirty="0" smtClean="0"/>
+            <a:t>Beitrag löschen oder Meldung  ignorieren</a:t>
+          </a:r>
+          <a:endParaRPr lang="de-DE" dirty="0"/>
+        </a:p>
+      </dgm:t>
+    </dgm:pt>
+    <dgm:pt modelId="{9E6F832F-7D21-4F26-B488-F95F6F7CFC6E}" type="parTrans" cxnId="{46AD64D8-0B0C-4C74-AC6B-80D47D96A964}">
+      <dgm:prSet/>
+      <dgm:spPr/>
+      <dgm:t>
+        <a:bodyPr/>
+        <a:lstStyle/>
+        <a:p>
+          <a:endParaRPr lang="de-DE"/>
+        </a:p>
+      </dgm:t>
+    </dgm:pt>
+    <dgm:pt modelId="{CB39C74A-50CC-4EBC-8A7E-9848CA982B91}" type="sibTrans" cxnId="{46AD64D8-0B0C-4C74-AC6B-80D47D96A964}">
+      <dgm:prSet/>
+      <dgm:spPr/>
+      <dgm:t>
+        <a:bodyPr/>
+        <a:lstStyle/>
+        <a:p>
+          <a:endParaRPr lang="de-DE"/>
+        </a:p>
+      </dgm:t>
+    </dgm:pt>
+    <dgm:pt modelId="{8524EEB0-4DCE-41F3-AA4E-504DF73A122B}" type="pres">
+      <dgm:prSet presAssocID="{86CCECA6-A500-45A0-A8C5-B000882B9251}" presName="Name0" presStyleCnt="0">
+        <dgm:presLayoutVars>
+          <dgm:dir/>
+          <dgm:animLvl val="lvl"/>
+          <dgm:resizeHandles val="exact"/>
+        </dgm:presLayoutVars>
+      </dgm:prSet>
+      <dgm:spPr/>
+    </dgm:pt>
+    <dgm:pt modelId="{C2AE1748-EEF6-4B74-8EA5-24926C10196C}" type="pres">
+      <dgm:prSet presAssocID="{16CC8276-B252-4198-B183-1450EF8D3079}" presName="parTxOnly" presStyleLbl="node1" presStyleIdx="0" presStyleCnt="3">
+        <dgm:presLayoutVars>
+          <dgm:chMax val="0"/>
+          <dgm:chPref val="0"/>
+          <dgm:bulletEnabled val="1"/>
+        </dgm:presLayoutVars>
+      </dgm:prSet>
+      <dgm:spPr/>
+      <dgm:t>
+        <a:bodyPr/>
+        <a:lstStyle/>
+        <a:p>
+          <a:endParaRPr lang="de-DE"/>
+        </a:p>
+      </dgm:t>
+    </dgm:pt>
+    <dgm:pt modelId="{CDE9B124-2FDE-40AC-9002-242A1CAD55DC}" type="pres">
+      <dgm:prSet presAssocID="{9CEB05EC-378C-44A8-8978-A113D996591C}" presName="parTxOnlySpace" presStyleCnt="0"/>
+      <dgm:spPr/>
+    </dgm:pt>
+    <dgm:pt modelId="{B0B9BCFA-B4BE-466D-9A75-E92422F114D5}" type="pres">
+      <dgm:prSet presAssocID="{1C850A18-C161-4BEC-9035-3F2BD55423F4}" presName="parTxOnly" presStyleLbl="node1" presStyleIdx="1" presStyleCnt="3">
+        <dgm:presLayoutVars>
+          <dgm:chMax val="0"/>
+          <dgm:chPref val="0"/>
+          <dgm:bulletEnabled val="1"/>
+        </dgm:presLayoutVars>
+      </dgm:prSet>
+      <dgm:spPr/>
+    </dgm:pt>
+    <dgm:pt modelId="{4CA88A7F-3CC4-4E63-B721-50315A1AB70F}" type="pres">
+      <dgm:prSet presAssocID="{76E7EC19-7AE0-4994-AE25-D6547D7DE3D3}" presName="parTxOnlySpace" presStyleCnt="0"/>
+      <dgm:spPr/>
+    </dgm:pt>
+    <dgm:pt modelId="{5BFD594F-1B37-4BA4-97F0-98540EED590E}" type="pres">
+      <dgm:prSet presAssocID="{586890EB-3EA6-4FDA-892C-8256B1DD4CD9}" presName="parTxOnly" presStyleLbl="node1" presStyleIdx="2" presStyleCnt="3">
+        <dgm:presLayoutVars>
+          <dgm:chMax val="0"/>
+          <dgm:chPref val="0"/>
+          <dgm:bulletEnabled val="1"/>
+        </dgm:presLayoutVars>
+      </dgm:prSet>
+      <dgm:spPr/>
+      <dgm:t>
+        <a:bodyPr/>
+        <a:lstStyle/>
+        <a:p>
+          <a:endParaRPr lang="de-DE"/>
+        </a:p>
+      </dgm:t>
+    </dgm:pt>
+  </dgm:ptLst>
+  <dgm:cxnLst>
+    <dgm:cxn modelId="{6A8F9408-5EFF-47BF-8BDC-4E009E955C3E}" type="presOf" srcId="{86CCECA6-A500-45A0-A8C5-B000882B9251}" destId="{8524EEB0-4DCE-41F3-AA4E-504DF73A122B}" srcOrd="0" destOrd="0" presId="urn:microsoft.com/office/officeart/2005/8/layout/chevron1"/>
+    <dgm:cxn modelId="{1F9251B4-FDD6-4280-BEA5-CF635E261842}" type="presOf" srcId="{1C850A18-C161-4BEC-9035-3F2BD55423F4}" destId="{B0B9BCFA-B4BE-466D-9A75-E92422F114D5}" srcOrd="0" destOrd="0" presId="urn:microsoft.com/office/officeart/2005/8/layout/chevron1"/>
+    <dgm:cxn modelId="{77B8BB76-5FE4-4054-8062-B6E702C5F892}" type="presOf" srcId="{586890EB-3EA6-4FDA-892C-8256B1DD4CD9}" destId="{5BFD594F-1B37-4BA4-97F0-98540EED590E}" srcOrd="0" destOrd="0" presId="urn:microsoft.com/office/officeart/2005/8/layout/chevron1"/>
+    <dgm:cxn modelId="{F1DB220C-7150-4221-9ADD-B9B2EAC8C1A8}" srcId="{86CCECA6-A500-45A0-A8C5-B000882B9251}" destId="{1C850A18-C161-4BEC-9035-3F2BD55423F4}" srcOrd="1" destOrd="0" parTransId="{E689FFC7-BE62-4A62-A7E4-AEF44E2151A1}" sibTransId="{76E7EC19-7AE0-4994-AE25-D6547D7DE3D3}"/>
+    <dgm:cxn modelId="{46AD64D8-0B0C-4C74-AC6B-80D47D96A964}" srcId="{86CCECA6-A500-45A0-A8C5-B000882B9251}" destId="{586890EB-3EA6-4FDA-892C-8256B1DD4CD9}" srcOrd="2" destOrd="0" parTransId="{9E6F832F-7D21-4F26-B488-F95F6F7CFC6E}" sibTransId="{CB39C74A-50CC-4EBC-8A7E-9848CA982B91}"/>
+    <dgm:cxn modelId="{8509B59E-E8F6-4EFC-BE20-1E6F6C6FA68B}" srcId="{86CCECA6-A500-45A0-A8C5-B000882B9251}" destId="{16CC8276-B252-4198-B183-1450EF8D3079}" srcOrd="0" destOrd="0" parTransId="{E420F730-C3AF-4575-B876-32C4A6266A84}" sibTransId="{9CEB05EC-378C-44A8-8978-A113D996591C}"/>
+    <dgm:cxn modelId="{55CD4477-0169-4396-BDEA-9B295E248A0F}" type="presOf" srcId="{16CC8276-B252-4198-B183-1450EF8D3079}" destId="{C2AE1748-EEF6-4B74-8EA5-24926C10196C}" srcOrd="0" destOrd="0" presId="urn:microsoft.com/office/officeart/2005/8/layout/chevron1"/>
+    <dgm:cxn modelId="{AA7AC538-E979-47DB-99DC-5EC6F9BD9051}" type="presParOf" srcId="{8524EEB0-4DCE-41F3-AA4E-504DF73A122B}" destId="{C2AE1748-EEF6-4B74-8EA5-24926C10196C}" srcOrd="0" destOrd="0" presId="urn:microsoft.com/office/officeart/2005/8/layout/chevron1"/>
+    <dgm:cxn modelId="{BF7A0B6B-85CD-4A0B-A735-CF83EEEF4550}" type="presParOf" srcId="{8524EEB0-4DCE-41F3-AA4E-504DF73A122B}" destId="{CDE9B124-2FDE-40AC-9002-242A1CAD55DC}" srcOrd="1" destOrd="0" presId="urn:microsoft.com/office/officeart/2005/8/layout/chevron1"/>
+    <dgm:cxn modelId="{4DAEEAA0-F9C9-49F6-9447-021DE2C7FF63}" type="presParOf" srcId="{8524EEB0-4DCE-41F3-AA4E-504DF73A122B}" destId="{B0B9BCFA-B4BE-466D-9A75-E92422F114D5}" srcOrd="2" destOrd="0" presId="urn:microsoft.com/office/officeart/2005/8/layout/chevron1"/>
+    <dgm:cxn modelId="{91AF80A1-E7E4-43D6-8D61-4B8C28606824}" type="presParOf" srcId="{8524EEB0-4DCE-41F3-AA4E-504DF73A122B}" destId="{4CA88A7F-3CC4-4E63-B721-50315A1AB70F}" srcOrd="3" destOrd="0" presId="urn:microsoft.com/office/officeart/2005/8/layout/chevron1"/>
+    <dgm:cxn modelId="{927DDD72-057D-4D13-9BEC-E2FE2EF70A87}" type="presParOf" srcId="{8524EEB0-4DCE-41F3-AA4E-504DF73A122B}" destId="{5BFD594F-1B37-4BA4-97F0-98540EED590E}" srcOrd="4" destOrd="0" presId="urn:microsoft.com/office/officeart/2005/8/layout/chevron1"/>
+  </dgm:cxnLst>
+  <dgm:bg/>
+  <dgm:whole/>
+  <dgm:extLst>
+    <a:ext uri="http://schemas.microsoft.com/office/drawing/2008/diagram">
+      <dsp:dataModelExt xmlns:dsp="http://schemas.microsoft.com/office/drawing/2008/diagram" relId="rId6" minVer="http://schemas.openxmlformats.org/drawingml/2006/diagram"/>
+    </a:ext>
+  </dgm:extLst>
+</dgm:dataModel>
+</file>
+
+<file path=ppt/diagrams/data2.xml><?xml version="1.0" encoding="utf-8"?>
+<dgm:dataModel xmlns:dgm="http://schemas.openxmlformats.org/drawingml/2006/diagram" xmlns:a="http://schemas.openxmlformats.org/drawingml/2006/main">
+  <dgm:ptLst>
+    <dgm:pt modelId="{86CCECA6-A500-45A0-A8C5-B000882B9251}" type="doc">
+      <dgm:prSet loTypeId="urn:microsoft.com/office/officeart/2005/8/layout/chevron1" loCatId="process" qsTypeId="urn:microsoft.com/office/officeart/2005/8/quickstyle/simple5" qsCatId="simple" csTypeId="urn:microsoft.com/office/officeart/2005/8/colors/accent1_4" csCatId="accent1" phldr="1"/>
+      <dgm:spPr/>
+    </dgm:pt>
+    <dgm:pt modelId="{1C850A18-C161-4BEC-9035-3F2BD55423F4}">
+      <dgm:prSet phldrT="[Text]"/>
+      <dgm:spPr/>
+      <dgm:t>
+        <a:bodyPr/>
+        <a:lstStyle/>
+        <a:p>
+          <a:r>
+            <a:rPr lang="de-DE" dirty="0" smtClean="0"/>
+            <a:t>Admin sieht Meldung</a:t>
+          </a:r>
+          <a:endParaRPr lang="de-DE" dirty="0"/>
+        </a:p>
+      </dgm:t>
+    </dgm:pt>
+    <dgm:pt modelId="{E689FFC7-BE62-4A62-A7E4-AEF44E2151A1}" type="parTrans" cxnId="{F1DB220C-7150-4221-9ADD-B9B2EAC8C1A8}">
+      <dgm:prSet/>
+      <dgm:spPr/>
+      <dgm:t>
+        <a:bodyPr/>
+        <a:lstStyle/>
+        <a:p>
+          <a:endParaRPr lang="de-DE"/>
+        </a:p>
+      </dgm:t>
+    </dgm:pt>
+    <dgm:pt modelId="{76E7EC19-7AE0-4994-AE25-D6547D7DE3D3}" type="sibTrans" cxnId="{F1DB220C-7150-4221-9ADD-B9B2EAC8C1A8}">
+      <dgm:prSet/>
+      <dgm:spPr/>
+      <dgm:t>
+        <a:bodyPr/>
+        <a:lstStyle/>
+        <a:p>
+          <a:endParaRPr lang="de-DE"/>
+        </a:p>
+      </dgm:t>
+    </dgm:pt>
+    <dgm:pt modelId="{B7273E6C-722F-42F2-8F0E-103148B4EF52}">
+      <dgm:prSet phldrT="[Text]"/>
+      <dgm:spPr>
+        <a:gradFill flip="none" rotWithShape="1">
+          <a:gsLst>
+            <a:gs pos="0">
+              <a:srgbClr val="C00000">
+                <a:shade val="30000"/>
+                <a:satMod val="115000"/>
+              </a:srgbClr>
+            </a:gs>
+            <a:gs pos="50000">
+              <a:srgbClr val="C00000">
+                <a:shade val="67500"/>
+                <a:satMod val="115000"/>
+              </a:srgbClr>
+            </a:gs>
+            <a:gs pos="100000">
+              <a:srgbClr val="C00000">
+                <a:shade val="100000"/>
+                <a:satMod val="115000"/>
+              </a:srgbClr>
+            </a:gs>
+          </a:gsLst>
+          <a:lin ang="0" scaled="1"/>
+          <a:tileRect/>
+        </a:gradFill>
+        <a:ln>
+          <a:solidFill>
+            <a:srgbClr val="C00000"/>
+          </a:solidFill>
+        </a:ln>
+      </dgm:spPr>
+      <dgm:t>
+        <a:bodyPr/>
+        <a:lstStyle/>
+        <a:p>
+          <a:r>
+            <a:rPr lang="de-DE" dirty="0" smtClean="0"/>
+            <a:t>User meldet User</a:t>
+          </a:r>
+          <a:endParaRPr lang="de-DE" dirty="0"/>
+        </a:p>
+      </dgm:t>
+    </dgm:pt>
+    <dgm:pt modelId="{D106CB10-EAFE-44C8-931A-0167FCE51723}" type="parTrans" cxnId="{D2449BAA-4D36-4B45-8354-E70B798F11A6}">
+      <dgm:prSet/>
+      <dgm:spPr/>
+      <dgm:t>
+        <a:bodyPr/>
+        <a:lstStyle/>
+        <a:p>
+          <a:endParaRPr lang="de-DE"/>
+        </a:p>
+      </dgm:t>
+    </dgm:pt>
+    <dgm:pt modelId="{3608B93E-8E18-4D8E-8105-441592CA633C}" type="sibTrans" cxnId="{D2449BAA-4D36-4B45-8354-E70B798F11A6}">
+      <dgm:prSet/>
+      <dgm:spPr/>
+      <dgm:t>
+        <a:bodyPr/>
+        <a:lstStyle/>
+        <a:p>
+          <a:endParaRPr lang="de-DE"/>
+        </a:p>
+      </dgm:t>
+    </dgm:pt>
+    <dgm:pt modelId="{97C47CBB-3502-4A81-8CDA-095A1946A4CF}">
+      <dgm:prSet phldrT="[Text]"/>
+      <dgm:spPr>
+        <a:gradFill flip="none" rotWithShape="0">
+          <a:gsLst>
+            <a:gs pos="0">
+              <a:srgbClr val="00B050">
+                <a:shade val="30000"/>
+                <a:satMod val="115000"/>
+              </a:srgbClr>
+            </a:gs>
+            <a:gs pos="50000">
+              <a:srgbClr val="00B050">
+                <a:shade val="67500"/>
+                <a:satMod val="115000"/>
+              </a:srgbClr>
+            </a:gs>
+            <a:gs pos="100000">
+              <a:srgbClr val="00B050">
+                <a:shade val="100000"/>
+                <a:satMod val="115000"/>
+              </a:srgbClr>
+            </a:gs>
+          </a:gsLst>
+          <a:lin ang="10800000" scaled="1"/>
+          <a:tileRect/>
+        </a:gradFill>
+        <a:ln>
+          <a:solidFill>
+            <a:srgbClr val="00B050"/>
+          </a:solidFill>
+        </a:ln>
+      </dgm:spPr>
+      <dgm:t>
+        <a:bodyPr/>
+        <a:lstStyle/>
+        <a:p>
+          <a:r>
+            <a:rPr lang="de-DE" dirty="0" smtClean="0"/>
+            <a:t>Nutzer sperren oder Meldung ignorieren</a:t>
+          </a:r>
+          <a:endParaRPr lang="de-DE" dirty="0"/>
+        </a:p>
+      </dgm:t>
+    </dgm:pt>
+    <dgm:pt modelId="{312F6253-333C-4CA8-ACFA-2EA3FC7FFC2B}" type="parTrans" cxnId="{F8701AFA-1AF0-4644-B8B0-12CC5F49B7AE}">
+      <dgm:prSet/>
+      <dgm:spPr/>
+      <dgm:t>
+        <a:bodyPr/>
+        <a:lstStyle/>
+        <a:p>
+          <a:endParaRPr lang="de-DE"/>
+        </a:p>
+      </dgm:t>
+    </dgm:pt>
+    <dgm:pt modelId="{B95259BD-A22F-4A7B-93FA-F3A8813BE5DD}" type="sibTrans" cxnId="{F8701AFA-1AF0-4644-B8B0-12CC5F49B7AE}">
+      <dgm:prSet/>
+      <dgm:spPr/>
+      <dgm:t>
+        <a:bodyPr/>
+        <a:lstStyle/>
+        <a:p>
+          <a:endParaRPr lang="de-DE"/>
+        </a:p>
+      </dgm:t>
+    </dgm:pt>
+    <dgm:pt modelId="{8524EEB0-4DCE-41F3-AA4E-504DF73A122B}" type="pres">
+      <dgm:prSet presAssocID="{86CCECA6-A500-45A0-A8C5-B000882B9251}" presName="Name0" presStyleCnt="0">
+        <dgm:presLayoutVars>
+          <dgm:dir/>
+          <dgm:animLvl val="lvl"/>
+          <dgm:resizeHandles val="exact"/>
+        </dgm:presLayoutVars>
+      </dgm:prSet>
+      <dgm:spPr/>
+    </dgm:pt>
+    <dgm:pt modelId="{28358310-5E3B-4C0A-A6CE-66DEFC99448C}" type="pres">
+      <dgm:prSet presAssocID="{B7273E6C-722F-42F2-8F0E-103148B4EF52}" presName="parTxOnly" presStyleLbl="node1" presStyleIdx="0" presStyleCnt="3">
+        <dgm:presLayoutVars>
+          <dgm:chMax val="0"/>
+          <dgm:chPref val="0"/>
+          <dgm:bulletEnabled val="1"/>
+        </dgm:presLayoutVars>
+      </dgm:prSet>
+      <dgm:spPr/>
+    </dgm:pt>
+    <dgm:pt modelId="{C4A4AEE0-322E-440A-A139-92E87A5A088B}" type="pres">
+      <dgm:prSet presAssocID="{3608B93E-8E18-4D8E-8105-441592CA633C}" presName="parTxOnlySpace" presStyleCnt="0"/>
+      <dgm:spPr/>
+    </dgm:pt>
+    <dgm:pt modelId="{B0B9BCFA-B4BE-466D-9A75-E92422F114D5}" type="pres">
+      <dgm:prSet presAssocID="{1C850A18-C161-4BEC-9035-3F2BD55423F4}" presName="parTxOnly" presStyleLbl="node1" presStyleIdx="1" presStyleCnt="3">
+        <dgm:presLayoutVars>
+          <dgm:chMax val="0"/>
+          <dgm:chPref val="0"/>
+          <dgm:bulletEnabled val="1"/>
+        </dgm:presLayoutVars>
+      </dgm:prSet>
+      <dgm:spPr/>
+    </dgm:pt>
+    <dgm:pt modelId="{4CA88A7F-3CC4-4E63-B721-50315A1AB70F}" type="pres">
+      <dgm:prSet presAssocID="{76E7EC19-7AE0-4994-AE25-D6547D7DE3D3}" presName="parTxOnlySpace" presStyleCnt="0"/>
+      <dgm:spPr/>
+    </dgm:pt>
+    <dgm:pt modelId="{CB26A0A1-A32C-4CEF-93C5-88958F776B4D}" type="pres">
+      <dgm:prSet presAssocID="{97C47CBB-3502-4A81-8CDA-095A1946A4CF}" presName="parTxOnly" presStyleLbl="node1" presStyleIdx="2" presStyleCnt="3">
+        <dgm:presLayoutVars>
+          <dgm:chMax val="0"/>
+          <dgm:chPref val="0"/>
+          <dgm:bulletEnabled val="1"/>
+        </dgm:presLayoutVars>
+      </dgm:prSet>
+      <dgm:spPr/>
+      <dgm:t>
+        <a:bodyPr/>
+        <a:lstStyle/>
+        <a:p>
+          <a:endParaRPr lang="de-DE"/>
+        </a:p>
+      </dgm:t>
+    </dgm:pt>
+  </dgm:ptLst>
+  <dgm:cxnLst>
+    <dgm:cxn modelId="{69B25AC7-E3D9-4DD1-8500-B541805309D0}" type="presOf" srcId="{86CCECA6-A500-45A0-A8C5-B000882B9251}" destId="{8524EEB0-4DCE-41F3-AA4E-504DF73A122B}" srcOrd="0" destOrd="0" presId="urn:microsoft.com/office/officeart/2005/8/layout/chevron1"/>
+    <dgm:cxn modelId="{D091F86E-A07C-4A1E-96F5-3408457E1459}" type="presOf" srcId="{97C47CBB-3502-4A81-8CDA-095A1946A4CF}" destId="{CB26A0A1-A32C-4CEF-93C5-88958F776B4D}" srcOrd="0" destOrd="0" presId="urn:microsoft.com/office/officeart/2005/8/layout/chevron1"/>
+    <dgm:cxn modelId="{F1DB220C-7150-4221-9ADD-B9B2EAC8C1A8}" srcId="{86CCECA6-A500-45A0-A8C5-B000882B9251}" destId="{1C850A18-C161-4BEC-9035-3F2BD55423F4}" srcOrd="1" destOrd="0" parTransId="{E689FFC7-BE62-4A62-A7E4-AEF44E2151A1}" sibTransId="{76E7EC19-7AE0-4994-AE25-D6547D7DE3D3}"/>
+    <dgm:cxn modelId="{D2449BAA-4D36-4B45-8354-E70B798F11A6}" srcId="{86CCECA6-A500-45A0-A8C5-B000882B9251}" destId="{B7273E6C-722F-42F2-8F0E-103148B4EF52}" srcOrd="0" destOrd="0" parTransId="{D106CB10-EAFE-44C8-931A-0167FCE51723}" sibTransId="{3608B93E-8E18-4D8E-8105-441592CA633C}"/>
+    <dgm:cxn modelId="{E8BF9D21-D5E6-4486-9C3D-0108FECD4407}" type="presOf" srcId="{1C850A18-C161-4BEC-9035-3F2BD55423F4}" destId="{B0B9BCFA-B4BE-466D-9A75-E92422F114D5}" srcOrd="0" destOrd="0" presId="urn:microsoft.com/office/officeart/2005/8/layout/chevron1"/>
+    <dgm:cxn modelId="{F8701AFA-1AF0-4644-B8B0-12CC5F49B7AE}" srcId="{86CCECA6-A500-45A0-A8C5-B000882B9251}" destId="{97C47CBB-3502-4A81-8CDA-095A1946A4CF}" srcOrd="2" destOrd="0" parTransId="{312F6253-333C-4CA8-ACFA-2EA3FC7FFC2B}" sibTransId="{B95259BD-A22F-4A7B-93FA-F3A8813BE5DD}"/>
+    <dgm:cxn modelId="{1CB05876-8707-4357-815D-17C5BC8897B9}" type="presOf" srcId="{B7273E6C-722F-42F2-8F0E-103148B4EF52}" destId="{28358310-5E3B-4C0A-A6CE-66DEFC99448C}" srcOrd="0" destOrd="0" presId="urn:microsoft.com/office/officeart/2005/8/layout/chevron1"/>
+    <dgm:cxn modelId="{09916147-6534-477C-B364-EC74758CA5EC}" type="presParOf" srcId="{8524EEB0-4DCE-41F3-AA4E-504DF73A122B}" destId="{28358310-5E3B-4C0A-A6CE-66DEFC99448C}" srcOrd="0" destOrd="0" presId="urn:microsoft.com/office/officeart/2005/8/layout/chevron1"/>
+    <dgm:cxn modelId="{F2E05819-58D9-4CD3-A94A-9A616CEDDAD5}" type="presParOf" srcId="{8524EEB0-4DCE-41F3-AA4E-504DF73A122B}" destId="{C4A4AEE0-322E-440A-A139-92E87A5A088B}" srcOrd="1" destOrd="0" presId="urn:microsoft.com/office/officeart/2005/8/layout/chevron1"/>
+    <dgm:cxn modelId="{5004C578-C38A-4F14-B727-B7AE5FEE5F5C}" type="presParOf" srcId="{8524EEB0-4DCE-41F3-AA4E-504DF73A122B}" destId="{B0B9BCFA-B4BE-466D-9A75-E92422F114D5}" srcOrd="2" destOrd="0" presId="urn:microsoft.com/office/officeart/2005/8/layout/chevron1"/>
+    <dgm:cxn modelId="{5DB5445E-7FCE-408A-A2BC-369511F72B1C}" type="presParOf" srcId="{8524EEB0-4DCE-41F3-AA4E-504DF73A122B}" destId="{4CA88A7F-3CC4-4E63-B721-50315A1AB70F}" srcOrd="3" destOrd="0" presId="urn:microsoft.com/office/officeart/2005/8/layout/chevron1"/>
+    <dgm:cxn modelId="{D7BBABC9-DCE5-4167-989D-FB6A48236C00}" type="presParOf" srcId="{8524EEB0-4DCE-41F3-AA4E-504DF73A122B}" destId="{CB26A0A1-A32C-4CEF-93C5-88958F776B4D}" srcOrd="4" destOrd="0" presId="urn:microsoft.com/office/officeart/2005/8/layout/chevron1"/>
+  </dgm:cxnLst>
+  <dgm:bg/>
+  <dgm:whole/>
+  <dgm:extLst>
+    <a:ext uri="http://schemas.microsoft.com/office/drawing/2008/diagram">
+      <dsp:dataModelExt xmlns:dsp="http://schemas.microsoft.com/office/drawing/2008/diagram" relId="rId11" minVer="http://schemas.openxmlformats.org/drawingml/2006/diagram"/>
+    </a:ext>
+  </dgm:extLst>
+</dgm:dataModel>
+</file>
+
+<file path=ppt/diagrams/drawing1.xml><?xml version="1.0" encoding="utf-8"?>
+<dsp:drawing xmlns:dgm="http://schemas.openxmlformats.org/drawingml/2006/diagram" xmlns:dsp="http://schemas.microsoft.com/office/drawing/2008/diagram" xmlns:a="http://schemas.openxmlformats.org/drawingml/2006/main">
+  <dsp:spTree>
+    <dsp:nvGrpSpPr>
+      <dsp:cNvPr id="0" name=""/>
+      <dsp:cNvGrpSpPr/>
+    </dsp:nvGrpSpPr>
+    <dsp:grpSpPr/>
+    <dsp:sp modelId="{C2AE1748-EEF6-4B74-8EA5-24926C10196C}">
+      <dsp:nvSpPr>
+        <dsp:cNvPr id="0" name=""/>
+        <dsp:cNvSpPr/>
+      </dsp:nvSpPr>
+      <dsp:spPr>
+        <a:xfrm>
+          <a:off x="2381" y="695552"/>
+          <a:ext cx="2901156" cy="1160462"/>
+        </a:xfrm>
+        <a:prstGeom prst="chevron">
+          <a:avLst/>
+        </a:prstGeom>
+        <a:gradFill flip="none" rotWithShape="1">
+          <a:gsLst>
+            <a:gs pos="0">
+              <a:srgbClr val="C00000">
+                <a:shade val="30000"/>
+                <a:satMod val="115000"/>
+              </a:srgbClr>
+            </a:gs>
+            <a:gs pos="50000">
+              <a:srgbClr val="C00000">
+                <a:shade val="67500"/>
+                <a:satMod val="115000"/>
+              </a:srgbClr>
+            </a:gs>
+            <a:gs pos="100000">
+              <a:srgbClr val="C00000">
+                <a:shade val="100000"/>
+                <a:satMod val="115000"/>
+              </a:srgbClr>
+            </a:gs>
+          </a:gsLst>
+          <a:lin ang="0" scaled="1"/>
+          <a:tileRect/>
+        </a:gradFill>
+        <a:ln>
+          <a:solidFill>
+            <a:srgbClr val="C00000"/>
+          </a:solidFill>
+        </a:ln>
+        <a:effectLst>
+          <a:outerShdw blurRad="63500" dist="38100" dir="5400000" rotWithShape="0">
+            <a:srgbClr val="000000">
+              <a:alpha val="60000"/>
+            </a:srgbClr>
+          </a:outerShdw>
+        </a:effectLst>
+        <a:scene3d>
+          <a:camera prst="orthographicFront">
+            <a:rot lat="0" lon="0" rev="0"/>
+          </a:camera>
+          <a:lightRig rig="threePt" dir="tl"/>
+        </a:scene3d>
+        <a:sp3d prstMaterial="plastic">
+          <a:bevelT w="0" h="0"/>
+        </a:sp3d>
+      </dsp:spPr>
+      <dsp:style>
+        <a:lnRef idx="0">
+          <a:scrgbClr r="0" g="0" b="0"/>
+        </a:lnRef>
+        <a:fillRef idx="3">
+          <a:scrgbClr r="0" g="0" b="0"/>
+        </a:fillRef>
+        <a:effectRef idx="3">
+          <a:scrgbClr r="0" g="0" b="0"/>
+        </a:effectRef>
+        <a:fontRef idx="minor">
+          <a:schemeClr val="lt1"/>
+        </a:fontRef>
+      </dsp:style>
+      <dsp:txBody>
+        <a:bodyPr spcFirstLastPara="0" vert="horz" wrap="square" lIns="76010" tIns="25337" rIns="25337" bIns="25337" numCol="1" spcCol="1270" anchor="ctr" anchorCtr="0">
+          <a:noAutofit/>
+        </a:bodyPr>
+        <a:lstStyle/>
+        <a:p>
+          <a:pPr lvl="0" algn="ctr" defTabSz="844550">
+            <a:lnSpc>
+              <a:spcPct val="90000"/>
+            </a:lnSpc>
+            <a:spcBef>
+              <a:spcPct val="0"/>
+            </a:spcBef>
+            <a:spcAft>
+              <a:spcPct val="35000"/>
+            </a:spcAft>
+          </a:pPr>
+          <a:r>
+            <a:rPr lang="de-DE" sz="1900" kern="1200" dirty="0" smtClean="0"/>
+            <a:t>User meldet Post</a:t>
+          </a:r>
+          <a:endParaRPr lang="de-DE" sz="1900" kern="1200" dirty="0"/>
+        </a:p>
+      </dsp:txBody>
+      <dsp:txXfrm>
+        <a:off x="582612" y="695552"/>
+        <a:ext cx="1740694" cy="1160462"/>
+      </dsp:txXfrm>
+    </dsp:sp>
+    <dsp:sp modelId="{B0B9BCFA-B4BE-466D-9A75-E92422F114D5}">
+      <dsp:nvSpPr>
+        <dsp:cNvPr id="0" name=""/>
+        <dsp:cNvSpPr/>
+      </dsp:nvSpPr>
+      <dsp:spPr>
+        <a:xfrm>
+          <a:off x="2613421" y="695552"/>
+          <a:ext cx="2901156" cy="1160462"/>
+        </a:xfrm>
+        <a:prstGeom prst="chevron">
+          <a:avLst/>
+        </a:prstGeom>
+        <a:gradFill rotWithShape="0">
+          <a:gsLst>
+            <a:gs pos="0">
+              <a:schemeClr val="accent1">
+                <a:shade val="50000"/>
+                <a:hueOff val="271754"/>
+                <a:satOff val="-15199"/>
+                <a:lumOff val="30265"/>
+                <a:alphaOff val="0"/>
+                <a:tint val="98000"/>
+                <a:lumMod val="114000"/>
+              </a:schemeClr>
+            </a:gs>
+            <a:gs pos="100000">
+              <a:schemeClr val="accent1">
+                <a:shade val="50000"/>
+                <a:hueOff val="271754"/>
+                <a:satOff val="-15199"/>
+                <a:lumOff val="30265"/>
+                <a:alphaOff val="0"/>
+                <a:shade val="90000"/>
+                <a:lumMod val="84000"/>
+              </a:schemeClr>
+            </a:gs>
+          </a:gsLst>
+          <a:lin ang="5400000" scaled="0"/>
+        </a:gradFill>
+        <a:ln>
+          <a:noFill/>
+        </a:ln>
+        <a:effectLst>
+          <a:outerShdw blurRad="63500" dist="38100" dir="5400000" rotWithShape="0">
+            <a:srgbClr val="000000">
+              <a:alpha val="60000"/>
+            </a:srgbClr>
+          </a:outerShdw>
+        </a:effectLst>
+        <a:scene3d>
+          <a:camera prst="orthographicFront">
+            <a:rot lat="0" lon="0" rev="0"/>
+          </a:camera>
+          <a:lightRig rig="threePt" dir="tl"/>
+        </a:scene3d>
+        <a:sp3d prstMaterial="plastic">
+          <a:bevelT w="0" h="0"/>
+        </a:sp3d>
+      </dsp:spPr>
+      <dsp:style>
+        <a:lnRef idx="0">
+          <a:scrgbClr r="0" g="0" b="0"/>
+        </a:lnRef>
+        <a:fillRef idx="3">
+          <a:scrgbClr r="0" g="0" b="0"/>
+        </a:fillRef>
+        <a:effectRef idx="3">
+          <a:scrgbClr r="0" g="0" b="0"/>
+        </a:effectRef>
+        <a:fontRef idx="minor">
+          <a:schemeClr val="lt1"/>
+        </a:fontRef>
+      </dsp:style>
+      <dsp:txBody>
+        <a:bodyPr spcFirstLastPara="0" vert="horz" wrap="square" lIns="76010" tIns="25337" rIns="25337" bIns="25337" numCol="1" spcCol="1270" anchor="ctr" anchorCtr="0">
+          <a:noAutofit/>
+        </a:bodyPr>
+        <a:lstStyle/>
+        <a:p>
+          <a:pPr lvl="0" algn="ctr" defTabSz="844550">
+            <a:lnSpc>
+              <a:spcPct val="90000"/>
+            </a:lnSpc>
+            <a:spcBef>
+              <a:spcPct val="0"/>
+            </a:spcBef>
+            <a:spcAft>
+              <a:spcPct val="35000"/>
+            </a:spcAft>
+          </a:pPr>
+          <a:r>
+            <a:rPr lang="de-DE" sz="1900" kern="1200" dirty="0" smtClean="0"/>
+            <a:t>Admin sieht Meldung</a:t>
+          </a:r>
+          <a:endParaRPr lang="de-DE" sz="1900" kern="1200" dirty="0"/>
+        </a:p>
+      </dsp:txBody>
+      <dsp:txXfrm>
+        <a:off x="3193652" y="695552"/>
+        <a:ext cx="1740694" cy="1160462"/>
+      </dsp:txXfrm>
+    </dsp:sp>
+    <dsp:sp modelId="{5BFD594F-1B37-4BA4-97F0-98540EED590E}">
+      <dsp:nvSpPr>
+        <dsp:cNvPr id="0" name=""/>
+        <dsp:cNvSpPr/>
+      </dsp:nvSpPr>
+      <dsp:spPr>
+        <a:xfrm>
+          <a:off x="5224462" y="695552"/>
+          <a:ext cx="2901156" cy="1160462"/>
+        </a:xfrm>
+        <a:prstGeom prst="chevron">
+          <a:avLst/>
+        </a:prstGeom>
+        <a:gradFill flip="none" rotWithShape="0">
+          <a:gsLst>
+            <a:gs pos="0">
+              <a:srgbClr val="00B050">
+                <a:shade val="30000"/>
+                <a:satMod val="115000"/>
+              </a:srgbClr>
+            </a:gs>
+            <a:gs pos="50000">
+              <a:srgbClr val="00B050">
+                <a:shade val="67500"/>
+                <a:satMod val="115000"/>
+              </a:srgbClr>
+            </a:gs>
+            <a:gs pos="100000">
+              <a:srgbClr val="00B050">
+                <a:shade val="100000"/>
+                <a:satMod val="115000"/>
+              </a:srgbClr>
+            </a:gs>
+          </a:gsLst>
+          <a:lin ang="10800000" scaled="1"/>
+          <a:tileRect/>
+        </a:gradFill>
+        <a:ln>
+          <a:solidFill>
+            <a:srgbClr val="00B050"/>
+          </a:solidFill>
+        </a:ln>
+        <a:effectLst>
+          <a:outerShdw blurRad="63500" dist="38100" dir="5400000" rotWithShape="0">
+            <a:srgbClr val="000000">
+              <a:alpha val="60000"/>
+            </a:srgbClr>
+          </a:outerShdw>
+        </a:effectLst>
+        <a:scene3d>
+          <a:camera prst="orthographicFront">
+            <a:rot lat="0" lon="0" rev="0"/>
+          </a:camera>
+          <a:lightRig rig="threePt" dir="tl"/>
+        </a:scene3d>
+        <a:sp3d prstMaterial="plastic">
+          <a:bevelT w="0" h="0"/>
+        </a:sp3d>
+      </dsp:spPr>
+      <dsp:style>
+        <a:lnRef idx="0">
+          <a:scrgbClr r="0" g="0" b="0"/>
+        </a:lnRef>
+        <a:fillRef idx="3">
+          <a:scrgbClr r="0" g="0" b="0"/>
+        </a:fillRef>
+        <a:effectRef idx="3">
+          <a:scrgbClr r="0" g="0" b="0"/>
+        </a:effectRef>
+        <a:fontRef idx="minor">
+          <a:schemeClr val="lt1"/>
+        </a:fontRef>
+      </dsp:style>
+      <dsp:txBody>
+        <a:bodyPr spcFirstLastPara="0" vert="horz" wrap="square" lIns="76010" tIns="25337" rIns="25337" bIns="25337" numCol="1" spcCol="1270" anchor="ctr" anchorCtr="0">
+          <a:noAutofit/>
+        </a:bodyPr>
+        <a:lstStyle/>
+        <a:p>
+          <a:pPr lvl="0" algn="ctr" defTabSz="844550">
+            <a:lnSpc>
+              <a:spcPct val="90000"/>
+            </a:lnSpc>
+            <a:spcBef>
+              <a:spcPct val="0"/>
+            </a:spcBef>
+            <a:spcAft>
+              <a:spcPct val="35000"/>
+            </a:spcAft>
+          </a:pPr>
+          <a:r>
+            <a:rPr lang="de-DE" sz="1900" kern="1200" dirty="0" smtClean="0"/>
+            <a:t>Beitrag löschen oder Meldung  ignorieren</a:t>
+          </a:r>
+          <a:endParaRPr lang="de-DE" sz="1900" kern="1200" dirty="0"/>
+        </a:p>
+      </dsp:txBody>
+      <dsp:txXfrm>
+        <a:off x="5804693" y="695552"/>
+        <a:ext cx="1740694" cy="1160462"/>
+      </dsp:txXfrm>
+    </dsp:sp>
+  </dsp:spTree>
+</dsp:drawing>
+</file>
+
+<file path=ppt/diagrams/drawing2.xml><?xml version="1.0" encoding="utf-8"?>
+<dsp:drawing xmlns:dgm="http://schemas.openxmlformats.org/drawingml/2006/diagram" xmlns:dsp="http://schemas.microsoft.com/office/drawing/2008/diagram" xmlns:a="http://schemas.openxmlformats.org/drawingml/2006/main">
+  <dsp:spTree>
+    <dsp:nvGrpSpPr>
+      <dsp:cNvPr id="0" name=""/>
+      <dsp:cNvGrpSpPr/>
+    </dsp:nvGrpSpPr>
+    <dsp:grpSpPr/>
+    <dsp:sp modelId="{28358310-5E3B-4C0A-A6CE-66DEFC99448C}">
+      <dsp:nvSpPr>
+        <dsp:cNvPr id="0" name=""/>
+        <dsp:cNvSpPr/>
+      </dsp:nvSpPr>
+      <dsp:spPr>
+        <a:xfrm>
+          <a:off x="2381" y="695552"/>
+          <a:ext cx="2901156" cy="1160462"/>
+        </a:xfrm>
+        <a:prstGeom prst="chevron">
+          <a:avLst/>
+        </a:prstGeom>
+        <a:gradFill flip="none" rotWithShape="1">
+          <a:gsLst>
+            <a:gs pos="0">
+              <a:srgbClr val="C00000">
+                <a:shade val="30000"/>
+                <a:satMod val="115000"/>
+              </a:srgbClr>
+            </a:gs>
+            <a:gs pos="50000">
+              <a:srgbClr val="C00000">
+                <a:shade val="67500"/>
+                <a:satMod val="115000"/>
+              </a:srgbClr>
+            </a:gs>
+            <a:gs pos="100000">
+              <a:srgbClr val="C00000">
+                <a:shade val="100000"/>
+                <a:satMod val="115000"/>
+              </a:srgbClr>
+            </a:gs>
+          </a:gsLst>
+          <a:lin ang="0" scaled="1"/>
+          <a:tileRect/>
+        </a:gradFill>
+        <a:ln>
+          <a:solidFill>
+            <a:srgbClr val="C00000"/>
+          </a:solidFill>
+        </a:ln>
+        <a:effectLst>
+          <a:outerShdw blurRad="63500" dist="38100" dir="5400000" rotWithShape="0">
+            <a:srgbClr val="000000">
+              <a:alpha val="60000"/>
+            </a:srgbClr>
+          </a:outerShdw>
+        </a:effectLst>
+        <a:scene3d>
+          <a:camera prst="orthographicFront">
+            <a:rot lat="0" lon="0" rev="0"/>
+          </a:camera>
+          <a:lightRig rig="threePt" dir="tl"/>
+        </a:scene3d>
+        <a:sp3d prstMaterial="plastic">
+          <a:bevelT w="0" h="0"/>
+        </a:sp3d>
+      </dsp:spPr>
+      <dsp:style>
+        <a:lnRef idx="0">
+          <a:scrgbClr r="0" g="0" b="0"/>
+        </a:lnRef>
+        <a:fillRef idx="3">
+          <a:scrgbClr r="0" g="0" b="0"/>
+        </a:fillRef>
+        <a:effectRef idx="3">
+          <a:scrgbClr r="0" g="0" b="0"/>
+        </a:effectRef>
+        <a:fontRef idx="minor">
+          <a:schemeClr val="lt1"/>
+        </a:fontRef>
+      </dsp:style>
+      <dsp:txBody>
+        <a:bodyPr spcFirstLastPara="0" vert="horz" wrap="square" lIns="76010" tIns="25337" rIns="25337" bIns="25337" numCol="1" spcCol="1270" anchor="ctr" anchorCtr="0">
+          <a:noAutofit/>
+        </a:bodyPr>
+        <a:lstStyle/>
+        <a:p>
+          <a:pPr lvl="0" algn="ctr" defTabSz="844550">
+            <a:lnSpc>
+              <a:spcPct val="90000"/>
+            </a:lnSpc>
+            <a:spcBef>
+              <a:spcPct val="0"/>
+            </a:spcBef>
+            <a:spcAft>
+              <a:spcPct val="35000"/>
+            </a:spcAft>
+          </a:pPr>
+          <a:r>
+            <a:rPr lang="de-DE" sz="1900" kern="1200" dirty="0" smtClean="0"/>
+            <a:t>User meldet User</a:t>
+          </a:r>
+          <a:endParaRPr lang="de-DE" sz="1900" kern="1200" dirty="0"/>
+        </a:p>
+      </dsp:txBody>
+      <dsp:txXfrm>
+        <a:off x="582612" y="695552"/>
+        <a:ext cx="1740694" cy="1160462"/>
+      </dsp:txXfrm>
+    </dsp:sp>
+    <dsp:sp modelId="{B0B9BCFA-B4BE-466D-9A75-E92422F114D5}">
+      <dsp:nvSpPr>
+        <dsp:cNvPr id="0" name=""/>
+        <dsp:cNvSpPr/>
+      </dsp:nvSpPr>
+      <dsp:spPr>
+        <a:xfrm>
+          <a:off x="2613421" y="695552"/>
+          <a:ext cx="2901156" cy="1160462"/>
+        </a:xfrm>
+        <a:prstGeom prst="chevron">
+          <a:avLst/>
+        </a:prstGeom>
+        <a:gradFill rotWithShape="0">
+          <a:gsLst>
+            <a:gs pos="0">
+              <a:schemeClr val="accent1">
+                <a:shade val="50000"/>
+                <a:hueOff val="271754"/>
+                <a:satOff val="-15199"/>
+                <a:lumOff val="30265"/>
+                <a:alphaOff val="0"/>
+                <a:tint val="98000"/>
+                <a:lumMod val="114000"/>
+              </a:schemeClr>
+            </a:gs>
+            <a:gs pos="100000">
+              <a:schemeClr val="accent1">
+                <a:shade val="50000"/>
+                <a:hueOff val="271754"/>
+                <a:satOff val="-15199"/>
+                <a:lumOff val="30265"/>
+                <a:alphaOff val="0"/>
+                <a:shade val="90000"/>
+                <a:lumMod val="84000"/>
+              </a:schemeClr>
+            </a:gs>
+          </a:gsLst>
+          <a:lin ang="5400000" scaled="0"/>
+        </a:gradFill>
+        <a:ln>
+          <a:noFill/>
+        </a:ln>
+        <a:effectLst>
+          <a:outerShdw blurRad="63500" dist="38100" dir="5400000" rotWithShape="0">
+            <a:srgbClr val="000000">
+              <a:alpha val="60000"/>
+            </a:srgbClr>
+          </a:outerShdw>
+        </a:effectLst>
+        <a:scene3d>
+          <a:camera prst="orthographicFront">
+            <a:rot lat="0" lon="0" rev="0"/>
+          </a:camera>
+          <a:lightRig rig="threePt" dir="tl"/>
+        </a:scene3d>
+        <a:sp3d prstMaterial="plastic">
+          <a:bevelT w="0" h="0"/>
+        </a:sp3d>
+      </dsp:spPr>
+      <dsp:style>
+        <a:lnRef idx="0">
+          <a:scrgbClr r="0" g="0" b="0"/>
+        </a:lnRef>
+        <a:fillRef idx="3">
+          <a:scrgbClr r="0" g="0" b="0"/>
+        </a:fillRef>
+        <a:effectRef idx="3">
+          <a:scrgbClr r="0" g="0" b="0"/>
+        </a:effectRef>
+        <a:fontRef idx="minor">
+          <a:schemeClr val="lt1"/>
+        </a:fontRef>
+      </dsp:style>
+      <dsp:txBody>
+        <a:bodyPr spcFirstLastPara="0" vert="horz" wrap="square" lIns="76010" tIns="25337" rIns="25337" bIns="25337" numCol="1" spcCol="1270" anchor="ctr" anchorCtr="0">
+          <a:noAutofit/>
+        </a:bodyPr>
+        <a:lstStyle/>
+        <a:p>
+          <a:pPr lvl="0" algn="ctr" defTabSz="844550">
+            <a:lnSpc>
+              <a:spcPct val="90000"/>
+            </a:lnSpc>
+            <a:spcBef>
+              <a:spcPct val="0"/>
+            </a:spcBef>
+            <a:spcAft>
+              <a:spcPct val="35000"/>
+            </a:spcAft>
+          </a:pPr>
+          <a:r>
+            <a:rPr lang="de-DE" sz="1900" kern="1200" dirty="0" smtClean="0"/>
+            <a:t>Admin sieht Meldung</a:t>
+          </a:r>
+          <a:endParaRPr lang="de-DE" sz="1900" kern="1200" dirty="0"/>
+        </a:p>
+      </dsp:txBody>
+      <dsp:txXfrm>
+        <a:off x="3193652" y="695552"/>
+        <a:ext cx="1740694" cy="1160462"/>
+      </dsp:txXfrm>
+    </dsp:sp>
+    <dsp:sp modelId="{CB26A0A1-A32C-4CEF-93C5-88958F776B4D}">
+      <dsp:nvSpPr>
+        <dsp:cNvPr id="0" name=""/>
+        <dsp:cNvSpPr/>
+      </dsp:nvSpPr>
+      <dsp:spPr>
+        <a:xfrm>
+          <a:off x="5224462" y="695552"/>
+          <a:ext cx="2901156" cy="1160462"/>
+        </a:xfrm>
+        <a:prstGeom prst="chevron">
+          <a:avLst/>
+        </a:prstGeom>
+        <a:gradFill flip="none" rotWithShape="0">
+          <a:gsLst>
+            <a:gs pos="0">
+              <a:srgbClr val="00B050">
+                <a:shade val="30000"/>
+                <a:satMod val="115000"/>
+              </a:srgbClr>
+            </a:gs>
+            <a:gs pos="50000">
+              <a:srgbClr val="00B050">
+                <a:shade val="67500"/>
+                <a:satMod val="115000"/>
+              </a:srgbClr>
+            </a:gs>
+            <a:gs pos="100000">
+              <a:srgbClr val="00B050">
+                <a:shade val="100000"/>
+                <a:satMod val="115000"/>
+              </a:srgbClr>
+            </a:gs>
+          </a:gsLst>
+          <a:lin ang="10800000" scaled="1"/>
+          <a:tileRect/>
+        </a:gradFill>
+        <a:ln>
+          <a:solidFill>
+            <a:srgbClr val="00B050"/>
+          </a:solidFill>
+        </a:ln>
+        <a:effectLst>
+          <a:outerShdw blurRad="63500" dist="38100" dir="5400000" rotWithShape="0">
+            <a:srgbClr val="000000">
+              <a:alpha val="60000"/>
+            </a:srgbClr>
+          </a:outerShdw>
+        </a:effectLst>
+        <a:scene3d>
+          <a:camera prst="orthographicFront">
+            <a:rot lat="0" lon="0" rev="0"/>
+          </a:camera>
+          <a:lightRig rig="threePt" dir="tl"/>
+        </a:scene3d>
+        <a:sp3d prstMaterial="plastic">
+          <a:bevelT w="0" h="0"/>
+        </a:sp3d>
+      </dsp:spPr>
+      <dsp:style>
+        <a:lnRef idx="0">
+          <a:scrgbClr r="0" g="0" b="0"/>
+        </a:lnRef>
+        <a:fillRef idx="3">
+          <a:scrgbClr r="0" g="0" b="0"/>
+        </a:fillRef>
+        <a:effectRef idx="3">
+          <a:scrgbClr r="0" g="0" b="0"/>
+        </a:effectRef>
+        <a:fontRef idx="minor">
+          <a:schemeClr val="lt1"/>
+        </a:fontRef>
+      </dsp:style>
+      <dsp:txBody>
+        <a:bodyPr spcFirstLastPara="0" vert="horz" wrap="square" lIns="76010" tIns="25337" rIns="25337" bIns="25337" numCol="1" spcCol="1270" anchor="ctr" anchorCtr="0">
+          <a:noAutofit/>
+        </a:bodyPr>
+        <a:lstStyle/>
+        <a:p>
+          <a:pPr lvl="0" algn="ctr" defTabSz="844550">
+            <a:lnSpc>
+              <a:spcPct val="90000"/>
+            </a:lnSpc>
+            <a:spcBef>
+              <a:spcPct val="0"/>
+            </a:spcBef>
+            <a:spcAft>
+              <a:spcPct val="35000"/>
+            </a:spcAft>
+          </a:pPr>
+          <a:r>
+            <a:rPr lang="de-DE" sz="1900" kern="1200" dirty="0" smtClean="0"/>
+            <a:t>Nutzer sperren oder Meldung ignorieren</a:t>
+          </a:r>
+          <a:endParaRPr lang="de-DE" sz="1900" kern="1200" dirty="0"/>
+        </a:p>
+      </dsp:txBody>
+      <dsp:txXfrm>
+        <a:off x="5804693" y="695552"/>
+        <a:ext cx="1740694" cy="1160462"/>
+      </dsp:txXfrm>
+    </dsp:sp>
+  </dsp:spTree>
+</dsp:drawing>
+</file>
+
+<file path=ppt/diagrams/layout1.xml><?xml version="1.0" encoding="utf-8"?>
+<dgm:layoutDef xmlns:dgm="http://schemas.openxmlformats.org/drawingml/2006/diagram" xmlns:a="http://schemas.openxmlformats.org/drawingml/2006/main" uniqueId="urn:microsoft.com/office/officeart/2005/8/layout/chevron1">
+  <dgm:title val=""/>
+  <dgm:desc val=""/>
+  <dgm:catLst>
+    <dgm:cat type="process" pri="9000"/>
+  </dgm:catLst>
+  <dgm:sampData useDef="1">
+    <dgm:dataModel>
+      <dgm:ptLst/>
+      <dgm:bg/>
+      <dgm:whole/>
+    </dgm:dataModel>
+  </dgm:sampData>
+  <dgm:styleData>
+    <dgm:dataModel>
+      <dgm:ptLst>
+        <dgm:pt modelId="0" type="doc"/>
+        <dgm:pt modelId="1"/>
+        <dgm:pt modelId="2"/>
+      </dgm:ptLst>
+      <dgm:cxnLst>
+        <dgm:cxn modelId="3" srcId="0" destId="1" srcOrd="0" destOrd="0"/>
+        <dgm:cxn modelId="4" srcId="0" destId="2" srcOrd="1" destOrd="0"/>
+      </dgm:cxnLst>
+      <dgm:bg/>
+      <dgm:whole/>
+    </dgm:dataModel>
+  </dgm:styleData>
+  <dgm:clrData>
+    <dgm:dataModel>
+      <dgm:ptLst>
+        <dgm:pt modelId="0" type="doc"/>
+        <dgm:pt modelId="1"/>
+        <dgm:pt modelId="2"/>
+        <dgm:pt modelId="3"/>
+        <dgm:pt modelId="4"/>
+      </dgm:ptLst>
+      <dgm:cxnLst>
+        <dgm:cxn modelId="5" srcId="0" destId="1" srcOrd="0" destOrd="0"/>
+        <dgm:cxn modelId="6" srcId="0" destId="2" srcOrd="1" destOrd="0"/>
+        <dgm:cxn modelId="7" srcId="0" destId="3" srcOrd="2" destOrd="0"/>
+        <dgm:cxn modelId="8" srcId="0" destId="4" srcOrd="3" destOrd="0"/>
+      </dgm:cxnLst>
+      <dgm:bg/>
+      <dgm:whole/>
+    </dgm:dataModel>
+  </dgm:clrData>
+  <dgm:layoutNode name="Name0">
+    <dgm:varLst>
+      <dgm:dir/>
+      <dgm:animLvl val="lvl"/>
+      <dgm:resizeHandles val="exact"/>
+    </dgm:varLst>
+    <dgm:choose name="Name1">
+      <dgm:if name="Name2" func="var" arg="dir" op="equ" val="norm">
+        <dgm:alg type="lin"/>
+      </dgm:if>
+      <dgm:else name="Name3">
+        <dgm:alg type="lin">
+          <dgm:param type="linDir" val="fromR"/>
+        </dgm:alg>
+      </dgm:else>
+    </dgm:choose>
+    <dgm:shape xmlns:r="http://schemas.openxmlformats.org/officeDocument/2006/relationships" r:blip="">
+      <dgm:adjLst/>
+    </dgm:shape>
+    <dgm:presOf/>
+    <dgm:choose name="Name4">
+      <dgm:if name="Name5" axis="des" func="maxDepth" op="gte" val="2">
+        <dgm:constrLst>
+          <dgm:constr type="h" for="ch" forName="composite" refType="h"/>
+          <dgm:constr type="w" for="ch" forName="composite" refType="w"/>
+          <dgm:constr type="w" for="des" forName="parTx"/>
+          <dgm:constr type="h" for="des" forName="parTx" op="equ"/>
+          <dgm:constr type="w" for="des" forName="desTx"/>
+          <dgm:constr type="h" for="des" forName="desTx" op="equ"/>
+          <dgm:constr type="primFontSz" for="des" forName="parTx" val="65"/>
+          <dgm:constr type="secFontSz" for="des" forName="desTx" refType="primFontSz" refFor="des" refForName="parTx" op="equ"/>
+          <dgm:constr type="h" for="des" forName="parTx" refType="primFontSz" refFor="des" refForName="parTx" fact="1.5"/>
+          <dgm:constr type="h" for="des" forName="desTx" refType="primFontSz" refFor="des" refForName="parTx" fact="0.5"/>
+          <dgm:constr type="w" for="ch" forName="space" op="equ" val="-6"/>
+        </dgm:constrLst>
+        <dgm:ruleLst>
+          <dgm:rule type="w" for="ch" forName="composite" val="0" fact="NaN" max="NaN"/>
+          <dgm:rule type="primFontSz" for="des" forName="parTx" val="5" fact="NaN" max="NaN"/>
+        </dgm:ruleLst>
+        <dgm:forEach name="Name6" axis="ch" ptType="node">
+          <dgm:layoutNode name="composite">
+            <dgm:alg type="composite"/>
+            <dgm:shape xmlns:r="http://schemas.openxmlformats.org/officeDocument/2006/relationships" r:blip="">
+              <dgm:adjLst/>
+            </dgm:shape>
+            <dgm:presOf/>
+            <dgm:choose name="Name7">
+              <dgm:if name="Name8" func="var" arg="dir" op="equ" val="norm">
+                <dgm:constrLst>
+                  <dgm:constr type="l" for="ch" forName="parTx"/>
+                  <dgm:constr type="w" for="ch" forName="parTx" refType="w"/>
+                  <dgm:constr type="t" for="ch" forName="parTx"/>
+                  <dgm:constr type="l" for="ch" forName="desTx"/>
+                  <dgm:constr type="w" for="ch" forName="desTx" refType="w" refFor="ch" refForName="parTx" fact="0.8"/>
+                  <dgm:constr type="t" for="ch" forName="desTx" refType="h" refFor="ch" refForName="parTx" fact="1.125"/>
+                </dgm:constrLst>
+              </dgm:if>
+              <dgm:else name="Name9">
+                <dgm:constrLst>
+                  <dgm:constr type="l" for="ch" forName="parTx"/>
+                  <dgm:constr type="w" for="ch" forName="parTx" refType="w"/>
+                  <dgm:constr type="t" for="ch" forName="parTx"/>
+                  <dgm:constr type="l" for="ch" forName="desTx" refType="w" fact="0.2"/>
+                  <dgm:constr type="w" for="ch" forName="desTx" refType="w" refFor="ch" refForName="parTx" fact="0.8"/>
+                  <dgm:constr type="t" for="ch" forName="desTx" refType="h" refFor="ch" refForName="parTx" fact="1.125"/>
+                </dgm:constrLst>
+              </dgm:else>
+            </dgm:choose>
+            <dgm:ruleLst>
+              <dgm:rule type="h" val="INF" fact="NaN" max="NaN"/>
+            </dgm:ruleLst>
+            <dgm:layoutNode name="parTx">
+              <dgm:varLst>
+                <dgm:chMax val="0"/>
+                <dgm:chPref val="0"/>
+                <dgm:bulletEnabled val="1"/>
+              </dgm:varLst>
+              <dgm:alg type="tx"/>
+              <dgm:choose name="Name10">
+                <dgm:if name="Name11" func="var" arg="dir" op="equ" val="norm">
+                  <dgm:shape xmlns:r="http://schemas.openxmlformats.org/officeDocument/2006/relationships" type="chevron" r:blip="">
+                    <dgm:adjLst/>
+                  </dgm:shape>
+                </dgm:if>
+                <dgm:else name="Name12">
+                  <dgm:shape xmlns:r="http://schemas.openxmlformats.org/officeDocument/2006/relationships" rot="180" type="chevron" r:blip="">
+                    <dgm:adjLst/>
+                  </dgm:shape>
+                </dgm:else>
+              </dgm:choose>
+              <dgm:presOf axis="self" ptType="node"/>
+              <dgm:choose name="Name13">
+                <dgm:if name="Name14" func="var" arg="dir" op="equ" val="norm">
+                  <dgm:constrLst>
+                    <dgm:constr type="h" refType="w" op="lte" fact="0.4"/>
+                    <dgm:constr type="h"/>
+                    <dgm:constr type="tMarg" refType="primFontSz" fact="0.105"/>
+                    <dgm:constr type="bMarg" refType="primFontSz" fact="0.105"/>
+                    <dgm:constr type="lMarg" refType="primFontSz" fact="0.315"/>
+                    <dgm:constr type="rMarg" refType="primFontSz" fact="0.105"/>
+                  </dgm:constrLst>
+                </dgm:if>
+                <dgm:else name="Name15">
+                  <dgm:constrLst>
+                    <dgm:constr type="h" refType="w" op="lte" fact="0.4"/>
+                    <dgm:constr type="h"/>
+                    <dgm:constr type="tMarg" refType="primFontSz" fact="0.105"/>
+                    <dgm:constr type="bMarg" refType="primFontSz" fact="0.105"/>
+                    <dgm:constr type="lMarg" refType="primFontSz" fact="0.105"/>
+                    <dgm:constr type="rMarg" refType="primFontSz" fact="0.315"/>
+                  </dgm:constrLst>
+                </dgm:else>
+              </dgm:choose>
+              <dgm:ruleLst>
+                <dgm:rule type="h" val="INF" fact="NaN" max="NaN"/>
+              </dgm:ruleLst>
+            </dgm:layoutNode>
+            <dgm:layoutNode name="desTx" styleLbl="revTx">
+              <dgm:varLst>
+                <dgm:bulletEnabled val="1"/>
+              </dgm:varLst>
+              <dgm:alg type="tx">
+                <dgm:param type="stBulletLvl" val="1"/>
+              </dgm:alg>
+              <dgm:choose name="Name16">
+                <dgm:if name="Name17" axis="ch" ptType="node" func="cnt" op="gte" val="1">
+                  <dgm:shape xmlns:r="http://schemas.openxmlformats.org/officeDocument/2006/relationships" type="rect" r:blip="">
+                    <dgm:adjLst/>
+                  </dgm:shape>
+                </dgm:if>
+                <dgm:else name="Name18">
+                  <dgm:shape xmlns:r="http://schemas.openxmlformats.org/officeDocument/2006/relationships" type="rect" r:blip="" hideGeom="1">
+                    <dgm:adjLst/>
+                  </dgm:shape>
+                </dgm:else>
+              </dgm:choose>
+              <dgm:presOf axis="des" ptType="node"/>
+              <dgm:constrLst>
+                <dgm:constr type="secFontSz" val="65"/>
+                <dgm:constr type="primFontSz" refType="secFontSz"/>
+                <dgm:constr type="h"/>
+                <dgm:constr type="tMarg"/>
+                <dgm:constr type="bMarg"/>
+                <dgm:constr type="rMarg"/>
+                <dgm:constr type="lMarg"/>
+              </dgm:constrLst>
+              <dgm:ruleLst>
+                <dgm:rule type="h" val="INF" fact="NaN" max="NaN"/>
+              </dgm:ruleLst>
+            </dgm:layoutNode>
+          </dgm:layoutNode>
+          <dgm:forEach name="Name19" axis="followSib" ptType="sibTrans" cnt="1">
+            <dgm:layoutNode name="space">
+              <dgm:alg type="sp"/>
+              <dgm:shape xmlns:r="http://schemas.openxmlformats.org/officeDocument/2006/relationships" r:blip="">
+                <dgm:adjLst/>
+              </dgm:shape>
+              <dgm:presOf/>
+              <dgm:constrLst/>
+              <dgm:ruleLst/>
+            </dgm:layoutNode>
+          </dgm:forEach>
+        </dgm:forEach>
+      </dgm:if>
+      <dgm:else name="Name20">
+        <dgm:constrLst>
+          <dgm:constr type="w" for="ch" forName="parTxOnly" refType="w"/>
+          <dgm:constr type="h" for="des" forName="parTxOnly" op="equ"/>
+          <dgm:constr type="primFontSz" for="des" forName="parTxOnly" op="equ" val="65"/>
+          <dgm:constr type="w" for="ch" forName="parTxOnlySpace" refType="w" refFor="ch" refForName="parTxOnly" fact="-0.1"/>
+        </dgm:constrLst>
+        <dgm:ruleLst/>
+        <dgm:forEach name="Name21" axis="ch" ptType="node">
+          <dgm:layoutNode name="parTxOnly">
+            <dgm:varLst>
+              <dgm:chMax val="0"/>
+              <dgm:chPref val="0"/>
+              <dgm:bulletEnabled val="1"/>
+            </dgm:varLst>
+            <dgm:alg type="tx"/>
+            <dgm:choose name="Name22">
+              <dgm:if name="Name23" func="var" arg="dir" op="equ" val="norm">
+                <dgm:shape xmlns:r="http://schemas.openxmlformats.org/officeDocument/2006/relationships" type="chevron" r:blip="">
+                  <dgm:adjLst/>
+                </dgm:shape>
+              </dgm:if>
+              <dgm:else name="Name24">
+                <dgm:shape xmlns:r="http://schemas.openxmlformats.org/officeDocument/2006/relationships" rot="180" type="chevron" r:blip="">
+                  <dgm:adjLst/>
+                </dgm:shape>
+              </dgm:else>
+            </dgm:choose>
+            <dgm:presOf axis="self" ptType="node"/>
+            <dgm:choose name="Name25">
+              <dgm:if name="Name26" func="var" arg="dir" op="equ" val="norm">
+                <dgm:constrLst>
+                  <dgm:constr type="h" refType="w" op="equ" fact="0.4"/>
+                  <dgm:constr type="tMarg" refType="primFontSz" fact="0.105"/>
+                  <dgm:constr type="bMarg" refType="primFontSz" fact="0.105"/>
+                  <dgm:constr type="lMarg" refType="primFontSz" fact="0.315"/>
+                  <dgm:constr type="rMarg" refType="primFontSz" fact="0.105"/>
+                </dgm:constrLst>
+              </dgm:if>
+              <dgm:else name="Name27">
+                <dgm:constrLst>
+                  <dgm:constr type="h" refType="w" op="equ" fact="0.4"/>
+                  <dgm:constr type="tMarg" refType="primFontSz" fact="0.105"/>
+                  <dgm:constr type="bMarg" refType="primFontSz" fact="0.105"/>
+                  <dgm:constr type="lMarg" refType="primFontSz" fact="0.105"/>
+                  <dgm:constr type="rMarg" refType="primFontSz" fact="0.315"/>
+                </dgm:constrLst>
+              </dgm:else>
+            </dgm:choose>
+            <dgm:ruleLst>
+              <dgm:rule type="primFontSz" val="5" fact="NaN" max="NaN"/>
+            </dgm:ruleLst>
+          </dgm:layoutNode>
+          <dgm:forEach name="Name28" axis="followSib" ptType="sibTrans" cnt="1">
+            <dgm:layoutNode name="parTxOnlySpace">
+              <dgm:alg type="sp"/>
+              <dgm:shape xmlns:r="http://schemas.openxmlformats.org/officeDocument/2006/relationships" r:blip="">
+                <dgm:adjLst/>
+              </dgm:shape>
+              <dgm:presOf/>
+              <dgm:constrLst/>
+              <dgm:ruleLst/>
+            </dgm:layoutNode>
+          </dgm:forEach>
+        </dgm:forEach>
+      </dgm:else>
+    </dgm:choose>
+  </dgm:layoutNode>
+</dgm:layoutDef>
+</file>
+
+<file path=ppt/diagrams/layout2.xml><?xml version="1.0" encoding="utf-8"?>
+<dgm:layoutDef xmlns:dgm="http://schemas.openxmlformats.org/drawingml/2006/diagram" xmlns:a="http://schemas.openxmlformats.org/drawingml/2006/main" uniqueId="urn:microsoft.com/office/officeart/2005/8/layout/chevron1">
+  <dgm:title val=""/>
+  <dgm:desc val=""/>
+  <dgm:catLst>
+    <dgm:cat type="process" pri="9000"/>
+  </dgm:catLst>
+  <dgm:sampData useDef="1">
+    <dgm:dataModel>
+      <dgm:ptLst/>
+      <dgm:bg/>
+      <dgm:whole/>
+    </dgm:dataModel>
+  </dgm:sampData>
+  <dgm:styleData>
+    <dgm:dataModel>
+      <dgm:ptLst>
+        <dgm:pt modelId="0" type="doc"/>
+        <dgm:pt modelId="1"/>
+        <dgm:pt modelId="2"/>
+      </dgm:ptLst>
+      <dgm:cxnLst>
+        <dgm:cxn modelId="3" srcId="0" destId="1" srcOrd="0" destOrd="0"/>
+        <dgm:cxn modelId="4" srcId="0" destId="2" srcOrd="1" destOrd="0"/>
+      </dgm:cxnLst>
+      <dgm:bg/>
+      <dgm:whole/>
+    </dgm:dataModel>
+  </dgm:styleData>
+  <dgm:clrData>
+    <dgm:dataModel>
+      <dgm:ptLst>
+        <dgm:pt modelId="0" type="doc"/>
+        <dgm:pt modelId="1"/>
+        <dgm:pt modelId="2"/>
+        <dgm:pt modelId="3"/>
+        <dgm:pt modelId="4"/>
+      </dgm:ptLst>
+      <dgm:cxnLst>
+        <dgm:cxn modelId="5" srcId="0" destId="1" srcOrd="0" destOrd="0"/>
+        <dgm:cxn modelId="6" srcId="0" destId="2" srcOrd="1" destOrd="0"/>
+        <dgm:cxn modelId="7" srcId="0" destId="3" srcOrd="2" destOrd="0"/>
+        <dgm:cxn modelId="8" srcId="0" destId="4" srcOrd="3" destOrd="0"/>
+      </dgm:cxnLst>
+      <dgm:bg/>
+      <dgm:whole/>
+    </dgm:dataModel>
+  </dgm:clrData>
+  <dgm:layoutNode name="Name0">
+    <dgm:varLst>
+      <dgm:dir/>
+      <dgm:animLvl val="lvl"/>
+      <dgm:resizeHandles val="exact"/>
+    </dgm:varLst>
+    <dgm:choose name="Name1">
+      <dgm:if name="Name2" func="var" arg="dir" op="equ" val="norm">
+        <dgm:alg type="lin"/>
+      </dgm:if>
+      <dgm:else name="Name3">
+        <dgm:alg type="lin">
+          <dgm:param type="linDir" val="fromR"/>
+        </dgm:alg>
+      </dgm:else>
+    </dgm:choose>
+    <dgm:shape xmlns:r="http://schemas.openxmlformats.org/officeDocument/2006/relationships" r:blip="">
+      <dgm:adjLst/>
+    </dgm:shape>
+    <dgm:presOf/>
+    <dgm:choose name="Name4">
+      <dgm:if name="Name5" axis="des" func="maxDepth" op="gte" val="2">
+        <dgm:constrLst>
+          <dgm:constr type="h" for="ch" forName="composite" refType="h"/>
+          <dgm:constr type="w" for="ch" forName="composite" refType="w"/>
+          <dgm:constr type="w" for="des" forName="parTx"/>
+          <dgm:constr type="h" for="des" forName="parTx" op="equ"/>
+          <dgm:constr type="w" for="des" forName="desTx"/>
+          <dgm:constr type="h" for="des" forName="desTx" op="equ"/>
+          <dgm:constr type="primFontSz" for="des" forName="parTx" val="65"/>
+          <dgm:constr type="secFontSz" for="des" forName="desTx" refType="primFontSz" refFor="des" refForName="parTx" op="equ"/>
+          <dgm:constr type="h" for="des" forName="parTx" refType="primFontSz" refFor="des" refForName="parTx" fact="1.5"/>
+          <dgm:constr type="h" for="des" forName="desTx" refType="primFontSz" refFor="des" refForName="parTx" fact="0.5"/>
+          <dgm:constr type="w" for="ch" forName="space" op="equ" val="-6"/>
+        </dgm:constrLst>
+        <dgm:ruleLst>
+          <dgm:rule type="w" for="ch" forName="composite" val="0" fact="NaN" max="NaN"/>
+          <dgm:rule type="primFontSz" for="des" forName="parTx" val="5" fact="NaN" max="NaN"/>
+        </dgm:ruleLst>
+        <dgm:forEach name="Name6" axis="ch" ptType="node">
+          <dgm:layoutNode name="composite">
+            <dgm:alg type="composite"/>
+            <dgm:shape xmlns:r="http://schemas.openxmlformats.org/officeDocument/2006/relationships" r:blip="">
+              <dgm:adjLst/>
+            </dgm:shape>
+            <dgm:presOf/>
+            <dgm:choose name="Name7">
+              <dgm:if name="Name8" func="var" arg="dir" op="equ" val="norm">
+                <dgm:constrLst>
+                  <dgm:constr type="l" for="ch" forName="parTx"/>
+                  <dgm:constr type="w" for="ch" forName="parTx" refType="w"/>
+                  <dgm:constr type="t" for="ch" forName="parTx"/>
+                  <dgm:constr type="l" for="ch" forName="desTx"/>
+                  <dgm:constr type="w" for="ch" forName="desTx" refType="w" refFor="ch" refForName="parTx" fact="0.8"/>
+                  <dgm:constr type="t" for="ch" forName="desTx" refType="h" refFor="ch" refForName="parTx" fact="1.125"/>
+                </dgm:constrLst>
+              </dgm:if>
+              <dgm:else name="Name9">
+                <dgm:constrLst>
+                  <dgm:constr type="l" for="ch" forName="parTx"/>
+                  <dgm:constr type="w" for="ch" forName="parTx" refType="w"/>
+                  <dgm:constr type="t" for="ch" forName="parTx"/>
+                  <dgm:constr type="l" for="ch" forName="desTx" refType="w" fact="0.2"/>
+                  <dgm:constr type="w" for="ch" forName="desTx" refType="w" refFor="ch" refForName="parTx" fact="0.8"/>
+                  <dgm:constr type="t" for="ch" forName="desTx" refType="h" refFor="ch" refForName="parTx" fact="1.125"/>
+                </dgm:constrLst>
+              </dgm:else>
+            </dgm:choose>
+            <dgm:ruleLst>
+              <dgm:rule type="h" val="INF" fact="NaN" max="NaN"/>
+            </dgm:ruleLst>
+            <dgm:layoutNode name="parTx">
+              <dgm:varLst>
+                <dgm:chMax val="0"/>
+                <dgm:chPref val="0"/>
+                <dgm:bulletEnabled val="1"/>
+              </dgm:varLst>
+              <dgm:alg type="tx"/>
+              <dgm:choose name="Name10">
+                <dgm:if name="Name11" func="var" arg="dir" op="equ" val="norm">
+                  <dgm:shape xmlns:r="http://schemas.openxmlformats.org/officeDocument/2006/relationships" type="chevron" r:blip="">
+                    <dgm:adjLst/>
+                  </dgm:shape>
+                </dgm:if>
+                <dgm:else name="Name12">
+                  <dgm:shape xmlns:r="http://schemas.openxmlformats.org/officeDocument/2006/relationships" rot="180" type="chevron" r:blip="">
+                    <dgm:adjLst/>
+                  </dgm:shape>
+                </dgm:else>
+              </dgm:choose>
+              <dgm:presOf axis="self" ptType="node"/>
+              <dgm:choose name="Name13">
+                <dgm:if name="Name14" func="var" arg="dir" op="equ" val="norm">
+                  <dgm:constrLst>
+                    <dgm:constr type="h" refType="w" op="lte" fact="0.4"/>
+                    <dgm:constr type="h"/>
+                    <dgm:constr type="tMarg" refType="primFontSz" fact="0.105"/>
+                    <dgm:constr type="bMarg" refType="primFontSz" fact="0.105"/>
+                    <dgm:constr type="lMarg" refType="primFontSz" fact="0.315"/>
+                    <dgm:constr type="rMarg" refType="primFontSz" fact="0.105"/>
+                  </dgm:constrLst>
+                </dgm:if>
+                <dgm:else name="Name15">
+                  <dgm:constrLst>
+                    <dgm:constr type="h" refType="w" op="lte" fact="0.4"/>
+                    <dgm:constr type="h"/>
+                    <dgm:constr type="tMarg" refType="primFontSz" fact="0.105"/>
+                    <dgm:constr type="bMarg" refType="primFontSz" fact="0.105"/>
+                    <dgm:constr type="lMarg" refType="primFontSz" fact="0.105"/>
+                    <dgm:constr type="rMarg" refType="primFontSz" fact="0.315"/>
+                  </dgm:constrLst>
+                </dgm:else>
+              </dgm:choose>
+              <dgm:ruleLst>
+                <dgm:rule type="h" val="INF" fact="NaN" max="NaN"/>
+              </dgm:ruleLst>
+            </dgm:layoutNode>
+            <dgm:layoutNode name="desTx" styleLbl="revTx">
+              <dgm:varLst>
+                <dgm:bulletEnabled val="1"/>
+              </dgm:varLst>
+              <dgm:alg type="tx">
+                <dgm:param type="stBulletLvl" val="1"/>
+              </dgm:alg>
+              <dgm:choose name="Name16">
+                <dgm:if name="Name17" axis="ch" ptType="node" func="cnt" op="gte" val="1">
+                  <dgm:shape xmlns:r="http://schemas.openxmlformats.org/officeDocument/2006/relationships" type="rect" r:blip="">
+                    <dgm:adjLst/>
+                  </dgm:shape>
+                </dgm:if>
+                <dgm:else name="Name18">
+                  <dgm:shape xmlns:r="http://schemas.openxmlformats.org/officeDocument/2006/relationships" type="rect" r:blip="" hideGeom="1">
+                    <dgm:adjLst/>
+                  </dgm:shape>
+                </dgm:else>
+              </dgm:choose>
+              <dgm:presOf axis="des" ptType="node"/>
+              <dgm:constrLst>
+                <dgm:constr type="secFontSz" val="65"/>
+                <dgm:constr type="primFontSz" refType="secFontSz"/>
+                <dgm:constr type="h"/>
+                <dgm:constr type="tMarg"/>
+                <dgm:constr type="bMarg"/>
+                <dgm:constr type="rMarg"/>
+                <dgm:constr type="lMarg"/>
+              </dgm:constrLst>
+              <dgm:ruleLst>
+                <dgm:rule type="h" val="INF" fact="NaN" max="NaN"/>
+              </dgm:ruleLst>
+            </dgm:layoutNode>
+          </dgm:layoutNode>
+          <dgm:forEach name="Name19" axis="followSib" ptType="sibTrans" cnt="1">
+            <dgm:layoutNode name="space">
+              <dgm:alg type="sp"/>
+              <dgm:shape xmlns:r="http://schemas.openxmlformats.org/officeDocument/2006/relationships" r:blip="">
+                <dgm:adjLst/>
+              </dgm:shape>
+              <dgm:presOf/>
+              <dgm:constrLst/>
+              <dgm:ruleLst/>
+            </dgm:layoutNode>
+          </dgm:forEach>
+        </dgm:forEach>
+      </dgm:if>
+      <dgm:else name="Name20">
+        <dgm:constrLst>
+          <dgm:constr type="w" for="ch" forName="parTxOnly" refType="w"/>
+          <dgm:constr type="h" for="des" forName="parTxOnly" op="equ"/>
+          <dgm:constr type="primFontSz" for="des" forName="parTxOnly" op="equ" val="65"/>
+          <dgm:constr type="w" for="ch" forName="parTxOnlySpace" refType="w" refFor="ch" refForName="parTxOnly" fact="-0.1"/>
+        </dgm:constrLst>
+        <dgm:ruleLst/>
+        <dgm:forEach name="Name21" axis="ch" ptType="node">
+          <dgm:layoutNode name="parTxOnly">
+            <dgm:varLst>
+              <dgm:chMax val="0"/>
+              <dgm:chPref val="0"/>
+              <dgm:bulletEnabled val="1"/>
+            </dgm:varLst>
+            <dgm:alg type="tx"/>
+            <dgm:choose name="Name22">
+              <dgm:if name="Name23" func="var" arg="dir" op="equ" val="norm">
+                <dgm:shape xmlns:r="http://schemas.openxmlformats.org/officeDocument/2006/relationships" type="chevron" r:blip="">
+                  <dgm:adjLst/>
+                </dgm:shape>
+              </dgm:if>
+              <dgm:else name="Name24">
+                <dgm:shape xmlns:r="http://schemas.openxmlformats.org/officeDocument/2006/relationships" rot="180" type="chevron" r:blip="">
+                  <dgm:adjLst/>
+                </dgm:shape>
+              </dgm:else>
+            </dgm:choose>
+            <dgm:presOf axis="self" ptType="node"/>
+            <dgm:choose name="Name25">
+              <dgm:if name="Name26" func="var" arg="dir" op="equ" val="norm">
+                <dgm:constrLst>
+                  <dgm:constr type="h" refType="w" op="equ" fact="0.4"/>
+                  <dgm:constr type="tMarg" refType="primFontSz" fact="0.105"/>
+                  <dgm:constr type="bMarg" refType="primFontSz" fact="0.105"/>
+                  <dgm:constr type="lMarg" refType="primFontSz" fact="0.315"/>
+                  <dgm:constr type="rMarg" refType="primFontSz" fact="0.105"/>
+                </dgm:constrLst>
+              </dgm:if>
+              <dgm:else name="Name27">
+                <dgm:constrLst>
+                  <dgm:constr type="h" refType="w" op="equ" fact="0.4"/>
+                  <dgm:constr type="tMarg" refType="primFontSz" fact="0.105"/>
+                  <dgm:constr type="bMarg" refType="primFontSz" fact="0.105"/>
+                  <dgm:constr type="lMarg" refType="primFontSz" fact="0.105"/>
+                  <dgm:constr type="rMarg" refType="primFontSz" fact="0.315"/>
+                </dgm:constrLst>
+              </dgm:else>
+            </dgm:choose>
+            <dgm:ruleLst>
+              <dgm:rule type="primFontSz" val="5" fact="NaN" max="NaN"/>
+            </dgm:ruleLst>
+          </dgm:layoutNode>
+          <dgm:forEach name="Name28" axis="followSib" ptType="sibTrans" cnt="1">
+            <dgm:layoutNode name="parTxOnlySpace">
+              <dgm:alg type="sp"/>
+              <dgm:shape xmlns:r="http://schemas.openxmlformats.org/officeDocument/2006/relationships" r:blip="">
+                <dgm:adjLst/>
+              </dgm:shape>
+              <dgm:presOf/>
+              <dgm:constrLst/>
+              <dgm:ruleLst/>
+            </dgm:layoutNode>
+          </dgm:forEach>
+        </dgm:forEach>
+      </dgm:else>
+    </dgm:choose>
+  </dgm:layoutNode>
+</dgm:layoutDef>
+</file>
+
+<file path=ppt/diagrams/quickStyle1.xml><?xml version="1.0" encoding="utf-8"?>
+<dgm:styleDef xmlns:dgm="http://schemas.openxmlformats.org/drawingml/2006/diagram" xmlns:a="http://schemas.openxmlformats.org/drawingml/2006/main" uniqueId="urn:microsoft.com/office/officeart/2005/8/quickstyle/simple5">
+  <dgm:title val=""/>
+  <dgm:desc val=""/>
+  <dgm:catLst>
+    <dgm:cat type="simple" pri="10500"/>
+  </dgm:catLst>
+  <dgm:scene3d>
+    <a:camera prst="orthographicFront"/>
+    <a:lightRig rig="threePt" dir="t"/>
+  </dgm:scene3d>
+  <dgm:styleLbl name="node0">
+    <dgm:scene3d>
+      <a:camera prst="orthographicFront"/>
+      <a:lightRig rig="threePt" dir="t"/>
+    </dgm:scene3d>
+    <dgm:sp3d/>
+    <dgm:txPr/>
+    <dgm:style>
+      <a:lnRef idx="0">
+        <a:scrgbClr r="0" g="0" b="0"/>
+      </a:lnRef>
+      <a:fillRef idx="3">
+        <a:scrgbClr r="0" g="0" b="0"/>
+      </a:fillRef>
+      <a:effectRef idx="3">
+        <a:scrgbClr r="0" g="0" b="0"/>
+      </a:effectRef>
+      <a:fontRef idx="minor">
+        <a:schemeClr val="lt1"/>
+      </a:fontRef>
+    </dgm:style>
+  </dgm:styleLbl>
+  <dgm:styleLbl name="lnNode1">
+    <dgm:scene3d>
+      <a:camera prst="orthographicFront"/>
+      <a:lightRig rig="threePt" dir="t"/>
+    </dgm:scene3d>
+    <dgm:sp3d/>
+    <dgm:txPr/>
+    <dgm:style>
+      <a:lnRef idx="0">
+        <a:scrgbClr r="0" g="0" b="0"/>
+      </a:lnRef>
+      <a:fillRef idx="3">
+        <a:scrgbClr r="0" g="0" b="0"/>
+      </a:fillRef>
+      <a:effectRef idx="3">
+        <a:scrgbClr r="0" g="0" b="0"/>
+      </a:effectRef>
+      <a:fontRef idx="minor">
+        <a:schemeClr val="lt1"/>
+      </a:fontRef>
+    </dgm:style>
+  </dgm:styleLbl>
+  <dgm:styleLbl name="vennNode1">
+    <dgm:scene3d>
+      <a:camera prst="orthographicFront"/>
+      <a:lightRig rig="threePt" dir="t"/>
+    </dgm:scene3d>
+    <dgm:sp3d/>
+    <dgm:txPr/>
+    <dgm:style>
+      <a:lnRef idx="0">
+        <a:scrgbClr r="0" g="0" b="0"/>
+      </a:lnRef>
+      <a:fillRef idx="3">
+        <a:scrgbClr r="0" g="0" b="0"/>
+      </a:fillRef>
+      <a:effectRef idx="3">
+        <a:scrgbClr r="0" g="0" b="0"/>
+      </a:effectRef>
+      <a:fontRef idx="minor">
+        <a:schemeClr val="tx1"/>
+      </a:fontRef>
+    </dgm:style>
+  </dgm:styleLbl>
+  <dgm:styleLbl name="alignNode1">
+    <dgm:scene3d>
+      <a:camera prst="orthographicFront"/>
+      <a:lightRig rig="threePt" dir="t"/>
+    </dgm:scene3d>
+    <dgm:sp3d/>
+    <dgm:txPr/>
+    <dgm:style>
+      <a:lnRef idx="1">
+        <a:scrgbClr r="0" g="0" b="0"/>
+      </a:lnRef>
+      <a:fillRef idx="3">
+        <a:scrgbClr r="0" g="0" b="0"/>
+      </a:fillRef>
+      <a:effectRef idx="3">
+        <a:scrgbClr r="0" g="0" b="0"/>
+      </a:effectRef>
+      <a:fontRef idx="minor">
+        <a:schemeClr val="lt1"/>
+      </a:fontRef>
+    </dgm:style>
+  </dgm:styleLbl>
+  <dgm:styleLbl name="node1">
+    <dgm:scene3d>
+      <a:camera prst="orthographicFront"/>
+      <a:lightRig rig="threePt" dir="t"/>
+    </dgm:scene3d>
+    <dgm:sp3d/>
+    <dgm:txPr/>
+    <dgm:style>
+      <a:lnRef idx="0">
+        <a:scrgbClr r="0" g="0" b="0"/>
+      </a:lnRef>
+      <a:fillRef idx="3">
+        <a:scrgbClr r="0" g="0" b="0"/>
+      </a:fillRef>
+      <a:effectRef idx="3">
+        <a:scrgbClr r="0" g="0" b="0"/>
+      </a:effectRef>
+      <a:fontRef idx="minor">
+        <a:schemeClr val="lt1"/>
+      </a:fontRef>
+    </dgm:style>
+  </dgm:styleLbl>
+  <dgm:styleLbl name="node2">
+    <dgm:scene3d>
+      <a:camera prst="orthographicFront"/>
+      <a:lightRig rig="threePt" dir="t"/>
+    </dgm:scene3d>
+    <dgm:sp3d/>
+    <dgm:txPr/>
+    <dgm:style>
+      <a:lnRef idx="0">
+        <a:scrgbClr r="0" g="0" b="0"/>
+      </a:lnRef>
+      <a:fillRef idx="3">
+        <a:scrgbClr r="0" g="0" b="0"/>
+      </a:fillRef>
+      <a:effectRef idx="3">
+        <a:scrgbClr r="0" g="0" b="0"/>
+      </a:effectRef>
+      <a:fontRef idx="minor">
+        <a:schemeClr val="lt1"/>
+      </a:fontRef>
+    </dgm:style>
+  </dgm:styleLbl>
+  <dgm:styleLbl name="node3">
+    <dgm:scene3d>
+      <a:camera prst="orthographicFront"/>
+      <a:lightRig rig="threePt" dir="t"/>
+    </dgm:scene3d>
+    <dgm:sp3d/>
+    <dgm:txPr/>
+    <dgm:style>
+      <a:lnRef idx="0">
+        <a:scrgbClr r="0" g="0" b="0"/>
+      </a:lnRef>
+      <a:fillRef idx="3">
+        <a:scrgbClr r="0" g="0" b="0"/>
+      </a:fillRef>
+      <a:effectRef idx="3">
+        <a:scrgbClr r="0" g="0" b="0"/>
+      </a:effectRef>
+      <a:fontRef idx="minor">
+        <a:schemeClr val="lt1"/>
+      </a:fontRef>
+    </dgm:style>
+  </dgm:styleLbl>
+  <dgm:styleLbl name="node4">
+    <dgm:scene3d>
+      <a:camera prst="orthographicFront"/>
+      <a:lightRig rig="threePt" dir="t"/>
+    </dgm:scene3d>
+    <dgm:sp3d/>
+    <dgm:txPr/>
+    <dgm:style>
+      <a:lnRef idx="0">
+        <a:scrgbClr r="0" g="0" b="0"/>
+      </a:lnRef>
+      <a:fillRef idx="3">
+        <a:scrgbClr r="0" g="0" b="0"/>
+      </a:fillRef>
+      <a:effectRef idx="3">
+        <a:scrgbClr r="0" g="0" b="0"/>
+      </a:effectRef>
+      <a:fontRef idx="minor">
+        <a:schemeClr val="lt1"/>
+      </a:fontRef>
+    </dgm:style>
+  </dgm:styleLbl>
+  <dgm:styleLbl name="fgImgPlace1">
+    <dgm:scene3d>
+      <a:camera prst="orthographicFront"/>
+      <a:lightRig rig="threePt" dir="t"/>
+    </dgm:scene3d>
+    <dgm:sp3d/>
+    <dgm:txPr/>
+    <dgm:style>
+      <a:lnRef idx="0">
+        <a:scrgbClr r="0" g="0" b="0"/>
+      </a:lnRef>
+      <a:fillRef idx="1">
+        <a:scrgbClr r="0" g="0" b="0"/>
+      </a:fillRef>
+      <a:effectRef idx="3">
+        <a:scrgbClr r="0" g="0" b="0"/>
+      </a:effectRef>
+      <a:fontRef idx="minor"/>
+    </dgm:style>
+  </dgm:styleLbl>
+  <dgm:styleLbl name="alignImgPlace1">
+    <dgm:scene3d>
+      <a:camera prst="orthographicFront"/>
+      <a:lightRig rig="threePt" dir="t"/>
+    </dgm:scene3d>
+    <dgm:sp3d/>
+    <dgm:txPr/>
+    <dgm:style>
+      <a:lnRef idx="0">
+        <a:scrgbClr r="0" g="0" b="0"/>
+      </a:lnRef>
+      <a:fillRef idx="1">
+        <a:scrgbClr r="0" g="0" b="0"/>
+      </a:fillRef>
+      <a:effectRef idx="3">
+        <a:scrgbClr r="0" g="0" b="0"/>
+      </a:effectRef>
+      <a:fontRef idx="minor"/>
+    </dgm:style>
+  </dgm:styleLbl>
+  <dgm:styleLbl name="bgImgPlace1">
+    <dgm:scene3d>
+      <a:camera prst="orthographicFront"/>
+      <a:lightRig rig="threePt" dir="t"/>
+    </dgm:scene3d>
+    <dgm:sp3d/>
+    <dgm:txPr/>
+    <dgm:style>
+      <a:lnRef idx="0">
+        <a:scrgbClr r="0" g="0" b="0"/>
+      </a:lnRef>
+      <a:fillRef idx="1">
+        <a:scrgbClr r="0" g="0" b="0"/>
+      </a:fillRef>
+      <a:effectRef idx="3">
+        <a:scrgbClr r="0" g="0" b="0"/>
+      </a:effectRef>
+      <a:fontRef idx="minor"/>
+    </dgm:style>
+  </dgm:styleLbl>
+  <dgm:styleLbl name="sibTrans2D1">
+    <dgm:scene3d>
+      <a:camera prst="orthographicFront"/>
+      <a:lightRig rig="threePt" dir="t"/>
+    </dgm:scene3d>
+    <dgm:sp3d/>
+    <dgm:txPr/>
+    <dgm:style>
+      <a:lnRef idx="0">
+        <a:scrgbClr r="0" g="0" b="0"/>
+      </a:lnRef>
+      <a:fillRef idx="3">
+        <a:scrgbClr r="0" g="0" b="0"/>
+      </a:fillRef>
+      <a:effectRef idx="3">
+        <a:scrgbClr r="0" g="0" b="0"/>
+      </a:effectRef>
+      <a:fontRef idx="minor">
+        <a:schemeClr val="lt1"/>
+      </a:fontRef>
+    </dgm:style>
+  </dgm:styleLbl>
+  <dgm:styleLbl name="fgSibTrans2D1">
+    <dgm:scene3d>
+      <a:camera prst="orthographicFront"/>
+      <a:lightRig rig="threePt" dir="t"/>
+    </dgm:scene3d>
+    <dgm:sp3d/>
+    <dgm:txPr/>
+    <dgm:style>
+      <a:lnRef idx="0">
+        <a:scrgbClr r="0" g="0" b="0"/>
+      </a:lnRef>
+      <a:fillRef idx="3">
+        <a:scrgbClr r="0" g="0" b="0"/>
+      </a:fillRef>
+      <a:effectRef idx="3">
+        <a:scrgbClr r="0" g="0" b="0"/>
+      </a:effectRef>
+      <a:fontRef idx="minor">
+        <a:schemeClr val="lt1"/>
+      </a:fontRef>
+    </dgm:style>
+  </dgm:styleLbl>
+  <dgm:styleLbl name="bgSibTrans2D1">
+    <dgm:scene3d>
+      <a:camera prst="orthographicFront"/>
+      <a:lightRig rig="threePt" dir="t"/>
+    </dgm:scene3d>
+    <dgm:sp3d/>
+    <dgm:txPr/>
+    <dgm:style>
+      <a:lnRef idx="0">
+        <a:scrgbClr r="0" g="0" b="0"/>
+      </a:lnRef>
+      <a:fillRef idx="3">
+        <a:scrgbClr r="0" g="0" b="0"/>
+      </a:fillRef>
+      <a:effectRef idx="3">
+        <a:scrgbClr r="0" g="0" b="0"/>
+      </a:effectRef>
+      <a:fontRef idx="minor">
+        <a:schemeClr val="lt1"/>
+      </a:fontRef>
+    </dgm:style>
+  </dgm:styleLbl>
+  <dgm:styleLbl name="sibTrans1D1">
+    <dgm:scene3d>
+      <a:camera prst="orthographicFront"/>
+      <a:lightRig rig="threePt" dir="t"/>
+    </dgm:scene3d>
+    <dgm:sp3d/>
+    <dgm:txPr/>
+    <dgm:style>
+      <a:lnRef idx="1">
+        <a:scrgbClr r="0" g="0" b="0"/>
+      </a:lnRef>
+      <a:fillRef idx="0">
+        <a:scrgbClr r="0" g="0" b="0"/>
+      </a:fillRef>
+      <a:effectRef idx="0">
+        <a:scrgbClr r="0" g="0" b="0"/>
+      </a:effectRef>
+      <a:fontRef idx="minor"/>
+    </dgm:style>
+  </dgm:styleLbl>
+  <dgm:styleLbl name="callout">
+    <dgm:scene3d>
+      <a:camera prst="orthographicFront"/>
+      <a:lightRig rig="threePt" dir="t"/>
+    </dgm:scene3d>
+    <dgm:sp3d/>
+    <dgm:txPr/>
+    <dgm:style>
+      <a:lnRef idx="1">
+        <a:scrgbClr r="0" g="0" b="0"/>
+      </a:lnRef>
+      <a:fillRef idx="0">
+        <a:scrgbClr r="0" g="0" b="0"/>
+      </a:fillRef>
+      <a:effectRef idx="1">
+        <a:scrgbClr r="0" g="0" b="0"/>
+      </a:effectRef>
+      <a:fontRef idx="minor"/>
+    </dgm:style>
+  </dgm:styleLbl>
+  <dgm:styleLbl name="asst0">
+    <dgm:scene3d>
+      <a:camera prst="orthographicFront"/>
+      <a:lightRig rig="threePt" dir="t"/>
+    </dgm:scene3d>
+    <dgm:sp3d/>
+    <dgm:txPr/>
+    <dgm:style>
+      <a:lnRef idx="0">
+        <a:scrgbClr r="0" g="0" b="0"/>
+      </a:lnRef>
+      <a:fillRef idx="3">
+        <a:scrgbClr r="0" g="0" b="0"/>
+      </a:fillRef>
+      <a:effectRef idx="3">
+        <a:scrgbClr r="0" g="0" b="0"/>
+      </a:effectRef>
+      <a:fontRef idx="minor">
+        <a:schemeClr val="lt1"/>
+      </a:fontRef>
+    </dgm:style>
+  </dgm:styleLbl>
+  <dgm:styleLbl name="asst1">
+    <dgm:scene3d>
+      <a:camera prst="orthographicFront"/>
+      <a:lightRig rig="threePt" dir="t"/>
+    </dgm:scene3d>
+    <dgm:sp3d/>
+    <dgm:txPr/>
+    <dgm:style>
+      <a:lnRef idx="0">
+        <a:scrgbClr r="0" g="0" b="0"/>
+      </a:lnRef>
+      <a:fillRef idx="3">
+        <a:scrgbClr r="0" g="0" b="0"/>
+      </a:fillRef>
+      <a:effectRef idx="3">
+        <a:scrgbClr r="0" g="0" b="0"/>
+      </a:effectRef>
+      <a:fontRef idx="minor">
+        <a:schemeClr val="lt1"/>
+      </a:fontRef>
+    </dgm:style>
+  </dgm:styleLbl>
+  <dgm:styleLbl name="asst2">
+    <dgm:scene3d>
+      <a:camera prst="orthographicFront"/>
+      <a:lightRig rig="threePt" dir="t"/>
+    </dgm:scene3d>
+    <dgm:sp3d/>
+    <dgm:txPr/>
+    <dgm:style>
+      <a:lnRef idx="0">
+        <a:scrgbClr r="0" g="0" b="0"/>
+      </a:lnRef>
+      <a:fillRef idx="3">
+        <a:scrgbClr r="0" g="0" b="0"/>
+      </a:fillRef>
+      <a:effectRef idx="3">
+        <a:scrgbClr r="0" g="0" b="0"/>
+      </a:effectRef>
+      <a:fontRef idx="minor">
+        <a:schemeClr val="lt1"/>
+      </a:fontRef>
+    </dgm:style>
+  </dgm:styleLbl>
+  <dgm:styleLbl name="asst3">
+    <dgm:scene3d>
+      <a:camera prst="orthographicFront"/>
+      <a:lightRig rig="threePt" dir="t"/>
+    </dgm:scene3d>
+    <dgm:sp3d/>
+    <dgm:txPr/>
+    <dgm:style>
+      <a:lnRef idx="0">
+        <a:scrgbClr r="0" g="0" b="0"/>
+      </a:lnRef>
+      <a:fillRef idx="3">
+        <a:scrgbClr r="0" g="0" b="0"/>
+      </a:fillRef>
+      <a:effectRef idx="3">
+        <a:scrgbClr r="0" g="0" b="0"/>
+      </a:effectRef>
+      <a:fontRef idx="minor">
+        <a:schemeClr val="lt1"/>
+      </a:fontRef>
+    </dgm:style>
+  </dgm:styleLbl>
+  <dgm:styleLbl name="asst4">
+    <dgm:scene3d>
+      <a:camera prst="orthographicFront"/>
+      <a:lightRig rig="threePt" dir="t"/>
+    </dgm:scene3d>
+    <dgm:sp3d/>
+    <dgm:txPr/>
+    <dgm:style>
+      <a:lnRef idx="0">
+        <a:scrgbClr r="0" g="0" b="0"/>
+      </a:lnRef>
+      <a:fillRef idx="3">
+        <a:scrgbClr r="0" g="0" b="0"/>
+      </a:fillRef>
+      <a:effectRef idx="3">
+        <a:scrgbClr r="0" g="0" b="0"/>
+      </a:effectRef>
+      <a:fontRef idx="minor">
+        <a:schemeClr val="lt1"/>
+      </a:fontRef>
+    </dgm:style>
+  </dgm:styleLbl>
+  <dgm:styleLbl name="parChTrans2D1">
+    <dgm:scene3d>
+      <a:camera prst="orthographicFront"/>
+      <a:lightRig rig="threePt" dir="t"/>
+    </dgm:scene3d>
+    <dgm:sp3d/>
+    <dgm:txPr/>
+    <dgm:style>
+      <a:lnRef idx="0">
+        <a:scrgbClr r="0" g="0" b="0"/>
+      </a:lnRef>
+      <a:fillRef idx="3">
+        <a:scrgbClr r="0" g="0" b="0"/>
+      </a:fillRef>
+      <a:effectRef idx="3">
+        <a:scrgbClr r="0" g="0" b="0"/>
+      </a:effectRef>
+      <a:fontRef idx="minor">
+        <a:schemeClr val="lt1"/>
+      </a:fontRef>
+    </dgm:style>
+  </dgm:styleLbl>
+  <dgm:styleLbl name="parChTrans2D2">
+    <dgm:scene3d>
+      <a:camera prst="orthographicFront"/>
+      <a:lightRig rig="threePt" dir="t"/>
+    </dgm:scene3d>
+    <dgm:sp3d/>
+    <dgm:txPr/>
+    <dgm:style>
+      <a:lnRef idx="0">
+        <a:scrgbClr r="0" g="0" b="0"/>
+      </a:lnRef>
+      <a:fillRef idx="3">
+        <a:scrgbClr r="0" g="0" b="0"/>
+      </a:fillRef>
+      <a:effectRef idx="3">
+        <a:scrgbClr r="0" g="0" b="0"/>
+      </a:effectRef>
+      <a:fontRef idx="minor">
+        <a:schemeClr val="lt1"/>
+      </a:fontRef>
+    </dgm:style>
+  </dgm:styleLbl>
+  <dgm:styleLbl name="parChTrans2D3">
+    <dgm:scene3d>
+      <a:camera prst="orthographicFront"/>
+      <a:lightRig rig="threePt" dir="t"/>
+    </dgm:scene3d>
+    <dgm:sp3d/>
+    <dgm:txPr/>
+    <dgm:style>
+      <a:lnRef idx="0">
+        <a:scrgbClr r="0" g="0" b="0"/>
+      </a:lnRef>
+      <a:fillRef idx="3">
+        <a:scrgbClr r="0" g="0" b="0"/>
+      </a:fillRef>
+      <a:effectRef idx="3">
+        <a:scrgbClr r="0" g="0" b="0"/>
+      </a:effectRef>
+      <a:fontRef idx="minor">
+        <a:schemeClr val="lt1"/>
+      </a:fontRef>
+    </dgm:style>
+  </dgm:styleLbl>
+  <dgm:styleLbl name="parChTrans2D4">
+    <dgm:scene3d>
+      <a:camera prst="orthographicFront"/>
+      <a:lightRig rig="threePt" dir="t"/>
+    </dgm:scene3d>
+    <dgm:sp3d/>
+    <dgm:txPr/>
+    <dgm:style>
+      <a:lnRef idx="0">
+        <a:scrgbClr r="0" g="0" b="0"/>
+      </a:lnRef>
+      <a:fillRef idx="3">
+        <a:scrgbClr r="0" g="0" b="0"/>
+      </a:fillRef>
+      <a:effectRef idx="3">
+        <a:scrgbClr r="0" g="0" b="0"/>
+      </a:effectRef>
+      <a:fontRef idx="minor">
+        <a:schemeClr val="lt1"/>
+      </a:fontRef>
+    </dgm:style>
+  </dgm:styleLbl>
+  <dgm:styleLbl name="parChTrans1D1">
+    <dgm:scene3d>
+      <a:camera prst="orthographicFront"/>
+      <a:lightRig rig="threePt" dir="t"/>
+    </dgm:scene3d>
+    <dgm:sp3d/>
+    <dgm:txPr/>
+    <dgm:style>
+      <a:lnRef idx="2">
+        <a:scrgbClr r="0" g="0" b="0"/>
+      </a:lnRef>
+      <a:fillRef idx="0">
+        <a:scrgbClr r="0" g="0" b="0"/>
+      </a:fillRef>
+      <a:effectRef idx="0">
+        <a:scrgbClr r="0" g="0" b="0"/>
+      </a:effectRef>
+      <a:fontRef idx="minor"/>
+    </dgm:style>
+  </dgm:styleLbl>
+  <dgm:styleLbl name="parChTrans1D2">
+    <dgm:scene3d>
+      <a:camera prst="orthographicFront"/>
+      <a:lightRig rig="threePt" dir="t"/>
+    </dgm:scene3d>
+    <dgm:sp3d/>
+    <dgm:txPr/>
+    <dgm:style>
+      <a:lnRef idx="2">
+        <a:scrgbClr r="0" g="0" b="0"/>
+      </a:lnRef>
+      <a:fillRef idx="0">
+        <a:scrgbClr r="0" g="0" b="0"/>
+      </a:fillRef>
+      <a:effectRef idx="0">
+        <a:scrgbClr r="0" g="0" b="0"/>
+      </a:effectRef>
+      <a:fontRef idx="minor"/>
+    </dgm:style>
+  </dgm:styleLbl>
+  <dgm:styleLbl name="parChTrans1D3">
+    <dgm:scene3d>
+      <a:camera prst="orthographicFront"/>
+      <a:lightRig rig="threePt" dir="t"/>
+    </dgm:scene3d>
+    <dgm:sp3d/>
+    <dgm:txPr/>
+    <dgm:style>
+      <a:lnRef idx="2">
+        <a:scrgbClr r="0" g="0" b="0"/>
+      </a:lnRef>
+      <a:fillRef idx="0">
+        <a:scrgbClr r="0" g="0" b="0"/>
+      </a:fillRef>
+      <a:effectRef idx="0">
+        <a:scrgbClr r="0" g="0" b="0"/>
+      </a:effectRef>
+      <a:fontRef idx="minor"/>
+    </dgm:style>
+  </dgm:styleLbl>
+  <dgm:styleLbl name="parChTrans1D4">
+    <dgm:scene3d>
+      <a:camera prst="orthographicFront"/>
+      <a:lightRig rig="threePt" dir="t"/>
+    </dgm:scene3d>
+    <dgm:sp3d/>
+    <dgm:txPr/>
+    <dgm:style>
+      <a:lnRef idx="2">
+        <a:scrgbClr r="0" g="0" b="0"/>
+      </a:lnRef>
+      <a:fillRef idx="0">
+        <a:scrgbClr r="0" g="0" b="0"/>
+      </a:fillRef>
+      <a:effectRef idx="0">
+        <a:scrgbClr r="0" g="0" b="0"/>
+      </a:effectRef>
+      <a:fontRef idx="minor"/>
+    </dgm:style>
+  </dgm:styleLbl>
+  <dgm:styleLbl name="fgAcc1">
+    <dgm:scene3d>
+      <a:camera prst="orthographicFront"/>
+      <a:lightRig rig="threePt" dir="t"/>
+    </dgm:scene3d>
+    <dgm:sp3d/>
+    <dgm:txPr/>
+    <dgm:style>
+      <a:lnRef idx="1">
+        <a:scrgbClr r="0" g="0" b="0"/>
+      </a:lnRef>
+      <a:fillRef idx="1">
+        <a:scrgbClr r="0" g="0" b="0"/>
+      </a:fillRef>
+      <a:effectRef idx="2">
+        <a:scrgbClr r="0" g="0" b="0"/>
+      </a:effectRef>
+      <a:fontRef idx="minor"/>
+    </dgm:style>
+  </dgm:styleLbl>
+  <dgm:styleLbl name="conFgAcc1">
+    <dgm:scene3d>
+      <a:camera prst="orthographicFront"/>
+      <a:lightRig rig="threePt" dir="t"/>
+    </dgm:scene3d>
+    <dgm:sp3d/>
+    <dgm:txPr/>
+    <dgm:style>
+      <a:lnRef idx="1">
+        <a:scrgbClr r="0" g="0" b="0"/>
+      </a:lnRef>
+      <a:fillRef idx="1">
+        <a:scrgbClr r="0" g="0" b="0"/>
+      </a:fillRef>
+      <a:effectRef idx="2">
+        <a:scrgbClr r="0" g="0" b="0"/>
+      </a:effectRef>
+      <a:fontRef idx="minor"/>
+    </dgm:style>
+  </dgm:styleLbl>
+  <dgm:styleLbl name="alignAcc1">
+    <dgm:scene3d>
+      <a:camera prst="orthographicFront"/>
+      <a:lightRig rig="threePt" dir="t"/>
+    </dgm:scene3d>
+    <dgm:sp3d/>
+    <dgm:txPr/>
+    <dgm:style>
+      <a:lnRef idx="1">
+        <a:scrgbClr r="0" g="0" b="0"/>
+      </a:lnRef>
+      <a:fillRef idx="1">
+        <a:scrgbClr r="0" g="0" b="0"/>
+      </a:fillRef>
+      <a:effectRef idx="2">
+        <a:scrgbClr r="0" g="0" b="0"/>
+      </a:effectRef>
+      <a:fontRef idx="minor"/>
+    </dgm:style>
+  </dgm:styleLbl>
+  <dgm:styleLbl name="trAlignAcc1">
+    <dgm:scene3d>
+      <a:camera prst="orthographicFront"/>
+      <a:lightRig rig="threePt" dir="t"/>
+    </dgm:scene3d>
+    <dgm:sp3d/>
+    <dgm:txPr/>
+    <dgm:style>
+      <a:lnRef idx="1">
+        <a:scrgbClr r="0" g="0" b="0"/>
+      </a:lnRef>
+      <a:fillRef idx="1">
+        <a:scrgbClr r="0" g="0" b="0"/>
+      </a:fillRef>
+      <a:effectRef idx="0">
+        <a:scrgbClr r="0" g="0" b="0"/>
+      </a:effectRef>
+      <a:fontRef idx="minor"/>
+    </dgm:style>
+  </dgm:styleLbl>
+  <dgm:styleLbl name="bgAcc1">
+    <dgm:scene3d>
+      <a:camera prst="orthographicFront"/>
+      <a:lightRig rig="threePt" dir="t"/>
+    </dgm:scene3d>
+    <dgm:sp3d/>
+    <dgm:txPr/>
+    <dgm:style>
+      <a:lnRef idx="1">
+        <a:scrgbClr r="0" g="0" b="0"/>
+      </a:lnRef>
+      <a:fillRef idx="1">
+        <a:scrgbClr r="0" g="0" b="0"/>
+      </a:fillRef>
+      <a:effectRef idx="2">
+        <a:scrgbClr r="0" g="0" b="0"/>
+      </a:effectRef>
+      <a:fontRef idx="minor"/>
+    </dgm:style>
+  </dgm:styleLbl>
+  <dgm:styleLbl name="solidFgAcc1">
+    <dgm:scene3d>
+      <a:camera prst="orthographicFront"/>
+      <a:lightRig rig="threePt" dir="t"/>
+    </dgm:scene3d>
+    <dgm:sp3d/>
+    <dgm:txPr/>
+    <dgm:style>
+      <a:lnRef idx="1">
+        <a:scrgbClr r="0" g="0" b="0"/>
+      </a:lnRef>
+      <a:fillRef idx="1">
+        <a:scrgbClr r="0" g="0" b="0"/>
+      </a:fillRef>
+      <a:effectRef idx="2">
+        <a:scrgbClr r="0" g="0" b="0"/>
+      </a:effectRef>
+      <a:fontRef idx="minor"/>
+    </dgm:style>
+  </dgm:styleLbl>
+  <dgm:styleLbl name="solidAlignAcc1">
+    <dgm:scene3d>
+      <a:camera prst="orthographicFront"/>
+      <a:lightRig rig="threePt" dir="t"/>
+    </dgm:scene3d>
+    <dgm:sp3d/>
+    <dgm:txPr/>
+    <dgm:style>
+      <a:lnRef idx="1">
+        <a:scrgbClr r="0" g="0" b="0"/>
+      </a:lnRef>
+      <a:fillRef idx="1">
+        <a:scrgbClr r="0" g="0" b="0"/>
+      </a:fillRef>
+      <a:effectRef idx="3">
+        <a:scrgbClr r="0" g="0" b="0"/>
+      </a:effectRef>
+      <a:fontRef idx="minor"/>
+    </dgm:style>
+  </dgm:styleLbl>
+  <dgm:styleLbl name="solidBgAcc1">
+    <dgm:scene3d>
+      <a:camera prst="orthographicFront"/>
+      <a:lightRig rig="threePt" dir="t"/>
+    </dgm:scene3d>
+    <dgm:sp3d/>
+    <dgm:txPr/>
+    <dgm:style>
+      <a:lnRef idx="1">
+        <a:scrgbClr r="0" g="0" b="0"/>
+      </a:lnRef>
+      <a:fillRef idx="1">
+        <a:scrgbClr r="0" g="0" b="0"/>
+      </a:fillRef>
+      <a:effectRef idx="3">
+        <a:scrgbClr r="0" g="0" b="0"/>
+      </a:effectRef>
+      <a:fontRef idx="minor"/>
+    </dgm:style>
+  </dgm:styleLbl>
+  <dgm:styleLbl name="fgAccFollowNode1">
+    <dgm:scene3d>
+      <a:camera prst="orthographicFront"/>
+      <a:lightRig rig="threePt" dir="t"/>
+    </dgm:scene3d>
+    <dgm:sp3d/>
+    <dgm:txPr/>
+    <dgm:style>
+      <a:lnRef idx="1">
+        <a:scrgbClr r="0" g="0" b="0"/>
+      </a:lnRef>
+      <a:fillRef idx="1">
+        <a:scrgbClr r="0" g="0" b="0"/>
+      </a:fillRef>
+      <a:effectRef idx="2">
+        <a:scrgbClr r="0" g="0" b="0"/>
+      </a:effectRef>
+      <a:fontRef idx="minor"/>
+    </dgm:style>
+  </dgm:styleLbl>
+  <dgm:styleLbl name="alignAccFollowNode1">
+    <dgm:scene3d>
+      <a:camera prst="orthographicFront"/>
+      <a:lightRig rig="threePt" dir="t"/>
+    </dgm:scene3d>
+    <dgm:sp3d/>
+    <dgm:txPr/>
+    <dgm:style>
+      <a:lnRef idx="1">
+        <a:scrgbClr r="0" g="0" b="0"/>
+      </a:lnRef>
+      <a:fillRef idx="1">
+        <a:scrgbClr r="0" g="0" b="0"/>
+      </a:fillRef>
+      <a:effectRef idx="2">
+        <a:scrgbClr r="0" g="0" b="0"/>
+      </a:effectRef>
+      <a:fontRef idx="minor"/>
+    </dgm:style>
+  </dgm:styleLbl>
+  <dgm:styleLbl name="bgAccFollowNode1">
+    <dgm:scene3d>
+      <a:camera prst="orthographicFront"/>
+      <a:lightRig rig="threePt" dir="t"/>
+    </dgm:scene3d>
+    <dgm:sp3d/>
+    <dgm:txPr/>
+    <dgm:style>
+      <a:lnRef idx="1">
+        <a:scrgbClr r="0" g="0" b="0"/>
+      </a:lnRef>
+      <a:fillRef idx="1">
+        <a:scrgbClr r="0" g="0" b="0"/>
+      </a:fillRef>
+      <a:effectRef idx="2">
+        <a:scrgbClr r="0" g="0" b="0"/>
+      </a:effectRef>
+      <a:fontRef idx="minor"/>
+    </dgm:style>
+  </dgm:styleLbl>
+  <dgm:styleLbl name="fgAcc0">
+    <dgm:scene3d>
+      <a:camera prst="orthographicFront"/>
+      <a:lightRig rig="threePt" dir="t"/>
+    </dgm:scene3d>
+    <dgm:sp3d/>
+    <dgm:txPr/>
+    <dgm:style>
+      <a:lnRef idx="1">
+        <a:scrgbClr r="0" g="0" b="0"/>
+      </a:lnRef>
+      <a:fillRef idx="1">
+        <a:scrgbClr r="0" g="0" b="0"/>
+      </a:fillRef>
+      <a:effectRef idx="2">
+        <a:scrgbClr r="0" g="0" b="0"/>
+      </a:effectRef>
+      <a:fontRef idx="minor"/>
+    </dgm:style>
+  </dgm:styleLbl>
+  <dgm:styleLbl name="fgAcc2">
+    <dgm:scene3d>
+      <a:camera prst="orthographicFront"/>
+      <a:lightRig rig="threePt" dir="t"/>
+    </dgm:scene3d>
+    <dgm:sp3d/>
+    <dgm:txPr/>
+    <dgm:style>
+      <a:lnRef idx="1">
+        <a:scrgbClr r="0" g="0" b="0"/>
+      </a:lnRef>
+      <a:fillRef idx="1">
+        <a:scrgbClr r="0" g="0" b="0"/>
+      </a:fillRef>
+      <a:effectRef idx="2">
+        <a:scrgbClr r="0" g="0" b="0"/>
+      </a:effectRef>
+      <a:fontRef idx="minor"/>
+    </dgm:style>
+  </dgm:styleLbl>
+  <dgm:styleLbl name="fgAcc3">
+    <dgm:scene3d>
+      <a:camera prst="orthographicFront"/>
+      <a:lightRig rig="threePt" dir="t"/>
+    </dgm:scene3d>
+    <dgm:sp3d/>
+    <dgm:txPr/>
+    <dgm:style>
+      <a:lnRef idx="1">
+        <a:scrgbClr r="0" g="0" b="0"/>
+      </a:lnRef>
+      <a:fillRef idx="1">
+        <a:scrgbClr r="0" g="0" b="0"/>
+      </a:fillRef>
+      <a:effectRef idx="2">
+        <a:scrgbClr r="0" g="0" b="0"/>
+      </a:effectRef>
+      <a:fontRef idx="minor"/>
+    </dgm:style>
+  </dgm:styleLbl>
+  <dgm:styleLbl name="fgAcc4">
+    <dgm:scene3d>
+      <a:camera prst="orthographicFront"/>
+      <a:lightRig rig="threePt" dir="t"/>
+    </dgm:scene3d>
+    <dgm:sp3d/>
+    <dgm:txPr/>
+    <dgm:style>
+      <a:lnRef idx="1">
+        <a:scrgbClr r="0" g="0" b="0"/>
+      </a:lnRef>
+      <a:fillRef idx="1">
+        <a:scrgbClr r="0" g="0" b="0"/>
+      </a:fillRef>
+      <a:effectRef idx="2">
+        <a:scrgbClr r="0" g="0" b="0"/>
+      </a:effectRef>
+      <a:fontRef idx="minor"/>
+    </dgm:style>
+  </dgm:styleLbl>
+  <dgm:styleLbl name="bgShp">
+    <dgm:scene3d>
+      <a:camera prst="orthographicFront"/>
+      <a:lightRig rig="threePt" dir="t"/>
+    </dgm:scene3d>
+    <dgm:sp3d/>
+    <dgm:txPr/>
+    <dgm:style>
+      <a:lnRef idx="0">
+        <a:scrgbClr r="0" g="0" b="0"/>
+      </a:lnRef>
+      <a:fillRef idx="1">
+        <a:scrgbClr r="0" g="0" b="0"/>
+      </a:fillRef>
+      <a:effectRef idx="2">
+        <a:scrgbClr r="0" g="0" b="0"/>
+      </a:effectRef>
+      <a:fontRef idx="minor"/>
+    </dgm:style>
+  </dgm:styleLbl>
+  <dgm:styleLbl name="dkBgShp">
+    <dgm:scene3d>
+      <a:camera prst="orthographicFront"/>
+      <a:lightRig rig="threePt" dir="t"/>
+    </dgm:scene3d>
+    <dgm:sp3d/>
+    <dgm:txPr/>
+    <dgm:style>
+      <a:lnRef idx="0">
+        <a:scrgbClr r="0" g="0" b="0"/>
+      </a:lnRef>
+      <a:fillRef idx="1">
+        <a:scrgbClr r="0" g="0" b="0"/>
+      </a:fillRef>
+      <a:effectRef idx="3">
+        <a:scrgbClr r="0" g="0" b="0"/>
+      </a:effectRef>
+      <a:fontRef idx="minor"/>
+    </dgm:style>
+  </dgm:styleLbl>
+  <dgm:styleLbl name="trBgShp">
+    <dgm:scene3d>
+      <a:camera prst="orthographicFront"/>
+      <a:lightRig rig="threePt" dir="t"/>
+    </dgm:scene3d>
+    <dgm:sp3d/>
+    <dgm:txPr/>
+    <dgm:style>
+      <a:lnRef idx="0">
+        <a:scrgbClr r="0" g="0" b="0"/>
+      </a:lnRef>
+      <a:fillRef idx="1">
+        <a:scrgbClr r="0" g="0" b="0"/>
+      </a:fillRef>
+      <a:effectRef idx="0">
+        <a:scrgbClr r="0" g="0" b="0"/>
+      </a:effectRef>
+      <a:fontRef idx="minor"/>
+    </dgm:style>
+  </dgm:styleLbl>
+  <dgm:styleLbl name="fgShp">
+    <dgm:scene3d>
+      <a:camera prst="orthographicFront"/>
+      <a:lightRig rig="threePt" dir="t"/>
+    </dgm:scene3d>
+    <dgm:sp3d/>
+    <dgm:txPr/>
+    <dgm:style>
+      <a:lnRef idx="0">
+        <a:scrgbClr r="0" g="0" b="0"/>
+      </a:lnRef>
+      <a:fillRef idx="3">
+        <a:scrgbClr r="0" g="0" b="0"/>
+      </a:fillRef>
+      <a:effectRef idx="3">
+        <a:scrgbClr r="0" g="0" b="0"/>
+      </a:effectRef>
+      <a:fontRef idx="minor"/>
+    </dgm:style>
+  </dgm:styleLbl>
+  <dgm:styleLbl name="revTx">
+    <dgm:scene3d>
+      <a:camera prst="orthographicFront"/>
+      <a:lightRig rig="threePt" dir="t"/>
+    </dgm:scene3d>
+    <dgm:sp3d/>
+    <dgm:txPr/>
+    <dgm:style>
+      <a:lnRef idx="0">
+        <a:scrgbClr r="0" g="0" b="0"/>
+      </a:lnRef>
+      <a:fillRef idx="0">
+        <a:scrgbClr r="0" g="0" b="0"/>
+      </a:fillRef>
+      <a:effectRef idx="0">
+        <a:scrgbClr r="0" g="0" b="0"/>
+      </a:effectRef>
+      <a:fontRef idx="minor"/>
+    </dgm:style>
+  </dgm:styleLbl>
+</dgm:styleDef>
+</file>
+
+<file path=ppt/diagrams/quickStyle2.xml><?xml version="1.0" encoding="utf-8"?>
+<dgm:styleDef xmlns:dgm="http://schemas.openxmlformats.org/drawingml/2006/diagram" xmlns:a="http://schemas.openxmlformats.org/drawingml/2006/main" uniqueId="urn:microsoft.com/office/officeart/2005/8/quickstyle/simple5">
+  <dgm:title val=""/>
+  <dgm:desc val=""/>
+  <dgm:catLst>
+    <dgm:cat type="simple" pri="10500"/>
+  </dgm:catLst>
+  <dgm:scene3d>
+    <a:camera prst="orthographicFront"/>
+    <a:lightRig rig="threePt" dir="t"/>
+  </dgm:scene3d>
+  <dgm:styleLbl name="node0">
+    <dgm:scene3d>
+      <a:camera prst="orthographicFront"/>
+      <a:lightRig rig="threePt" dir="t"/>
+    </dgm:scene3d>
+    <dgm:sp3d/>
+    <dgm:txPr/>
+    <dgm:style>
+      <a:lnRef idx="0">
+        <a:scrgbClr r="0" g="0" b="0"/>
+      </a:lnRef>
+      <a:fillRef idx="3">
+        <a:scrgbClr r="0" g="0" b="0"/>
+      </a:fillRef>
+      <a:effectRef idx="3">
+        <a:scrgbClr r="0" g="0" b="0"/>
+      </a:effectRef>
+      <a:fontRef idx="minor">
+        <a:schemeClr val="lt1"/>
+      </a:fontRef>
+    </dgm:style>
+  </dgm:styleLbl>
+  <dgm:styleLbl name="lnNode1">
+    <dgm:scene3d>
+      <a:camera prst="orthographicFront"/>
+      <a:lightRig rig="threePt" dir="t"/>
+    </dgm:scene3d>
+    <dgm:sp3d/>
+    <dgm:txPr/>
+    <dgm:style>
+      <a:lnRef idx="0">
+        <a:scrgbClr r="0" g="0" b="0"/>
+      </a:lnRef>
+      <a:fillRef idx="3">
+        <a:scrgbClr r="0" g="0" b="0"/>
+      </a:fillRef>
+      <a:effectRef idx="3">
+        <a:scrgbClr r="0" g="0" b="0"/>
+      </a:effectRef>
+      <a:fontRef idx="minor">
+        <a:schemeClr val="lt1"/>
+      </a:fontRef>
+    </dgm:style>
+  </dgm:styleLbl>
+  <dgm:styleLbl name="vennNode1">
+    <dgm:scene3d>
+      <a:camera prst="orthographicFront"/>
+      <a:lightRig rig="threePt" dir="t"/>
+    </dgm:scene3d>
+    <dgm:sp3d/>
+    <dgm:txPr/>
+    <dgm:style>
+      <a:lnRef idx="0">
+        <a:scrgbClr r="0" g="0" b="0"/>
+      </a:lnRef>
+      <a:fillRef idx="3">
+        <a:scrgbClr r="0" g="0" b="0"/>
+      </a:fillRef>
+      <a:effectRef idx="3">
+        <a:scrgbClr r="0" g="0" b="0"/>
+      </a:effectRef>
+      <a:fontRef idx="minor">
+        <a:schemeClr val="tx1"/>
+      </a:fontRef>
+    </dgm:style>
+  </dgm:styleLbl>
+  <dgm:styleLbl name="alignNode1">
+    <dgm:scene3d>
+      <a:camera prst="orthographicFront"/>
+      <a:lightRig rig="threePt" dir="t"/>
+    </dgm:scene3d>
+    <dgm:sp3d/>
+    <dgm:txPr/>
+    <dgm:style>
+      <a:lnRef idx="1">
+        <a:scrgbClr r="0" g="0" b="0"/>
+      </a:lnRef>
+      <a:fillRef idx="3">
+        <a:scrgbClr r="0" g="0" b="0"/>
+      </a:fillRef>
+      <a:effectRef idx="3">
+        <a:scrgbClr r="0" g="0" b="0"/>
+      </a:effectRef>
+      <a:fontRef idx="minor">
+        <a:schemeClr val="lt1"/>
+      </a:fontRef>
+    </dgm:style>
+  </dgm:styleLbl>
+  <dgm:styleLbl name="node1">
+    <dgm:scene3d>
+      <a:camera prst="orthographicFront"/>
+      <a:lightRig rig="threePt" dir="t"/>
+    </dgm:scene3d>
+    <dgm:sp3d/>
+    <dgm:txPr/>
+    <dgm:style>
+      <a:lnRef idx="0">
+        <a:scrgbClr r="0" g="0" b="0"/>
+      </a:lnRef>
+      <a:fillRef idx="3">
+        <a:scrgbClr r="0" g="0" b="0"/>
+      </a:fillRef>
+      <a:effectRef idx="3">
+        <a:scrgbClr r="0" g="0" b="0"/>
+      </a:effectRef>
+      <a:fontRef idx="minor">
+        <a:schemeClr val="lt1"/>
+      </a:fontRef>
+    </dgm:style>
+  </dgm:styleLbl>
+  <dgm:styleLbl name="node2">
+    <dgm:scene3d>
+      <a:camera prst="orthographicFront"/>
+      <a:lightRig rig="threePt" dir="t"/>
+    </dgm:scene3d>
+    <dgm:sp3d/>
+    <dgm:txPr/>
+    <dgm:style>
+      <a:lnRef idx="0">
+        <a:scrgbClr r="0" g="0" b="0"/>
+      </a:lnRef>
+      <a:fillRef idx="3">
+        <a:scrgbClr r="0" g="0" b="0"/>
+      </a:fillRef>
+      <a:effectRef idx="3">
+        <a:scrgbClr r="0" g="0" b="0"/>
+      </a:effectRef>
+      <a:fontRef idx="minor">
+        <a:schemeClr val="lt1"/>
+      </a:fontRef>
+    </dgm:style>
+  </dgm:styleLbl>
+  <dgm:styleLbl name="node3">
+    <dgm:scene3d>
+      <a:camera prst="orthographicFront"/>
+      <a:lightRig rig="threePt" dir="t"/>
+    </dgm:scene3d>
+    <dgm:sp3d/>
+    <dgm:txPr/>
+    <dgm:style>
+      <a:lnRef idx="0">
+        <a:scrgbClr r="0" g="0" b="0"/>
+      </a:lnRef>
+      <a:fillRef idx="3">
+        <a:scrgbClr r="0" g="0" b="0"/>
+      </a:fillRef>
+      <a:effectRef idx="3">
+        <a:scrgbClr r="0" g="0" b="0"/>
+      </a:effectRef>
+      <a:fontRef idx="minor">
+        <a:schemeClr val="lt1"/>
+      </a:fontRef>
+    </dgm:style>
+  </dgm:styleLbl>
+  <dgm:styleLbl name="node4">
+    <dgm:scene3d>
+      <a:camera prst="orthographicFront"/>
+      <a:lightRig rig="threePt" dir="t"/>
+    </dgm:scene3d>
+    <dgm:sp3d/>
+    <dgm:txPr/>
+    <dgm:style>
+      <a:lnRef idx="0">
+        <a:scrgbClr r="0" g="0" b="0"/>
+      </a:lnRef>
+      <a:fillRef idx="3">
+        <a:scrgbClr r="0" g="0" b="0"/>
+      </a:fillRef>
+      <a:effectRef idx="3">
+        <a:scrgbClr r="0" g="0" b="0"/>
+      </a:effectRef>
+      <a:fontRef idx="minor">
+        <a:schemeClr val="lt1"/>
+      </a:fontRef>
+    </dgm:style>
+  </dgm:styleLbl>
+  <dgm:styleLbl name="fgImgPlace1">
+    <dgm:scene3d>
+      <a:camera prst="orthographicFront"/>
+      <a:lightRig rig="threePt" dir="t"/>
+    </dgm:scene3d>
+    <dgm:sp3d/>
+    <dgm:txPr/>
+    <dgm:style>
+      <a:lnRef idx="0">
+        <a:scrgbClr r="0" g="0" b="0"/>
+      </a:lnRef>
+      <a:fillRef idx="1">
+        <a:scrgbClr r="0" g="0" b="0"/>
+      </a:fillRef>
+      <a:effectRef idx="3">
+        <a:scrgbClr r="0" g="0" b="0"/>
+      </a:effectRef>
+      <a:fontRef idx="minor"/>
+    </dgm:style>
+  </dgm:styleLbl>
+  <dgm:styleLbl name="alignImgPlace1">
+    <dgm:scene3d>
+      <a:camera prst="orthographicFront"/>
+      <a:lightRig rig="threePt" dir="t"/>
+    </dgm:scene3d>
+    <dgm:sp3d/>
+    <dgm:txPr/>
+    <dgm:style>
+      <a:lnRef idx="0">
+        <a:scrgbClr r="0" g="0" b="0"/>
+      </a:lnRef>
+      <a:fillRef idx="1">
+        <a:scrgbClr r="0" g="0" b="0"/>
+      </a:fillRef>
+      <a:effectRef idx="3">
+        <a:scrgbClr r="0" g="0" b="0"/>
+      </a:effectRef>
+      <a:fontRef idx="minor"/>
+    </dgm:style>
+  </dgm:styleLbl>
+  <dgm:styleLbl name="bgImgPlace1">
+    <dgm:scene3d>
+      <a:camera prst="orthographicFront"/>
+      <a:lightRig rig="threePt" dir="t"/>
+    </dgm:scene3d>
+    <dgm:sp3d/>
+    <dgm:txPr/>
+    <dgm:style>
+      <a:lnRef idx="0">
+        <a:scrgbClr r="0" g="0" b="0"/>
+      </a:lnRef>
+      <a:fillRef idx="1">
+        <a:scrgbClr r="0" g="0" b="0"/>
+      </a:fillRef>
+      <a:effectRef idx="3">
+        <a:scrgbClr r="0" g="0" b="0"/>
+      </a:effectRef>
+      <a:fontRef idx="minor"/>
+    </dgm:style>
+  </dgm:styleLbl>
+  <dgm:styleLbl name="sibTrans2D1">
+    <dgm:scene3d>
+      <a:camera prst="orthographicFront"/>
+      <a:lightRig rig="threePt" dir="t"/>
+    </dgm:scene3d>
+    <dgm:sp3d/>
+    <dgm:txPr/>
+    <dgm:style>
+      <a:lnRef idx="0">
+        <a:scrgbClr r="0" g="0" b="0"/>
+      </a:lnRef>
+      <a:fillRef idx="3">
+        <a:scrgbClr r="0" g="0" b="0"/>
+      </a:fillRef>
+      <a:effectRef idx="3">
+        <a:scrgbClr r="0" g="0" b="0"/>
+      </a:effectRef>
+      <a:fontRef idx="minor">
+        <a:schemeClr val="lt1"/>
+      </a:fontRef>
+    </dgm:style>
+  </dgm:styleLbl>
+  <dgm:styleLbl name="fgSibTrans2D1">
+    <dgm:scene3d>
+      <a:camera prst="orthographicFront"/>
+      <a:lightRig rig="threePt" dir="t"/>
+    </dgm:scene3d>
+    <dgm:sp3d/>
+    <dgm:txPr/>
+    <dgm:style>
+      <a:lnRef idx="0">
+        <a:scrgbClr r="0" g="0" b="0"/>
+      </a:lnRef>
+      <a:fillRef idx="3">
+        <a:scrgbClr r="0" g="0" b="0"/>
+      </a:fillRef>
+      <a:effectRef idx="3">
+        <a:scrgbClr r="0" g="0" b="0"/>
+      </a:effectRef>
+      <a:fontRef idx="minor">
+        <a:schemeClr val="lt1"/>
+      </a:fontRef>
+    </dgm:style>
+  </dgm:styleLbl>
+  <dgm:styleLbl name="bgSibTrans2D1">
+    <dgm:scene3d>
+      <a:camera prst="orthographicFront"/>
+      <a:lightRig rig="threePt" dir="t"/>
+    </dgm:scene3d>
+    <dgm:sp3d/>
+    <dgm:txPr/>
+    <dgm:style>
+      <a:lnRef idx="0">
+        <a:scrgbClr r="0" g="0" b="0"/>
+      </a:lnRef>
+      <a:fillRef idx="3">
+        <a:scrgbClr r="0" g="0" b="0"/>
+      </a:fillRef>
+      <a:effectRef idx="3">
+        <a:scrgbClr r="0" g="0" b="0"/>
+      </a:effectRef>
+      <a:fontRef idx="minor">
+        <a:schemeClr val="lt1"/>
+      </a:fontRef>
+    </dgm:style>
+  </dgm:styleLbl>
+  <dgm:styleLbl name="sibTrans1D1">
+    <dgm:scene3d>
+      <a:camera prst="orthographicFront"/>
+      <a:lightRig rig="threePt" dir="t"/>
+    </dgm:scene3d>
+    <dgm:sp3d/>
+    <dgm:txPr/>
+    <dgm:style>
+      <a:lnRef idx="1">
+        <a:scrgbClr r="0" g="0" b="0"/>
+      </a:lnRef>
+      <a:fillRef idx="0">
+        <a:scrgbClr r="0" g="0" b="0"/>
+      </a:fillRef>
+      <a:effectRef idx="0">
+        <a:scrgbClr r="0" g="0" b="0"/>
+      </a:effectRef>
+      <a:fontRef idx="minor"/>
+    </dgm:style>
+  </dgm:styleLbl>
+  <dgm:styleLbl name="callout">
+    <dgm:scene3d>
+      <a:camera prst="orthographicFront"/>
+      <a:lightRig rig="threePt" dir="t"/>
+    </dgm:scene3d>
+    <dgm:sp3d/>
+    <dgm:txPr/>
+    <dgm:style>
+      <a:lnRef idx="1">
+        <a:scrgbClr r="0" g="0" b="0"/>
+      </a:lnRef>
+      <a:fillRef idx="0">
+        <a:scrgbClr r="0" g="0" b="0"/>
+      </a:fillRef>
+      <a:effectRef idx="1">
+        <a:scrgbClr r="0" g="0" b="0"/>
+      </a:effectRef>
+      <a:fontRef idx="minor"/>
+    </dgm:style>
+  </dgm:styleLbl>
+  <dgm:styleLbl name="asst0">
+    <dgm:scene3d>
+      <a:camera prst="orthographicFront"/>
+      <a:lightRig rig="threePt" dir="t"/>
+    </dgm:scene3d>
+    <dgm:sp3d/>
+    <dgm:txPr/>
+    <dgm:style>
+      <a:lnRef idx="0">
+        <a:scrgbClr r="0" g="0" b="0"/>
+      </a:lnRef>
+      <a:fillRef idx="3">
+        <a:scrgbClr r="0" g="0" b="0"/>
+      </a:fillRef>
+      <a:effectRef idx="3">
+        <a:scrgbClr r="0" g="0" b="0"/>
+      </a:effectRef>
+      <a:fontRef idx="minor">
+        <a:schemeClr val="lt1"/>
+      </a:fontRef>
+    </dgm:style>
+  </dgm:styleLbl>
+  <dgm:styleLbl name="asst1">
+    <dgm:scene3d>
+      <a:camera prst="orthographicFront"/>
+      <a:lightRig rig="threePt" dir="t"/>
+    </dgm:scene3d>
+    <dgm:sp3d/>
+    <dgm:txPr/>
+    <dgm:style>
+      <a:lnRef idx="0">
+        <a:scrgbClr r="0" g="0" b="0"/>
+      </a:lnRef>
+      <a:fillRef idx="3">
+        <a:scrgbClr r="0" g="0" b="0"/>
+      </a:fillRef>
+      <a:effectRef idx="3">
+        <a:scrgbClr r="0" g="0" b="0"/>
+      </a:effectRef>
+      <a:fontRef idx="minor">
+        <a:schemeClr val="lt1"/>
+      </a:fontRef>
+    </dgm:style>
+  </dgm:styleLbl>
+  <dgm:styleLbl name="asst2">
+    <dgm:scene3d>
+      <a:camera prst="orthographicFront"/>
+      <a:lightRig rig="threePt" dir="t"/>
+    </dgm:scene3d>
+    <dgm:sp3d/>
+    <dgm:txPr/>
+    <dgm:style>
+      <a:lnRef idx="0">
+        <a:scrgbClr r="0" g="0" b="0"/>
+      </a:lnRef>
+      <a:fillRef idx="3">
+        <a:scrgbClr r="0" g="0" b="0"/>
+      </a:fillRef>
+      <a:effectRef idx="3">
+        <a:scrgbClr r="0" g="0" b="0"/>
+      </a:effectRef>
+      <a:fontRef idx="minor">
+        <a:schemeClr val="lt1"/>
+      </a:fontRef>
+    </dgm:style>
+  </dgm:styleLbl>
+  <dgm:styleLbl name="asst3">
+    <dgm:scene3d>
+      <a:camera prst="orthographicFront"/>
+      <a:lightRig rig="threePt" dir="t"/>
+    </dgm:scene3d>
+    <dgm:sp3d/>
+    <dgm:txPr/>
+    <dgm:style>
+      <a:lnRef idx="0">
+        <a:scrgbClr r="0" g="0" b="0"/>
+      </a:lnRef>
+      <a:fillRef idx="3">
+        <a:scrgbClr r="0" g="0" b="0"/>
+      </a:fillRef>
+      <a:effectRef idx="3">
+        <a:scrgbClr r="0" g="0" b="0"/>
+      </a:effectRef>
+      <a:fontRef idx="minor">
+        <a:schemeClr val="lt1"/>
+      </a:fontRef>
+    </dgm:style>
+  </dgm:styleLbl>
+  <dgm:styleLbl name="asst4">
+    <dgm:scene3d>
+      <a:camera prst="orthographicFront"/>
+      <a:lightRig rig="threePt" dir="t"/>
+    </dgm:scene3d>
+    <dgm:sp3d/>
+    <dgm:txPr/>
+    <dgm:style>
+      <a:lnRef idx="0">
+        <a:scrgbClr r="0" g="0" b="0"/>
+      </a:lnRef>
+      <a:fillRef idx="3">
+        <a:scrgbClr r="0" g="0" b="0"/>
+      </a:fillRef>
+      <a:effectRef idx="3">
+        <a:scrgbClr r="0" g="0" b="0"/>
+      </a:effectRef>
+      <a:fontRef idx="minor">
+        <a:schemeClr val="lt1"/>
+      </a:fontRef>
+    </dgm:style>
+  </dgm:styleLbl>
+  <dgm:styleLbl name="parChTrans2D1">
+    <dgm:scene3d>
+      <a:camera prst="orthographicFront"/>
+      <a:lightRig rig="threePt" dir="t"/>
+    </dgm:scene3d>
+    <dgm:sp3d/>
+    <dgm:txPr/>
+    <dgm:style>
+      <a:lnRef idx="0">
+        <a:scrgbClr r="0" g="0" b="0"/>
+      </a:lnRef>
+      <a:fillRef idx="3">
+        <a:scrgbClr r="0" g="0" b="0"/>
+      </a:fillRef>
+      <a:effectRef idx="3">
+        <a:scrgbClr r="0" g="0" b="0"/>
+      </a:effectRef>
+      <a:fontRef idx="minor">
+        <a:schemeClr val="lt1"/>
+      </a:fontRef>
+    </dgm:style>
+  </dgm:styleLbl>
+  <dgm:styleLbl name="parChTrans2D2">
+    <dgm:scene3d>
+      <a:camera prst="orthographicFront"/>
+      <a:lightRig rig="threePt" dir="t"/>
+    </dgm:scene3d>
+    <dgm:sp3d/>
+    <dgm:txPr/>
+    <dgm:style>
+      <a:lnRef idx="0">
+        <a:scrgbClr r="0" g="0" b="0"/>
+      </a:lnRef>
+      <a:fillRef idx="3">
+        <a:scrgbClr r="0" g="0" b="0"/>
+      </a:fillRef>
+      <a:effectRef idx="3">
+        <a:scrgbClr r="0" g="0" b="0"/>
+      </a:effectRef>
+      <a:fontRef idx="minor">
+        <a:schemeClr val="lt1"/>
+      </a:fontRef>
+    </dgm:style>
+  </dgm:styleLbl>
+  <dgm:styleLbl name="parChTrans2D3">
+    <dgm:scene3d>
+      <a:camera prst="orthographicFront"/>
+      <a:lightRig rig="threePt" dir="t"/>
+    </dgm:scene3d>
+    <dgm:sp3d/>
+    <dgm:txPr/>
+    <dgm:style>
+      <a:lnRef idx="0">
+        <a:scrgbClr r="0" g="0" b="0"/>
+      </a:lnRef>
+      <a:fillRef idx="3">
+        <a:scrgbClr r="0" g="0" b="0"/>
+      </a:fillRef>
+      <a:effectRef idx="3">
+        <a:scrgbClr r="0" g="0" b="0"/>
+      </a:effectRef>
+      <a:fontRef idx="minor">
+        <a:schemeClr val="lt1"/>
+      </a:fontRef>
+    </dgm:style>
+  </dgm:styleLbl>
+  <dgm:styleLbl name="parChTrans2D4">
+    <dgm:scene3d>
+      <a:camera prst="orthographicFront"/>
+      <a:lightRig rig="threePt" dir="t"/>
+    </dgm:scene3d>
+    <dgm:sp3d/>
+    <dgm:txPr/>
+    <dgm:style>
+      <a:lnRef idx="0">
+        <a:scrgbClr r="0" g="0" b="0"/>
+      </a:lnRef>
+      <a:fillRef idx="3">
+        <a:scrgbClr r="0" g="0" b="0"/>
+      </a:fillRef>
+      <a:effectRef idx="3">
+        <a:scrgbClr r="0" g="0" b="0"/>
+      </a:effectRef>
+      <a:fontRef idx="minor">
+        <a:schemeClr val="lt1"/>
+      </a:fontRef>
+    </dgm:style>
+  </dgm:styleLbl>
+  <dgm:styleLbl name="parChTrans1D1">
+    <dgm:scene3d>
+      <a:camera prst="orthographicFront"/>
+      <a:lightRig rig="threePt" dir="t"/>
+    </dgm:scene3d>
+    <dgm:sp3d/>
+    <dgm:txPr/>
+    <dgm:style>
+      <a:lnRef idx="2">
+        <a:scrgbClr r="0" g="0" b="0"/>
+      </a:lnRef>
+      <a:fillRef idx="0">
+        <a:scrgbClr r="0" g="0" b="0"/>
+      </a:fillRef>
+      <a:effectRef idx="0">
+        <a:scrgbClr r="0" g="0" b="0"/>
+      </a:effectRef>
+      <a:fontRef idx="minor"/>
+    </dgm:style>
+  </dgm:styleLbl>
+  <dgm:styleLbl name="parChTrans1D2">
+    <dgm:scene3d>
+      <a:camera prst="orthographicFront"/>
+      <a:lightRig rig="threePt" dir="t"/>
+    </dgm:scene3d>
+    <dgm:sp3d/>
+    <dgm:txPr/>
+    <dgm:style>
+      <a:lnRef idx="2">
+        <a:scrgbClr r="0" g="0" b="0"/>
+      </a:lnRef>
+      <a:fillRef idx="0">
+        <a:scrgbClr r="0" g="0" b="0"/>
+      </a:fillRef>
+      <a:effectRef idx="0">
+        <a:scrgbClr r="0" g="0" b="0"/>
+      </a:effectRef>
+      <a:fontRef idx="minor"/>
+    </dgm:style>
+  </dgm:styleLbl>
+  <dgm:styleLbl name="parChTrans1D3">
+    <dgm:scene3d>
+      <a:camera prst="orthographicFront"/>
+      <a:lightRig rig="threePt" dir="t"/>
+    </dgm:scene3d>
+    <dgm:sp3d/>
+    <dgm:txPr/>
+    <dgm:style>
+      <a:lnRef idx="2">
+        <a:scrgbClr r="0" g="0" b="0"/>
+      </a:lnRef>
+      <a:fillRef idx="0">
+        <a:scrgbClr r="0" g="0" b="0"/>
+      </a:fillRef>
+      <a:effectRef idx="0">
+        <a:scrgbClr r="0" g="0" b="0"/>
+      </a:effectRef>
+      <a:fontRef idx="minor"/>
+    </dgm:style>
+  </dgm:styleLbl>
+  <dgm:styleLbl name="parChTrans1D4">
+    <dgm:scene3d>
+      <a:camera prst="orthographicFront"/>
+      <a:lightRig rig="threePt" dir="t"/>
+    </dgm:scene3d>
+    <dgm:sp3d/>
+    <dgm:txPr/>
+    <dgm:style>
+      <a:lnRef idx="2">
+        <a:scrgbClr r="0" g="0" b="0"/>
+      </a:lnRef>
+      <a:fillRef idx="0">
+        <a:scrgbClr r="0" g="0" b="0"/>
+      </a:fillRef>
+      <a:effectRef idx="0">
+        <a:scrgbClr r="0" g="0" b="0"/>
+      </a:effectRef>
+      <a:fontRef idx="minor"/>
+    </dgm:style>
+  </dgm:styleLbl>
+  <dgm:styleLbl name="fgAcc1">
+    <dgm:scene3d>
+      <a:camera prst="orthographicFront"/>
+      <a:lightRig rig="threePt" dir="t"/>
+    </dgm:scene3d>
+    <dgm:sp3d/>
+    <dgm:txPr/>
+    <dgm:style>
+      <a:lnRef idx="1">
+        <a:scrgbClr r="0" g="0" b="0"/>
+      </a:lnRef>
+      <a:fillRef idx="1">
+        <a:scrgbClr r="0" g="0" b="0"/>
+      </a:fillRef>
+      <a:effectRef idx="2">
+        <a:scrgbClr r="0" g="0" b="0"/>
+      </a:effectRef>
+      <a:fontRef idx="minor"/>
+    </dgm:style>
+  </dgm:styleLbl>
+  <dgm:styleLbl name="conFgAcc1">
+    <dgm:scene3d>
+      <a:camera prst="orthographicFront"/>
+      <a:lightRig rig="threePt" dir="t"/>
+    </dgm:scene3d>
+    <dgm:sp3d/>
+    <dgm:txPr/>
+    <dgm:style>
+      <a:lnRef idx="1">
+        <a:scrgbClr r="0" g="0" b="0"/>
+      </a:lnRef>
+      <a:fillRef idx="1">
+        <a:scrgbClr r="0" g="0" b="0"/>
+      </a:fillRef>
+      <a:effectRef idx="2">
+        <a:scrgbClr r="0" g="0" b="0"/>
+      </a:effectRef>
+      <a:fontRef idx="minor"/>
+    </dgm:style>
+  </dgm:styleLbl>
+  <dgm:styleLbl name="alignAcc1">
+    <dgm:scene3d>
+      <a:camera prst="orthographicFront"/>
+      <a:lightRig rig="threePt" dir="t"/>
+    </dgm:scene3d>
+    <dgm:sp3d/>
+    <dgm:txPr/>
+    <dgm:style>
+      <a:lnRef idx="1">
+        <a:scrgbClr r="0" g="0" b="0"/>
+      </a:lnRef>
+      <a:fillRef idx="1">
+        <a:scrgbClr r="0" g="0" b="0"/>
+      </a:fillRef>
+      <a:effectRef idx="2">
+        <a:scrgbClr r="0" g="0" b="0"/>
+      </a:effectRef>
+      <a:fontRef idx="minor"/>
+    </dgm:style>
+  </dgm:styleLbl>
+  <dgm:styleLbl name="trAlignAcc1">
+    <dgm:scene3d>
+      <a:camera prst="orthographicFront"/>
+      <a:lightRig rig="threePt" dir="t"/>
+    </dgm:scene3d>
+    <dgm:sp3d/>
+    <dgm:txPr/>
+    <dgm:style>
+      <a:lnRef idx="1">
+        <a:scrgbClr r="0" g="0" b="0"/>
+      </a:lnRef>
+      <a:fillRef idx="1">
+        <a:scrgbClr r="0" g="0" b="0"/>
+      </a:fillRef>
+      <a:effectRef idx="0">
+        <a:scrgbClr r="0" g="0" b="0"/>
+      </a:effectRef>
+      <a:fontRef idx="minor"/>
+    </dgm:style>
+  </dgm:styleLbl>
+  <dgm:styleLbl name="bgAcc1">
+    <dgm:scene3d>
+      <a:camera prst="orthographicFront"/>
+      <a:lightRig rig="threePt" dir="t"/>
+    </dgm:scene3d>
+    <dgm:sp3d/>
+    <dgm:txPr/>
+    <dgm:style>
+      <a:lnRef idx="1">
+        <a:scrgbClr r="0" g="0" b="0"/>
+      </a:lnRef>
+      <a:fillRef idx="1">
+        <a:scrgbClr r="0" g="0" b="0"/>
+      </a:fillRef>
+      <a:effectRef idx="2">
+        <a:scrgbClr r="0" g="0" b="0"/>
+      </a:effectRef>
+      <a:fontRef idx="minor"/>
+    </dgm:style>
+  </dgm:styleLbl>
+  <dgm:styleLbl name="solidFgAcc1">
+    <dgm:scene3d>
+      <a:camera prst="orthographicFront"/>
+      <a:lightRig rig="threePt" dir="t"/>
+    </dgm:scene3d>
+    <dgm:sp3d/>
+    <dgm:txPr/>
+    <dgm:style>
+      <a:lnRef idx="1">
+        <a:scrgbClr r="0" g="0" b="0"/>
+      </a:lnRef>
+      <a:fillRef idx="1">
+        <a:scrgbClr r="0" g="0" b="0"/>
+      </a:fillRef>
+      <a:effectRef idx="2">
+        <a:scrgbClr r="0" g="0" b="0"/>
+      </a:effectRef>
+      <a:fontRef idx="minor"/>
+    </dgm:style>
+  </dgm:styleLbl>
+  <dgm:styleLbl name="solidAlignAcc1">
+    <dgm:scene3d>
+      <a:camera prst="orthographicFront"/>
+      <a:lightRig rig="threePt" dir="t"/>
+    </dgm:scene3d>
+    <dgm:sp3d/>
+    <dgm:txPr/>
+    <dgm:style>
+      <a:lnRef idx="1">
+        <a:scrgbClr r="0" g="0" b="0"/>
+      </a:lnRef>
+      <a:fillRef idx="1">
+        <a:scrgbClr r="0" g="0" b="0"/>
+      </a:fillRef>
+      <a:effectRef idx="3">
+        <a:scrgbClr r="0" g="0" b="0"/>
+      </a:effectRef>
+      <a:fontRef idx="minor"/>
+    </dgm:style>
+  </dgm:styleLbl>
+  <dgm:styleLbl name="solidBgAcc1">
+    <dgm:scene3d>
+      <a:camera prst="orthographicFront"/>
+      <a:lightRig rig="threePt" dir="t"/>
+    </dgm:scene3d>
+    <dgm:sp3d/>
+    <dgm:txPr/>
+    <dgm:style>
+      <a:lnRef idx="1">
+        <a:scrgbClr r="0" g="0" b="0"/>
+      </a:lnRef>
+      <a:fillRef idx="1">
+        <a:scrgbClr r="0" g="0" b="0"/>
+      </a:fillRef>
+      <a:effectRef idx="3">
+        <a:scrgbClr r="0" g="0" b="0"/>
+      </a:effectRef>
+      <a:fontRef idx="minor"/>
+    </dgm:style>
+  </dgm:styleLbl>
+  <dgm:styleLbl name="fgAccFollowNode1">
+    <dgm:scene3d>
+      <a:camera prst="orthographicFront"/>
+      <a:lightRig rig="threePt" dir="t"/>
+    </dgm:scene3d>
+    <dgm:sp3d/>
+    <dgm:txPr/>
+    <dgm:style>
+      <a:lnRef idx="1">
+        <a:scrgbClr r="0" g="0" b="0"/>
+      </a:lnRef>
+      <a:fillRef idx="1">
+        <a:scrgbClr r="0" g="0" b="0"/>
+      </a:fillRef>
+      <a:effectRef idx="2">
+        <a:scrgbClr r="0" g="0" b="0"/>
+      </a:effectRef>
+      <a:fontRef idx="minor"/>
+    </dgm:style>
+  </dgm:styleLbl>
+  <dgm:styleLbl name="alignAccFollowNode1">
+    <dgm:scene3d>
+      <a:camera prst="orthographicFront"/>
+      <a:lightRig rig="threePt" dir="t"/>
+    </dgm:scene3d>
+    <dgm:sp3d/>
+    <dgm:txPr/>
+    <dgm:style>
+      <a:lnRef idx="1">
+        <a:scrgbClr r="0" g="0" b="0"/>
+      </a:lnRef>
+      <a:fillRef idx="1">
+        <a:scrgbClr r="0" g="0" b="0"/>
+      </a:fillRef>
+      <a:effectRef idx="2">
+        <a:scrgbClr r="0" g="0" b="0"/>
+      </a:effectRef>
+      <a:fontRef idx="minor"/>
+    </dgm:style>
+  </dgm:styleLbl>
+  <dgm:styleLbl name="bgAccFollowNode1">
+    <dgm:scene3d>
+      <a:camera prst="orthographicFront"/>
+      <a:lightRig rig="threePt" dir="t"/>
+    </dgm:scene3d>
+    <dgm:sp3d/>
+    <dgm:txPr/>
+    <dgm:style>
+      <a:lnRef idx="1">
+        <a:scrgbClr r="0" g="0" b="0"/>
+      </a:lnRef>
+      <a:fillRef idx="1">
+        <a:scrgbClr r="0" g="0" b="0"/>
+      </a:fillRef>
+      <a:effectRef idx="2">
+        <a:scrgbClr r="0" g="0" b="0"/>
+      </a:effectRef>
+      <a:fontRef idx="minor"/>
+    </dgm:style>
+  </dgm:styleLbl>
+  <dgm:styleLbl name="fgAcc0">
+    <dgm:scene3d>
+      <a:camera prst="orthographicFront"/>
+      <a:lightRig rig="threePt" dir="t"/>
+    </dgm:scene3d>
+    <dgm:sp3d/>
+    <dgm:txPr/>
+    <dgm:style>
+      <a:lnRef idx="1">
+        <a:scrgbClr r="0" g="0" b="0"/>
+      </a:lnRef>
+      <a:fillRef idx="1">
+        <a:scrgbClr r="0" g="0" b="0"/>
+      </a:fillRef>
+      <a:effectRef idx="2">
+        <a:scrgbClr r="0" g="0" b="0"/>
+      </a:effectRef>
+      <a:fontRef idx="minor"/>
+    </dgm:style>
+  </dgm:styleLbl>
+  <dgm:styleLbl name="fgAcc2">
+    <dgm:scene3d>
+      <a:camera prst="orthographicFront"/>
+      <a:lightRig rig="threePt" dir="t"/>
+    </dgm:scene3d>
+    <dgm:sp3d/>
+    <dgm:txPr/>
+    <dgm:style>
+      <a:lnRef idx="1">
+        <a:scrgbClr r="0" g="0" b="0"/>
+      </a:lnRef>
+      <a:fillRef idx="1">
+        <a:scrgbClr r="0" g="0" b="0"/>
+      </a:fillRef>
+      <a:effectRef idx="2">
+        <a:scrgbClr r="0" g="0" b="0"/>
+      </a:effectRef>
+      <a:fontRef idx="minor"/>
+    </dgm:style>
+  </dgm:styleLbl>
+  <dgm:styleLbl name="fgAcc3">
+    <dgm:scene3d>
+      <a:camera prst="orthographicFront"/>
+      <a:lightRig rig="threePt" dir="t"/>
+    </dgm:scene3d>
+    <dgm:sp3d/>
+    <dgm:txPr/>
+    <dgm:style>
+      <a:lnRef idx="1">
+        <a:scrgbClr r="0" g="0" b="0"/>
+      </a:lnRef>
+      <a:fillRef idx="1">
+        <a:scrgbClr r="0" g="0" b="0"/>
+      </a:fillRef>
+      <a:effectRef idx="2">
+        <a:scrgbClr r="0" g="0" b="0"/>
+      </a:effectRef>
+      <a:fontRef idx="minor"/>
+    </dgm:style>
+  </dgm:styleLbl>
+  <dgm:styleLbl name="fgAcc4">
+    <dgm:scene3d>
+      <a:camera prst="orthographicFront"/>
+      <a:lightRig rig="threePt" dir="t"/>
+    </dgm:scene3d>
+    <dgm:sp3d/>
+    <dgm:txPr/>
+    <dgm:style>
+      <a:lnRef idx="1">
+        <a:scrgbClr r="0" g="0" b="0"/>
+      </a:lnRef>
+      <a:fillRef idx="1">
+        <a:scrgbClr r="0" g="0" b="0"/>
+      </a:fillRef>
+      <a:effectRef idx="2">
+        <a:scrgbClr r="0" g="0" b="0"/>
+      </a:effectRef>
+      <a:fontRef idx="minor"/>
+    </dgm:style>
+  </dgm:styleLbl>
+  <dgm:styleLbl name="bgShp">
+    <dgm:scene3d>
+      <a:camera prst="orthographicFront"/>
+      <a:lightRig rig="threePt" dir="t"/>
+    </dgm:scene3d>
+    <dgm:sp3d/>
+    <dgm:txPr/>
+    <dgm:style>
+      <a:lnRef idx="0">
+        <a:scrgbClr r="0" g="0" b="0"/>
+      </a:lnRef>
+      <a:fillRef idx="1">
+        <a:scrgbClr r="0" g="0" b="0"/>
+      </a:fillRef>
+      <a:effectRef idx="2">
+        <a:scrgbClr r="0" g="0" b="0"/>
+      </a:effectRef>
+      <a:fontRef idx="minor"/>
+    </dgm:style>
+  </dgm:styleLbl>
+  <dgm:styleLbl name="dkBgShp">
+    <dgm:scene3d>
+      <a:camera prst="orthographicFront"/>
+      <a:lightRig rig="threePt" dir="t"/>
+    </dgm:scene3d>
+    <dgm:sp3d/>
+    <dgm:txPr/>
+    <dgm:style>
+      <a:lnRef idx="0">
+        <a:scrgbClr r="0" g="0" b="0"/>
+      </a:lnRef>
+      <a:fillRef idx="1">
+        <a:scrgbClr r="0" g="0" b="0"/>
+      </a:fillRef>
+      <a:effectRef idx="3">
+        <a:scrgbClr r="0" g="0" b="0"/>
+      </a:effectRef>
+      <a:fontRef idx="minor"/>
+    </dgm:style>
+  </dgm:styleLbl>
+  <dgm:styleLbl name="trBgShp">
+    <dgm:scene3d>
+      <a:camera prst="orthographicFront"/>
+      <a:lightRig rig="threePt" dir="t"/>
+    </dgm:scene3d>
+    <dgm:sp3d/>
+    <dgm:txPr/>
+    <dgm:style>
+      <a:lnRef idx="0">
+        <a:scrgbClr r="0" g="0" b="0"/>
+      </a:lnRef>
+      <a:fillRef idx="1">
+        <a:scrgbClr r="0" g="0" b="0"/>
+      </a:fillRef>
+      <a:effectRef idx="0">
+        <a:scrgbClr r="0" g="0" b="0"/>
+      </a:effectRef>
+      <a:fontRef idx="minor"/>
+    </dgm:style>
+  </dgm:styleLbl>
+  <dgm:styleLbl name="fgShp">
+    <dgm:scene3d>
+      <a:camera prst="orthographicFront"/>
+      <a:lightRig rig="threePt" dir="t"/>
+    </dgm:scene3d>
+    <dgm:sp3d/>
+    <dgm:txPr/>
+    <dgm:style>
+      <a:lnRef idx="0">
+        <a:scrgbClr r="0" g="0" b="0"/>
+      </a:lnRef>
+      <a:fillRef idx="3">
+        <a:scrgbClr r="0" g="0" b="0"/>
+      </a:fillRef>
+      <a:effectRef idx="3">
+        <a:scrgbClr r="0" g="0" b="0"/>
+      </a:effectRef>
+      <a:fontRef idx="minor"/>
+    </dgm:style>
+  </dgm:styleLbl>
+  <dgm:styleLbl name="revTx">
+    <dgm:scene3d>
+      <a:camera prst="orthographicFront"/>
+      <a:lightRig rig="threePt" dir="t"/>
+    </dgm:scene3d>
+    <dgm:sp3d/>
+    <dgm:txPr/>
+    <dgm:style>
+      <a:lnRef idx="0">
+        <a:scrgbClr r="0" g="0" b="0"/>
+      </a:lnRef>
+      <a:fillRef idx="0">
+        <a:scrgbClr r="0" g="0" b="0"/>
+      </a:fillRef>
+      <a:effectRef idx="0">
+        <a:scrgbClr r="0" g="0" b="0"/>
+      </a:effectRef>
+      <a:fontRef idx="minor"/>
+    </dgm:style>
+  </dgm:styleLbl>
+</dgm:styleDef>
 </file>
 
 <file path=ppt/slideLayouts/slideLayout1.xml><?xml version="1.0" encoding="utf-8"?>
@@ -6089,12 +11628,16 @@
             <p:ph type="title"/>
           </p:nvPr>
         </p:nvSpPr>
-        <p:spPr/>
+        <p:spPr>
+          <a:xfrm>
+            <a:off x="1683172" y="852629"/>
+            <a:ext cx="8825657" cy="1915647"/>
+          </a:xfrm>
+        </p:spPr>
         <p:txBody>
           <a:bodyPr/>
           <a:lstStyle/>
           <a:p>
-            <a:pPr algn="ctr"/>
             <a:r>
               <a:rPr lang="de-DE" dirty="0" smtClean="0"/>
               <a:t>Was ist </a:t>
@@ -6113,20 +11656,35 @@
       </p:sp>
       <p:sp>
         <p:nvSpPr>
-          <p:cNvPr id="3" name="Inhaltsplatzhalter 2"/>
+          <p:cNvPr id="4" name="Textplatzhalter 3"/>
           <p:cNvSpPr>
             <a:spLocks noGrp="1"/>
           </p:cNvSpPr>
           <p:nvPr>
-            <p:ph idx="1"/>
+            <p:ph type="body" idx="1"/>
           </p:nvPr>
         </p:nvSpPr>
-        <p:spPr/>
-        <p:txBody>
-          <a:bodyPr/>
+        <p:spPr>
+          <a:xfrm>
+            <a:off x="1683171" y="2907066"/>
+            <a:ext cx="8825658" cy="1043869"/>
+          </a:xfrm>
+        </p:spPr>
+        <p:txBody>
+          <a:bodyPr>
+            <a:normAutofit/>
+          </a:bodyPr>
           <a:lstStyle/>
           <a:p>
-            <a:endParaRPr lang="de-DE" dirty="0"/>
+            <a:r>
+              <a:rPr lang="de-DE" cap="none" dirty="0" err="1" smtClean="0"/>
+              <a:t>Buzzit</a:t>
+            </a:r>
+            <a:r>
+              <a:rPr lang="de-DE" cap="none" dirty="0" smtClean="0"/>
+              <a:t> ist ein neues soziales Netzwerk, welches sich durch detaillierte Sichtbarkeitsoptionen für Beiträge sowie ein umfangreiches Moderationssystem auszeichnet.</a:t>
+            </a:r>
+            <a:endParaRPr lang="de-DE" cap="none" dirty="0"/>
           </a:p>
         </p:txBody>
       </p:sp>
@@ -6140,6 +11698,13 @@
   <p:clrMapOvr>
     <a:masterClrMapping/>
   </p:clrMapOvr>
+  <p:timing>
+    <p:tnLst>
+      <p:par>
+        <p:cTn id="1" dur="indefinite" restart="never" nodeType="tmRoot"/>
+      </p:par>
+    </p:tnLst>
+  </p:timing>
 </p:sld>
 </file>
 
@@ -6199,7 +11764,66 @@
           <a:bodyPr/>
           <a:lstStyle/>
           <a:p>
-            <a:endParaRPr lang="de-DE"/>
+            <a:r>
+              <a:rPr lang="de-DE" dirty="0" smtClean="0"/>
+              <a:t>Userverwaltung</a:t>
+            </a:r>
+          </a:p>
+          <a:p>
+            <a:r>
+              <a:rPr lang="de-DE" dirty="0" smtClean="0"/>
+              <a:t>Profile (mit Bildern)</a:t>
+            </a:r>
+          </a:p>
+          <a:p>
+            <a:r>
+              <a:rPr lang="de-DE" dirty="0" smtClean="0"/>
+              <a:t>Direktnachrichten</a:t>
+            </a:r>
+          </a:p>
+          <a:p>
+            <a:r>
+              <a:rPr lang="de-DE" dirty="0" err="1" smtClean="0"/>
+              <a:t>Following</a:t>
+            </a:r>
+            <a:r>
+              <a:rPr lang="de-DE" dirty="0" smtClean="0"/>
+              <a:t> System</a:t>
+            </a:r>
+          </a:p>
+          <a:p>
+            <a:r>
+              <a:rPr lang="de-DE" dirty="0" smtClean="0"/>
+              <a:t>Beitragserstellung (inkl. #,@, Antworten, </a:t>
+            </a:r>
+            <a:r>
+              <a:rPr lang="de-DE" dirty="0" err="1" smtClean="0"/>
+              <a:t>Rebuzz</a:t>
+            </a:r>
+            <a:r>
+              <a:rPr lang="de-DE" dirty="0" smtClean="0"/>
+              <a:t>)</a:t>
+            </a:r>
+          </a:p>
+          <a:p>
+            <a:r>
+              <a:rPr lang="de-DE" dirty="0" smtClean="0"/>
+              <a:t>Umfangreiche Sichtbarkeitseinstellungen (Kreise)</a:t>
+            </a:r>
+          </a:p>
+          <a:p>
+            <a:r>
+              <a:rPr lang="de-DE" dirty="0" err="1" smtClean="0"/>
+              <a:t>Meldungs</a:t>
+            </a:r>
+            <a:r>
+              <a:rPr lang="de-DE" dirty="0" smtClean="0"/>
+              <a:t> &amp; Moderationsfeatures</a:t>
+            </a:r>
+            <a:br>
+              <a:rPr lang="de-DE" dirty="0" smtClean="0"/>
+            </a:br>
+            <a:endParaRPr lang="de-DE" dirty="0" smtClean="0"/>
           </a:p>
         </p:txBody>
       </p:sp>
@@ -6213,6 +11837,13 @@
   <p:clrMapOvr>
     <a:masterClrMapping/>
   </p:clrMapOvr>
+  <p:timing>
+    <p:tnLst>
+      <p:par>
+        <p:cTn id="1" dur="indefinite" restart="never" nodeType="tmRoot"/>
+      </p:par>
+    </p:tnLst>
+  </p:timing>
 </p:sld>
 </file>
 
@@ -6927,6 +12558,13 @@
   <p:clrMapOvr>
     <a:masterClrMapping/>
   </p:clrMapOvr>
+  <p:timing>
+    <p:tnLst>
+      <p:par>
+        <p:cTn id="1" dur="indefinite" restart="never" nodeType="tmRoot"/>
+      </p:par>
+    </p:tnLst>
+  </p:timing>
 </p:sld>
 </file>
 
@@ -6947,90 +12585,54 @@
           <a:chExt cx="0" cy="0"/>
         </a:xfrm>
       </p:grpSpPr>
-      <p:sp>
-        <p:nvSpPr>
-          <p:cNvPr id="2" name="Titel 1"/>
-          <p:cNvSpPr>
-            <a:spLocks noGrp="1"/>
-          </p:cNvSpPr>
+      <p:graphicFrame>
+        <p:nvGraphicFramePr>
+          <p:cNvPr id="4" name="Diagramm 3"/>
+          <p:cNvGraphicFramePr/>
           <p:nvPr>
-            <p:ph type="title"/>
+            <p:extLst>
+              <p:ext uri="{D42A27DB-BD31-4B8C-83A1-F6EECF244321}">
+                <p14:modId xmlns:p14="http://schemas.microsoft.com/office/powerpoint/2010/main" val="3940729002"/>
+              </p:ext>
+            </p:extLst>
           </p:nvPr>
-        </p:nvSpPr>
-        <p:spPr/>
-        <p:txBody>
-          <a:bodyPr/>
-          <a:lstStyle/>
-          <a:p>
-            <a:pPr algn="ctr"/>
-            <a:r>
-              <a:rPr lang="de-DE" dirty="0" smtClean="0"/>
-              <a:t>Genutzte Technik</a:t>
-            </a:r>
-            <a:endParaRPr lang="de-DE" dirty="0"/>
-          </a:p>
-        </p:txBody>
-      </p:sp>
-      <p:sp>
-        <p:nvSpPr>
-          <p:cNvPr id="3" name="Inhaltsplatzhalter 2"/>
-          <p:cNvSpPr>
-            <a:spLocks noGrp="1"/>
-          </p:cNvSpPr>
+        </p:nvGraphicFramePr>
+        <p:xfrm>
+          <a:off x="1941848" y="1157549"/>
+          <a:ext cx="8128000" cy="2551568"/>
+        </p:xfrm>
+        <a:graphic>
+          <a:graphicData uri="http://schemas.openxmlformats.org/drawingml/2006/diagram">
+            <dgm:relIds xmlns:dgm="http://schemas.openxmlformats.org/drawingml/2006/diagram" xmlns:r="http://schemas.openxmlformats.org/officeDocument/2006/relationships" r:dm="rId2" r:lo="rId3" r:qs="rId4" r:cs="rId5"/>
+          </a:graphicData>
+        </a:graphic>
+      </p:graphicFrame>
+      <p:graphicFrame>
+        <p:nvGraphicFramePr>
+          <p:cNvPr id="5" name="Diagramm 4"/>
+          <p:cNvGraphicFramePr/>
           <p:nvPr>
-            <p:ph idx="1"/>
+            <p:extLst>
+              <p:ext uri="{D42A27DB-BD31-4B8C-83A1-F6EECF244321}">
+                <p14:modId xmlns:p14="http://schemas.microsoft.com/office/powerpoint/2010/main" val="79679096"/>
+              </p:ext>
+            </p:extLst>
           </p:nvPr>
-        </p:nvSpPr>
-        <p:spPr/>
-        <p:txBody>
-          <a:bodyPr/>
-          <a:lstStyle/>
-          <a:p>
-            <a:r>
-              <a:rPr lang="de-DE" dirty="0" smtClean="0"/>
-              <a:t>Python</a:t>
-            </a:r>
-          </a:p>
-          <a:p>
-            <a:r>
-              <a:rPr lang="de-DE" dirty="0" smtClean="0"/>
-              <a:t>Django</a:t>
-            </a:r>
-          </a:p>
-          <a:p>
-            <a:r>
-              <a:rPr lang="de-DE" dirty="0" smtClean="0"/>
-              <a:t>Bootstrap</a:t>
-            </a:r>
-          </a:p>
-          <a:p>
-            <a:r>
-              <a:rPr lang="de-DE" dirty="0" smtClean="0"/>
-              <a:t>Amazon Web Services </a:t>
-            </a:r>
-            <a:r>
-              <a:rPr lang="de-DE" dirty="0" err="1" smtClean="0"/>
-              <a:t>Elastic</a:t>
-            </a:r>
-            <a:r>
-              <a:rPr lang="de-DE" dirty="0" smtClean="0"/>
-              <a:t> </a:t>
-            </a:r>
-            <a:r>
-              <a:rPr lang="de-DE" dirty="0" err="1" smtClean="0"/>
-              <a:t>Beanstalk</a:t>
-            </a:r>
-            <a:endParaRPr lang="de-DE" dirty="0" smtClean="0"/>
-          </a:p>
-          <a:p>
-            <a:endParaRPr lang="de-DE" dirty="0" smtClean="0"/>
-          </a:p>
-        </p:txBody>
-      </p:sp>
+        </p:nvGraphicFramePr>
+        <p:xfrm>
+          <a:off x="1991217" y="3731177"/>
+          <a:ext cx="8128000" cy="2551568"/>
+        </p:xfrm>
+        <a:graphic>
+          <a:graphicData uri="http://schemas.openxmlformats.org/drawingml/2006/diagram">
+            <dgm:relIds xmlns:dgm="http://schemas.openxmlformats.org/drawingml/2006/diagram" xmlns:r="http://schemas.openxmlformats.org/officeDocument/2006/relationships" r:dm="rId7" r:lo="rId8" r:qs="rId9" r:cs="rId10"/>
+          </a:graphicData>
+        </a:graphic>
+      </p:graphicFrame>
     </p:spTree>
     <p:extLst>
       <p:ext uri="{BB962C8B-B14F-4D97-AF65-F5344CB8AC3E}">
-        <p14:creationId xmlns:p14="http://schemas.microsoft.com/office/powerpoint/2010/main" val="2046762529"/>
+        <p14:creationId xmlns:p14="http://schemas.microsoft.com/office/powerpoint/2010/main" val="618328416"/>
       </p:ext>
     </p:extLst>
   </p:cSld>
@@ -7072,9 +12674,10 @@
           <a:bodyPr/>
           <a:lstStyle/>
           <a:p>
+            <a:pPr algn="ctr"/>
             <a:r>
               <a:rPr lang="de-DE" dirty="0" smtClean="0"/>
-              <a:t>Weiteres</a:t>
+              <a:t>Genutzte Technik</a:t>
             </a:r>
             <a:endParaRPr lang="de-DE" dirty="0"/>
           </a:p>
@@ -7097,44 +12700,90 @@
           <a:p>
             <a:r>
               <a:rPr lang="de-DE" dirty="0" smtClean="0"/>
-              <a:t>Lizenz: BSD-Lizenz</a:t>
-            </a:r>
+              <a:t>Python 3.4</a:t>
+            </a:r>
+            <a:endParaRPr lang="de-DE" dirty="0" smtClean="0"/>
           </a:p>
           <a:p>
             <a:r>
               <a:rPr lang="de-DE" dirty="0" smtClean="0"/>
-              <a:t>Dokumentation: Im </a:t>
+              <a:t>Django (plus </a:t>
             </a:r>
             <a:r>
               <a:rPr lang="de-DE" dirty="0" err="1" smtClean="0"/>
-              <a:t>Github</a:t>
+              <a:t>Pillow</a:t>
             </a:r>
             <a:r>
               <a:rPr lang="de-DE" dirty="0" smtClean="0"/>
-              <a:t> Wiki</a:t>
-            </a:r>
-          </a:p>
-          <a:p>
+              <a:t>, </a:t>
+            </a:r>
+            <a:r>
+              <a:rPr lang="de-DE" dirty="0" err="1" smtClean="0"/>
+              <a:t>mysqlclient</a:t>
+            </a:r>
+            <a:r>
+              <a:rPr lang="de-DE" dirty="0" smtClean="0"/>
+              <a:t>, </a:t>
+            </a:r>
+            <a:r>
+              <a:rPr lang="de-DE" dirty="0" err="1" smtClean="0"/>
+              <a:t>bleach</a:t>
+            </a:r>
+            <a:r>
+              <a:rPr lang="de-DE" dirty="0" smtClean="0"/>
+              <a:t>)</a:t>
+            </a:r>
             <a:endParaRPr lang="de-DE" dirty="0" smtClean="0"/>
           </a:p>
           <a:p>
+            <a:r>
+              <a:rPr lang="de-DE" dirty="0" smtClean="0"/>
+              <a:t>Bootstrap</a:t>
+            </a:r>
+          </a:p>
+          <a:p>
+            <a:r>
+              <a:rPr lang="de-DE" dirty="0" smtClean="0"/>
+              <a:t>Amazon Web </a:t>
+            </a:r>
+            <a:r>
+              <a:rPr lang="de-DE" dirty="0" smtClean="0"/>
+              <a:t>Services</a:t>
+            </a:r>
+          </a:p>
+          <a:p>
+            <a:r>
+              <a:rPr lang="de-DE" dirty="0" err="1" smtClean="0"/>
+              <a:t>Noty</a:t>
+            </a:r>
             <a:endParaRPr lang="de-DE" dirty="0" smtClean="0"/>
           </a:p>
           <a:p>
-            <a:endParaRPr lang="de-DE" dirty="0"/>
+            <a:r>
+              <a:rPr lang="de-DE" dirty="0" err="1" smtClean="0"/>
+              <a:t>Sumoselect</a:t>
+            </a:r>
+            <a:endParaRPr lang="de-DE" dirty="0" smtClean="0"/>
           </a:p>
         </p:txBody>
       </p:sp>
     </p:spTree>
     <p:extLst>
       <p:ext uri="{BB962C8B-B14F-4D97-AF65-F5344CB8AC3E}">
-        <p14:creationId xmlns:p14="http://schemas.microsoft.com/office/powerpoint/2010/main" val="2963266117"/>
+        <p14:creationId xmlns:p14="http://schemas.microsoft.com/office/powerpoint/2010/main" val="2046762529"/>
       </p:ext>
     </p:extLst>
   </p:cSld>
   <p:clrMapOvr>
     <a:masterClrMapping/>
   </p:clrMapOvr>
+  <p:timing>
+    <p:tnLst>
+      <p:par>
+        <p:cTn id="1" dur="indefinite" restart="never" nodeType="tmRoot"/>
+      </p:par>
+    </p:tnLst>
+  </p:timing>
 </p:sld>
 </file>
 
@@ -7172,6 +12821,104 @@
           <a:p>
             <a:r>
               <a:rPr lang="de-DE" dirty="0" smtClean="0"/>
+              <a:t>Weiteres</a:t>
+            </a:r>
+            <a:endParaRPr lang="de-DE" dirty="0"/>
+          </a:p>
+        </p:txBody>
+      </p:sp>
+      <p:sp>
+        <p:nvSpPr>
+          <p:cNvPr id="3" name="Inhaltsplatzhalter 2"/>
+          <p:cNvSpPr>
+            <a:spLocks noGrp="1"/>
+          </p:cNvSpPr>
+          <p:nvPr>
+            <p:ph idx="1"/>
+          </p:nvPr>
+        </p:nvSpPr>
+        <p:spPr/>
+        <p:txBody>
+          <a:bodyPr/>
+          <a:lstStyle/>
+          <a:p>
+            <a:r>
+              <a:rPr lang="de-DE" dirty="0" smtClean="0"/>
+              <a:t>Lizenz: BSD-Lizenz</a:t>
+            </a:r>
+          </a:p>
+          <a:p>
+            <a:r>
+              <a:rPr lang="de-DE" dirty="0" smtClean="0"/>
+              <a:t>Dokumentation: Im </a:t>
+            </a:r>
+            <a:r>
+              <a:rPr lang="de-DE" dirty="0" err="1" smtClean="0"/>
+              <a:t>Github</a:t>
+            </a:r>
+            <a:r>
+              <a:rPr lang="de-DE" dirty="0" smtClean="0"/>
+              <a:t> Wiki</a:t>
+            </a:r>
+          </a:p>
+          <a:p>
+            <a:endParaRPr lang="de-DE" dirty="0" smtClean="0"/>
+          </a:p>
+          <a:p>
+            <a:endParaRPr lang="de-DE" dirty="0" smtClean="0"/>
+          </a:p>
+          <a:p>
+            <a:endParaRPr lang="de-DE" dirty="0"/>
+          </a:p>
+        </p:txBody>
+      </p:sp>
+    </p:spTree>
+    <p:extLst>
+      <p:ext uri="{BB962C8B-B14F-4D97-AF65-F5344CB8AC3E}">
+        <p14:creationId xmlns:p14="http://schemas.microsoft.com/office/powerpoint/2010/main" val="2963266117"/>
+      </p:ext>
+    </p:extLst>
+  </p:cSld>
+  <p:clrMapOvr>
+    <a:masterClrMapping/>
+  </p:clrMapOvr>
+</p:sld>
+</file>
+
+<file path=ppt/slides/slide8.xml><?xml version="1.0" encoding="utf-8"?>
+<p:sld xmlns:a="http://schemas.openxmlformats.org/drawingml/2006/main" xmlns:r="http://schemas.openxmlformats.org/officeDocument/2006/relationships" xmlns:p="http://schemas.openxmlformats.org/presentationml/2006/main">
+  <p:cSld>
+    <p:spTree>
+      <p:nvGrpSpPr>
+        <p:cNvPr id="1" name=""/>
+        <p:cNvGrpSpPr/>
+        <p:nvPr/>
+      </p:nvGrpSpPr>
+      <p:grpSpPr>
+        <a:xfrm>
+          <a:off x="0" y="0"/>
+          <a:ext cx="0" cy="0"/>
+          <a:chOff x="0" y="0"/>
+          <a:chExt cx="0" cy="0"/>
+        </a:xfrm>
+      </p:grpSpPr>
+      <p:sp>
+        <p:nvSpPr>
+          <p:cNvPr id="2" name="Titel 1"/>
+          <p:cNvSpPr>
+            <a:spLocks noGrp="1"/>
+          </p:cNvSpPr>
+          <p:nvPr>
+            <p:ph type="title"/>
+          </p:nvPr>
+        </p:nvSpPr>
+        <p:spPr/>
+        <p:txBody>
+          <a:bodyPr/>
+          <a:lstStyle/>
+          <a:p>
+            <a:r>
+              <a:rPr lang="de-DE" dirty="0" smtClean="0"/>
               <a:t>Fragen?!</a:t>
             </a:r>
             <a:endParaRPr lang="de-DE" dirty="0"/>
@@ -7196,6 +12943,54 @@
             <a:r>
               <a:rPr lang="de-DE" dirty="0" smtClean="0"/>
               <a:t>Das Team: </a:t>
+            </a:r>
+            <a:r>
+              <a:rPr lang="de-DE" dirty="0"/>
+              <a:t>Cheng </a:t>
+            </a:r>
+            <a:r>
+              <a:rPr lang="de-DE" dirty="0" smtClean="0"/>
+              <a:t>Chen, </a:t>
+            </a:r>
+            <a:r>
+              <a:rPr lang="de-DE" dirty="0"/>
+              <a:t>David </a:t>
+            </a:r>
+            <a:r>
+              <a:rPr lang="de-DE" dirty="0" smtClean="0"/>
+              <a:t>Skowronek, </a:t>
+            </a:r>
+            <a:r>
+              <a:rPr lang="de-DE" dirty="0"/>
+              <a:t>Dong </a:t>
+            </a:r>
+            <a:r>
+              <a:rPr lang="de-DE" dirty="0" smtClean="0"/>
+              <a:t>Yang, </a:t>
+            </a:r>
+            <a:r>
+              <a:rPr lang="de-DE" dirty="0"/>
+              <a:t>Florian </a:t>
+            </a:r>
+            <a:r>
+              <a:rPr lang="de-DE" dirty="0" smtClean="0"/>
+              <a:t>Stelzer, </a:t>
+            </a:r>
+            <a:r>
+              <a:rPr lang="de-DE" dirty="0"/>
+              <a:t>Jan </a:t>
+            </a:r>
+            <a:r>
+              <a:rPr lang="de-DE" dirty="0" smtClean="0"/>
+              <a:t>Mennen, </a:t>
+            </a:r>
+            <a:r>
+              <a:rPr lang="de-DE" dirty="0"/>
+              <a:t>Qi Yang</a:t>
+            </a:r>
+            <a:r>
+              <a:rPr lang="de-DE" dirty="0" smtClean="0"/>
+              <a:t> </a:t>
             </a:r>
             <a:endParaRPr lang="de-DE" dirty="0"/>
           </a:p>
